--- a/G1/SEM 1 - Python Programming/PDFs/Unit 1 Introduction 2.pptx
+++ b/G1/SEM 1 - Python Programming/PDFs/Unit 1 Introduction 2.pptx
@@ -320,7 +320,7 @@
             <a:fld id="{04AD1392-4834-4E34-908C-143E11F591DA}" type="datetimeFigureOut">
               <a:rPr lang="en-IN" smtClean="0"/>
               <a:pPr/>
-              <a:t>27-11-2020</a:t>
+              <a:t>29-12-2020</a:t>
             </a:fld>
             <a:endParaRPr lang="en-IN"/>
           </a:p>
@@ -522,7 +522,7 @@
             <a:fld id="{04AD1392-4834-4E34-908C-143E11F591DA}" type="datetimeFigureOut">
               <a:rPr lang="en-IN" smtClean="0"/>
               <a:pPr/>
-              <a:t>27-11-2020</a:t>
+              <a:t>29-12-2020</a:t>
             </a:fld>
             <a:endParaRPr lang="en-IN"/>
           </a:p>
@@ -734,7 +734,7 @@
             <a:fld id="{04AD1392-4834-4E34-908C-143E11F591DA}" type="datetimeFigureOut">
               <a:rPr lang="en-IN" smtClean="0"/>
               <a:pPr/>
-              <a:t>27-11-2020</a:t>
+              <a:t>29-12-2020</a:t>
             </a:fld>
             <a:endParaRPr lang="en-IN"/>
           </a:p>
@@ -936,7 +936,7 @@
             <a:fld id="{04AD1392-4834-4E34-908C-143E11F591DA}" type="datetimeFigureOut">
               <a:rPr lang="en-IN" smtClean="0"/>
               <a:pPr/>
-              <a:t>27-11-2020</a:t>
+              <a:t>29-12-2020</a:t>
             </a:fld>
             <a:endParaRPr lang="en-IN"/>
           </a:p>
@@ -1214,7 +1214,7 @@
             <a:fld id="{04AD1392-4834-4E34-908C-143E11F591DA}" type="datetimeFigureOut">
               <a:rPr lang="en-IN" smtClean="0"/>
               <a:pPr/>
-              <a:t>27-11-2020</a:t>
+              <a:t>29-12-2020</a:t>
             </a:fld>
             <a:endParaRPr lang="en-IN"/>
           </a:p>
@@ -1484,7 +1484,7 @@
             <a:fld id="{04AD1392-4834-4E34-908C-143E11F591DA}" type="datetimeFigureOut">
               <a:rPr lang="en-IN" smtClean="0"/>
               <a:pPr/>
-              <a:t>27-11-2020</a:t>
+              <a:t>29-12-2020</a:t>
             </a:fld>
             <a:endParaRPr lang="en-IN"/>
           </a:p>
@@ -1901,7 +1901,7 @@
             <a:fld id="{04AD1392-4834-4E34-908C-143E11F591DA}" type="datetimeFigureOut">
               <a:rPr lang="en-IN" smtClean="0"/>
               <a:pPr/>
-              <a:t>27-11-2020</a:t>
+              <a:t>29-12-2020</a:t>
             </a:fld>
             <a:endParaRPr lang="en-IN"/>
           </a:p>
@@ -2045,7 +2045,7 @@
             <a:fld id="{04AD1392-4834-4E34-908C-143E11F591DA}" type="datetimeFigureOut">
               <a:rPr lang="en-IN" smtClean="0"/>
               <a:pPr/>
-              <a:t>27-11-2020</a:t>
+              <a:t>29-12-2020</a:t>
             </a:fld>
             <a:endParaRPr lang="en-IN"/>
           </a:p>
@@ -2160,7 +2160,7 @@
             <a:fld id="{04AD1392-4834-4E34-908C-143E11F591DA}" type="datetimeFigureOut">
               <a:rPr lang="en-IN" smtClean="0"/>
               <a:pPr/>
-              <a:t>27-11-2020</a:t>
+              <a:t>29-12-2020</a:t>
             </a:fld>
             <a:endParaRPr lang="en-IN"/>
           </a:p>
@@ -2475,7 +2475,7 @@
             <a:fld id="{04AD1392-4834-4E34-908C-143E11F591DA}" type="datetimeFigureOut">
               <a:rPr lang="en-IN" smtClean="0"/>
               <a:pPr/>
-              <a:t>27-11-2020</a:t>
+              <a:t>29-12-2020</a:t>
             </a:fld>
             <a:endParaRPr lang="en-IN"/>
           </a:p>
@@ -2766,7 +2766,7 @@
             <a:fld id="{04AD1392-4834-4E34-908C-143E11F591DA}" type="datetimeFigureOut">
               <a:rPr lang="en-IN" smtClean="0"/>
               <a:pPr/>
-              <a:t>27-11-2020</a:t>
+              <a:t>29-12-2020</a:t>
             </a:fld>
             <a:endParaRPr lang="en-IN"/>
           </a:p>
@@ -3011,7 +3011,7 @@
             <a:fld id="{04AD1392-4834-4E34-908C-143E11F591DA}" type="datetimeFigureOut">
               <a:rPr lang="en-IN" smtClean="0"/>
               <a:pPr/>
-              <a:t>27-11-2020</a:t>
+              <a:t>29-12-2020</a:t>
             </a:fld>
             <a:endParaRPr lang="en-IN"/>
           </a:p>
@@ -5523,7 +5523,7 @@
                   <a:srgbClr val="C00000"/>
                 </a:solidFill>
               </a:rPr>
-              <a:t>¬score &lt; 51</a:t>
+              <a:t>¬(score &lt; 51)</a:t>
             </a:r>
             <a:r>
               <a:rPr lang="en-US" dirty="0"/>
@@ -7260,14 +7260,14 @@
               <a:effectLst/>
               <a:extLst>
                 <a:ext uri="{909E8E84-426E-40dd-AFC4-6F175D3DCCD1}">
-                  <a14:hiddenFill xmlns:lc="http://schemas.openxmlformats.org/drawingml/2006/lockedCanvas" xmlns:a14="http://schemas.microsoft.com/office/drawing/2010/main" xmlns="">
+                  <a14:hiddenFill xmlns="" xmlns:a14="http://schemas.microsoft.com/office/drawing/2010/main" xmlns:lc="http://schemas.openxmlformats.org/drawingml/2006/lockedCanvas">
                     <a:solidFill>
                       <a:schemeClr val="accent1"/>
                     </a:solidFill>
                   </a14:hiddenFill>
                 </a:ext>
                 <a:ext uri="{AF507438-7753-43e0-B8FC-AC1667EBCBE1}">
-                  <a14:hiddenEffects xmlns:lc="http://schemas.openxmlformats.org/drawingml/2006/lockedCanvas" xmlns:a14="http://schemas.microsoft.com/office/drawing/2010/main" xmlns="">
+                  <a14:hiddenEffects xmlns="" xmlns:a14="http://schemas.microsoft.com/office/drawing/2010/main" xmlns:lc="http://schemas.openxmlformats.org/drawingml/2006/lockedCanvas">
                     <a:effectLst>
                       <a:outerShdw blurRad="63500" dist="38099" dir="2700000" algn="ctr" rotWithShape="0">
                         <a:schemeClr val="bg2">
@@ -7446,14 +7446,14 @@
               <a:effectLst/>
               <a:extLst>
                 <a:ext uri="{909E8E84-426E-40dd-AFC4-6F175D3DCCD1}">
-                  <a14:hiddenFill xmlns:lc="http://schemas.openxmlformats.org/drawingml/2006/lockedCanvas" xmlns:a14="http://schemas.microsoft.com/office/drawing/2010/main" xmlns="">
+                  <a14:hiddenFill xmlns="" xmlns:a14="http://schemas.microsoft.com/office/drawing/2010/main" xmlns:lc="http://schemas.openxmlformats.org/drawingml/2006/lockedCanvas">
                     <a:solidFill>
                       <a:schemeClr val="accent1"/>
                     </a:solidFill>
                   </a14:hiddenFill>
                 </a:ext>
                 <a:ext uri="{91240B29-F687-4f45-9708-019B960494DF}">
-                  <a14:hiddenLine xmlns:lc="http://schemas.openxmlformats.org/drawingml/2006/lockedCanvas" xmlns:a14="http://schemas.microsoft.com/office/drawing/2010/main" xmlns="" w="9525">
+                  <a14:hiddenLine xmlns="" xmlns:a14="http://schemas.microsoft.com/office/drawing/2010/main" xmlns:lc="http://schemas.openxmlformats.org/drawingml/2006/lockedCanvas" w="9525">
                     <a:solidFill>
                       <a:schemeClr val="tx1"/>
                     </a:solidFill>
@@ -7463,7 +7463,7 @@
                   </a14:hiddenLine>
                 </a:ext>
                 <a:ext uri="{AF507438-7753-43e0-B8FC-AC1667EBCBE1}">
-                  <a14:hiddenEffects xmlns:lc="http://schemas.openxmlformats.org/drawingml/2006/lockedCanvas" xmlns:a14="http://schemas.microsoft.com/office/drawing/2010/main" xmlns="">
+                  <a14:hiddenEffects xmlns="" xmlns:a14="http://schemas.microsoft.com/office/drawing/2010/main" xmlns:lc="http://schemas.openxmlformats.org/drawingml/2006/lockedCanvas">
                     <a:effectLst>
                       <a:outerShdw blurRad="63500" dist="38099" dir="2700000" algn="ctr" rotWithShape="0">
                         <a:schemeClr val="bg2">
@@ -7672,14 +7672,14 @@
               <a:effectLst/>
               <a:extLst>
                 <a:ext uri="{909E8E84-426E-40dd-AFC4-6F175D3DCCD1}">
-                  <a14:hiddenFill xmlns:lc="http://schemas.openxmlformats.org/drawingml/2006/lockedCanvas" xmlns:a14="http://schemas.microsoft.com/office/drawing/2010/main" xmlns="">
+                  <a14:hiddenFill xmlns="" xmlns:a14="http://schemas.microsoft.com/office/drawing/2010/main" xmlns:lc="http://schemas.openxmlformats.org/drawingml/2006/lockedCanvas">
                     <a:solidFill>
                       <a:schemeClr val="accent1"/>
                     </a:solidFill>
                   </a14:hiddenFill>
                 </a:ext>
                 <a:ext uri="{AF507438-7753-43e0-B8FC-AC1667EBCBE1}">
-                  <a14:hiddenEffects xmlns:lc="http://schemas.openxmlformats.org/drawingml/2006/lockedCanvas" xmlns:a14="http://schemas.microsoft.com/office/drawing/2010/main" xmlns="">
+                  <a14:hiddenEffects xmlns="" xmlns:a14="http://schemas.microsoft.com/office/drawing/2010/main" xmlns:lc="http://schemas.openxmlformats.org/drawingml/2006/lockedCanvas">
                     <a:effectLst>
                       <a:outerShdw blurRad="63500" dist="38099" dir="2700000" algn="ctr" rotWithShape="0">
                         <a:schemeClr val="bg2">
@@ -7858,14 +7858,14 @@
               <a:effectLst/>
               <a:extLst>
                 <a:ext uri="{909E8E84-426E-40dd-AFC4-6F175D3DCCD1}">
-                  <a14:hiddenFill xmlns:lc="http://schemas.openxmlformats.org/drawingml/2006/lockedCanvas" xmlns:a14="http://schemas.microsoft.com/office/drawing/2010/main" xmlns="">
+                  <a14:hiddenFill xmlns="" xmlns:a14="http://schemas.microsoft.com/office/drawing/2010/main" xmlns:lc="http://schemas.openxmlformats.org/drawingml/2006/lockedCanvas">
                     <a:solidFill>
                       <a:schemeClr val="accent1"/>
                     </a:solidFill>
                   </a14:hiddenFill>
                 </a:ext>
                 <a:ext uri="{91240B29-F687-4f45-9708-019B960494DF}">
-                  <a14:hiddenLine xmlns:lc="http://schemas.openxmlformats.org/drawingml/2006/lockedCanvas" xmlns:a14="http://schemas.microsoft.com/office/drawing/2010/main" xmlns="" w="9525">
+                  <a14:hiddenLine xmlns="" xmlns:a14="http://schemas.microsoft.com/office/drawing/2010/main" xmlns:lc="http://schemas.openxmlformats.org/drawingml/2006/lockedCanvas" w="9525">
                     <a:solidFill>
                       <a:schemeClr val="tx1"/>
                     </a:solidFill>
@@ -7875,7 +7875,7 @@
                   </a14:hiddenLine>
                 </a:ext>
                 <a:ext uri="{AF507438-7753-43e0-B8FC-AC1667EBCBE1}">
-                  <a14:hiddenEffects xmlns:lc="http://schemas.openxmlformats.org/drawingml/2006/lockedCanvas" xmlns:a14="http://schemas.microsoft.com/office/drawing/2010/main" xmlns="">
+                  <a14:hiddenEffects xmlns="" xmlns:a14="http://schemas.microsoft.com/office/drawing/2010/main" xmlns:lc="http://schemas.openxmlformats.org/drawingml/2006/lockedCanvas">
                     <a:effectLst>
                       <a:outerShdw blurRad="63500" dist="38099" dir="2700000" algn="ctr" rotWithShape="0">
                         <a:schemeClr val="bg2">
@@ -8062,12 +8062,12 @@
             <a:effectLst/>
             <a:extLst>
               <a:ext uri="{909E8E84-426E-40dd-AFC4-6F175D3DCCD1}">
-                <a14:hiddenFill xmlns:lc="http://schemas.openxmlformats.org/drawingml/2006/lockedCanvas" xmlns:a14="http://schemas.microsoft.com/office/drawing/2010/main" xmlns="">
+                <a14:hiddenFill xmlns="" xmlns:a14="http://schemas.microsoft.com/office/drawing/2010/main" xmlns:lc="http://schemas.openxmlformats.org/drawingml/2006/lockedCanvas">
                   <a:noFill/>
                 </a14:hiddenFill>
               </a:ext>
               <a:ext uri="{AF507438-7753-43e0-B8FC-AC1667EBCBE1}">
-                <a14:hiddenEffects xmlns:lc="http://schemas.openxmlformats.org/drawingml/2006/lockedCanvas" xmlns:a14="http://schemas.microsoft.com/office/drawing/2010/main" xmlns="">
+                <a14:hiddenEffects xmlns="" xmlns:a14="http://schemas.microsoft.com/office/drawing/2010/main" xmlns:lc="http://schemas.openxmlformats.org/drawingml/2006/lockedCanvas">
                   <a:effectLst>
                     <a:outerShdw blurRad="63500" dist="38099" dir="2700000" algn="ctr" rotWithShape="0">
                       <a:schemeClr val="bg2">
@@ -8251,12 +8251,12 @@
             <a:effectLst/>
             <a:extLst>
               <a:ext uri="{909E8E84-426E-40dd-AFC4-6F175D3DCCD1}">
-                <a14:hiddenFill xmlns:lc="http://schemas.openxmlformats.org/drawingml/2006/lockedCanvas" xmlns:a14="http://schemas.microsoft.com/office/drawing/2010/main" xmlns="">
+                <a14:hiddenFill xmlns="" xmlns:a14="http://schemas.microsoft.com/office/drawing/2010/main" xmlns:lc="http://schemas.openxmlformats.org/drawingml/2006/lockedCanvas">
                   <a:noFill/>
                 </a14:hiddenFill>
               </a:ext>
               <a:ext uri="{AF507438-7753-43e0-B8FC-AC1667EBCBE1}">
-                <a14:hiddenEffects xmlns:lc="http://schemas.openxmlformats.org/drawingml/2006/lockedCanvas" xmlns:a14="http://schemas.microsoft.com/office/drawing/2010/main" xmlns="">
+                <a14:hiddenEffects xmlns="" xmlns:a14="http://schemas.microsoft.com/office/drawing/2010/main" xmlns:lc="http://schemas.openxmlformats.org/drawingml/2006/lockedCanvas">
                   <a:effectLst>
                     <a:outerShdw blurRad="63500" dist="38099" dir="2700000" algn="ctr" rotWithShape="0">
                       <a:schemeClr val="bg2">
@@ -8440,14 +8440,14 @@
             <a:effectLst/>
             <a:extLst>
               <a:ext uri="{909E8E84-426E-40dd-AFC4-6F175D3DCCD1}">
-                <a14:hiddenFill xmlns:lc="http://schemas.openxmlformats.org/drawingml/2006/lockedCanvas" xmlns:a14="http://schemas.microsoft.com/office/drawing/2010/main" xmlns="">
+                <a14:hiddenFill xmlns="" xmlns:a14="http://schemas.microsoft.com/office/drawing/2010/main" xmlns:lc="http://schemas.openxmlformats.org/drawingml/2006/lockedCanvas">
                   <a:solidFill>
                     <a:schemeClr val="accent1"/>
                   </a:solidFill>
                 </a14:hiddenFill>
               </a:ext>
               <a:ext uri="{AF507438-7753-43e0-B8FC-AC1667EBCBE1}">
-                <a14:hiddenEffects xmlns:lc="http://schemas.openxmlformats.org/drawingml/2006/lockedCanvas" xmlns:a14="http://schemas.microsoft.com/office/drawing/2010/main" xmlns="">
+                <a14:hiddenEffects xmlns="" xmlns:a14="http://schemas.microsoft.com/office/drawing/2010/main" xmlns:lc="http://schemas.openxmlformats.org/drawingml/2006/lockedCanvas">
                   <a:effectLst>
                     <a:outerShdw blurRad="63500" dist="38099" dir="2700000" algn="ctr" rotWithShape="0">
                       <a:schemeClr val="bg2">
@@ -8645,12 +8645,12 @@
             <a:effectLst/>
             <a:extLst>
               <a:ext uri="{909E8E84-426E-40dd-AFC4-6F175D3DCCD1}">
-                <a14:hiddenFill xmlns:lc="http://schemas.openxmlformats.org/drawingml/2006/lockedCanvas" xmlns:a14="http://schemas.microsoft.com/office/drawing/2010/main" xmlns="">
+                <a14:hiddenFill xmlns="" xmlns:a14="http://schemas.microsoft.com/office/drawing/2010/main" xmlns:lc="http://schemas.openxmlformats.org/drawingml/2006/lockedCanvas">
                   <a:noFill/>
                 </a14:hiddenFill>
               </a:ext>
               <a:ext uri="{AF507438-7753-43e0-B8FC-AC1667EBCBE1}">
-                <a14:hiddenEffects xmlns:lc="http://schemas.openxmlformats.org/drawingml/2006/lockedCanvas" xmlns:a14="http://schemas.microsoft.com/office/drawing/2010/main" xmlns="">
+                <a14:hiddenEffects xmlns="" xmlns:a14="http://schemas.microsoft.com/office/drawing/2010/main" xmlns:lc="http://schemas.openxmlformats.org/drawingml/2006/lockedCanvas">
                   <a:effectLst>
                     <a:outerShdw blurRad="63500" dist="38099" dir="2700000" algn="ctr" rotWithShape="0">
                       <a:schemeClr val="bg2">
@@ -8856,14 +8856,14 @@
               <a:effectLst/>
               <a:extLst>
                 <a:ext uri="{909E8E84-426E-40dd-AFC4-6F175D3DCCD1}">
-                  <a14:hiddenFill xmlns:lc="http://schemas.openxmlformats.org/drawingml/2006/lockedCanvas" xmlns:a14="http://schemas.microsoft.com/office/drawing/2010/main" xmlns="">
+                  <a14:hiddenFill xmlns="" xmlns:a14="http://schemas.microsoft.com/office/drawing/2010/main" xmlns:lc="http://schemas.openxmlformats.org/drawingml/2006/lockedCanvas">
                     <a:solidFill>
                       <a:schemeClr val="accent1"/>
                     </a:solidFill>
                   </a14:hiddenFill>
                 </a:ext>
                 <a:ext uri="{AF507438-7753-43e0-B8FC-AC1667EBCBE1}">
-                  <a14:hiddenEffects xmlns:lc="http://schemas.openxmlformats.org/drawingml/2006/lockedCanvas" xmlns:a14="http://schemas.microsoft.com/office/drawing/2010/main" xmlns="">
+                  <a14:hiddenEffects xmlns="" xmlns:a14="http://schemas.microsoft.com/office/drawing/2010/main" xmlns:lc="http://schemas.openxmlformats.org/drawingml/2006/lockedCanvas">
                     <a:effectLst>
                       <a:outerShdw blurRad="63500" dist="38099" dir="2700000" algn="ctr" rotWithShape="0">
                         <a:schemeClr val="bg2">
@@ -9042,14 +9042,14 @@
               <a:effectLst/>
               <a:extLst>
                 <a:ext uri="{909E8E84-426E-40dd-AFC4-6F175D3DCCD1}">
-                  <a14:hiddenFill xmlns:lc="http://schemas.openxmlformats.org/drawingml/2006/lockedCanvas" xmlns:a14="http://schemas.microsoft.com/office/drawing/2010/main" xmlns="">
+                  <a14:hiddenFill xmlns="" xmlns:a14="http://schemas.microsoft.com/office/drawing/2010/main" xmlns:lc="http://schemas.openxmlformats.org/drawingml/2006/lockedCanvas">
                     <a:solidFill>
                       <a:schemeClr val="accent1"/>
                     </a:solidFill>
                   </a14:hiddenFill>
                 </a:ext>
                 <a:ext uri="{91240B29-F687-4f45-9708-019B960494DF}">
-                  <a14:hiddenLine xmlns:lc="http://schemas.openxmlformats.org/drawingml/2006/lockedCanvas" xmlns:a14="http://schemas.microsoft.com/office/drawing/2010/main" xmlns="" w="9525">
+                  <a14:hiddenLine xmlns="" xmlns:a14="http://schemas.microsoft.com/office/drawing/2010/main" xmlns:lc="http://schemas.openxmlformats.org/drawingml/2006/lockedCanvas" w="9525">
                     <a:solidFill>
                       <a:schemeClr val="tx1"/>
                     </a:solidFill>
@@ -9059,7 +9059,7 @@
                   </a14:hiddenLine>
                 </a:ext>
                 <a:ext uri="{AF507438-7753-43e0-B8FC-AC1667EBCBE1}">
-                  <a14:hiddenEffects xmlns:lc="http://schemas.openxmlformats.org/drawingml/2006/lockedCanvas" xmlns:a14="http://schemas.microsoft.com/office/drawing/2010/main" xmlns="">
+                  <a14:hiddenEffects xmlns="" xmlns:a14="http://schemas.microsoft.com/office/drawing/2010/main" xmlns:lc="http://schemas.openxmlformats.org/drawingml/2006/lockedCanvas">
                     <a:effectLst>
                       <a:outerShdw blurRad="63500" dist="38099" dir="2700000" algn="ctr" rotWithShape="0">
                         <a:schemeClr val="bg2">
@@ -9377,14 +9377,14 @@
               <a:effectLst/>
               <a:extLst>
                 <a:ext uri="{909E8E84-426E-40dd-AFC4-6F175D3DCCD1}">
-                  <a14:hiddenFill xmlns:lc="http://schemas.openxmlformats.org/drawingml/2006/lockedCanvas" xmlns:a14="http://schemas.microsoft.com/office/drawing/2010/main" xmlns="">
+                  <a14:hiddenFill xmlns="" xmlns:a14="http://schemas.microsoft.com/office/drawing/2010/main" xmlns:lc="http://schemas.openxmlformats.org/drawingml/2006/lockedCanvas">
                     <a:solidFill>
                       <a:schemeClr val="accent1"/>
                     </a:solidFill>
                   </a14:hiddenFill>
                 </a:ext>
                 <a:ext uri="{AF507438-7753-43e0-B8FC-AC1667EBCBE1}">
-                  <a14:hiddenEffects xmlns:lc="http://schemas.openxmlformats.org/drawingml/2006/lockedCanvas" xmlns:a14="http://schemas.microsoft.com/office/drawing/2010/main" xmlns="">
+                  <a14:hiddenEffects xmlns="" xmlns:a14="http://schemas.microsoft.com/office/drawing/2010/main" xmlns:lc="http://schemas.openxmlformats.org/drawingml/2006/lockedCanvas">
                     <a:effectLst>
                       <a:outerShdw blurRad="63500" dist="38099" dir="2700000" algn="ctr" rotWithShape="0">
                         <a:schemeClr val="bg2">
@@ -9582,14 +9582,14 @@
               <a:effectLst/>
               <a:extLst>
                 <a:ext uri="{909E8E84-426E-40dd-AFC4-6F175D3DCCD1}">
-                  <a14:hiddenFill xmlns:lc="http://schemas.openxmlformats.org/drawingml/2006/lockedCanvas" xmlns:a14="http://schemas.microsoft.com/office/drawing/2010/main" xmlns="">
+                  <a14:hiddenFill xmlns="" xmlns:a14="http://schemas.microsoft.com/office/drawing/2010/main" xmlns:lc="http://schemas.openxmlformats.org/drawingml/2006/lockedCanvas">
                     <a:solidFill>
                       <a:schemeClr val="accent1"/>
                     </a:solidFill>
                   </a14:hiddenFill>
                 </a:ext>
                 <a:ext uri="{AF507438-7753-43e0-B8FC-AC1667EBCBE1}">
-                  <a14:hiddenEffects xmlns:lc="http://schemas.openxmlformats.org/drawingml/2006/lockedCanvas" xmlns:a14="http://schemas.microsoft.com/office/drawing/2010/main" xmlns="">
+                  <a14:hiddenEffects xmlns="" xmlns:a14="http://schemas.microsoft.com/office/drawing/2010/main" xmlns:lc="http://schemas.openxmlformats.org/drawingml/2006/lockedCanvas">
                     <a:effectLst>
                       <a:outerShdw blurRad="63500" dist="38099" dir="2700000" algn="ctr" rotWithShape="0">
                         <a:schemeClr val="bg2">
@@ -9773,14 +9773,14 @@
               <a:effectLst/>
               <a:extLst>
                 <a:ext uri="{909E8E84-426E-40dd-AFC4-6F175D3DCCD1}">
-                  <a14:hiddenFill xmlns:lc="http://schemas.openxmlformats.org/drawingml/2006/lockedCanvas" xmlns:a14="http://schemas.microsoft.com/office/drawing/2010/main" xmlns="">
+                  <a14:hiddenFill xmlns="" xmlns:a14="http://schemas.microsoft.com/office/drawing/2010/main" xmlns:lc="http://schemas.openxmlformats.org/drawingml/2006/lockedCanvas">
                     <a:solidFill>
                       <a:schemeClr val="accent1"/>
                     </a:solidFill>
                   </a14:hiddenFill>
                 </a:ext>
                 <a:ext uri="{AF507438-7753-43e0-B8FC-AC1667EBCBE1}">
-                  <a14:hiddenEffects xmlns:lc="http://schemas.openxmlformats.org/drawingml/2006/lockedCanvas" xmlns:a14="http://schemas.microsoft.com/office/drawing/2010/main" xmlns="">
+                  <a14:hiddenEffects xmlns="" xmlns:a14="http://schemas.microsoft.com/office/drawing/2010/main" xmlns:lc="http://schemas.openxmlformats.org/drawingml/2006/lockedCanvas">
                     <a:effectLst>
                       <a:outerShdw blurRad="63500" dist="38099" dir="2700000" algn="ctr" rotWithShape="0">
                         <a:schemeClr val="bg2">
@@ -9978,12 +9978,12 @@
               <a:effectLst/>
               <a:extLst>
                 <a:ext uri="{909E8E84-426E-40dd-AFC4-6F175D3DCCD1}">
-                  <a14:hiddenFill xmlns:lc="http://schemas.openxmlformats.org/drawingml/2006/lockedCanvas" xmlns:a14="http://schemas.microsoft.com/office/drawing/2010/main" xmlns="">
+                  <a14:hiddenFill xmlns="" xmlns:a14="http://schemas.microsoft.com/office/drawing/2010/main" xmlns:lc="http://schemas.openxmlformats.org/drawingml/2006/lockedCanvas">
                     <a:noFill/>
                   </a14:hiddenFill>
                 </a:ext>
                 <a:ext uri="{AF507438-7753-43e0-B8FC-AC1667EBCBE1}">
-                  <a14:hiddenEffects xmlns:lc="http://schemas.openxmlformats.org/drawingml/2006/lockedCanvas" xmlns:a14="http://schemas.microsoft.com/office/drawing/2010/main" xmlns="">
+                  <a14:hiddenEffects xmlns="" xmlns:a14="http://schemas.microsoft.com/office/drawing/2010/main" xmlns:lc="http://schemas.openxmlformats.org/drawingml/2006/lockedCanvas">
                     <a:effectLst>
                       <a:outerShdw blurRad="63500" dist="38099" dir="2700000" algn="ctr" rotWithShape="0">
                         <a:schemeClr val="bg2">
@@ -10167,12 +10167,12 @@
               <a:effectLst/>
               <a:extLst>
                 <a:ext uri="{909E8E84-426E-40dd-AFC4-6F175D3DCCD1}">
-                  <a14:hiddenFill xmlns:lc="http://schemas.openxmlformats.org/drawingml/2006/lockedCanvas" xmlns:a14="http://schemas.microsoft.com/office/drawing/2010/main" xmlns="">
+                  <a14:hiddenFill xmlns="" xmlns:a14="http://schemas.microsoft.com/office/drawing/2010/main" xmlns:lc="http://schemas.openxmlformats.org/drawingml/2006/lockedCanvas">
                     <a:noFill/>
                   </a14:hiddenFill>
                 </a:ext>
                 <a:ext uri="{AF507438-7753-43e0-B8FC-AC1667EBCBE1}">
-                  <a14:hiddenEffects xmlns:lc="http://schemas.openxmlformats.org/drawingml/2006/lockedCanvas" xmlns:a14="http://schemas.microsoft.com/office/drawing/2010/main" xmlns="">
+                  <a14:hiddenEffects xmlns="" xmlns:a14="http://schemas.microsoft.com/office/drawing/2010/main" xmlns:lc="http://schemas.openxmlformats.org/drawingml/2006/lockedCanvas">
                     <a:effectLst>
                       <a:outerShdw blurRad="63500" dist="38099" dir="2700000" algn="ctr" rotWithShape="0">
                         <a:schemeClr val="bg2">
@@ -10378,12 +10378,12 @@
                 <a:effectLst/>
                 <a:extLst>
                   <a:ext uri="{909E8E84-426E-40dd-AFC4-6F175D3DCCD1}">
-                    <a14:hiddenFill xmlns:lc="http://schemas.openxmlformats.org/drawingml/2006/lockedCanvas" xmlns:a14="http://schemas.microsoft.com/office/drawing/2010/main" xmlns="">
+                    <a14:hiddenFill xmlns="" xmlns:a14="http://schemas.microsoft.com/office/drawing/2010/main" xmlns:lc="http://schemas.openxmlformats.org/drawingml/2006/lockedCanvas">
                       <a:noFill/>
                     </a14:hiddenFill>
                   </a:ext>
                   <a:ext uri="{AF507438-7753-43e0-B8FC-AC1667EBCBE1}">
-                    <a14:hiddenEffects xmlns:lc="http://schemas.openxmlformats.org/drawingml/2006/lockedCanvas" xmlns:a14="http://schemas.microsoft.com/office/drawing/2010/main" xmlns="">
+                    <a14:hiddenEffects xmlns="" xmlns:a14="http://schemas.microsoft.com/office/drawing/2010/main" xmlns:lc="http://schemas.openxmlformats.org/drawingml/2006/lockedCanvas">
                       <a:effectLst>
                         <a:outerShdw blurRad="63500" dist="38099" dir="2700000" algn="ctr" rotWithShape="0">
                           <a:schemeClr val="bg2">
@@ -10567,12 +10567,12 @@
                 <a:effectLst/>
                 <a:extLst>
                   <a:ext uri="{909E8E84-426E-40dd-AFC4-6F175D3DCCD1}">
-                    <a14:hiddenFill xmlns:lc="http://schemas.openxmlformats.org/drawingml/2006/lockedCanvas" xmlns:a14="http://schemas.microsoft.com/office/drawing/2010/main" xmlns="">
+                    <a14:hiddenFill xmlns="" xmlns:a14="http://schemas.microsoft.com/office/drawing/2010/main" xmlns:lc="http://schemas.openxmlformats.org/drawingml/2006/lockedCanvas">
                       <a:noFill/>
                     </a14:hiddenFill>
                   </a:ext>
                   <a:ext uri="{AF507438-7753-43e0-B8FC-AC1667EBCBE1}">
-                    <a14:hiddenEffects xmlns:lc="http://schemas.openxmlformats.org/drawingml/2006/lockedCanvas" xmlns:a14="http://schemas.microsoft.com/office/drawing/2010/main" xmlns="">
+                    <a14:hiddenEffects xmlns="" xmlns:a14="http://schemas.microsoft.com/office/drawing/2010/main" xmlns:lc="http://schemas.openxmlformats.org/drawingml/2006/lockedCanvas">
                       <a:effectLst>
                         <a:outerShdw blurRad="63500" dist="38099" dir="2700000" algn="ctr" rotWithShape="0">
                           <a:schemeClr val="bg2">
@@ -10757,12 +10757,12 @@
               <a:effectLst/>
               <a:extLst>
                 <a:ext uri="{909E8E84-426E-40dd-AFC4-6F175D3DCCD1}">
-                  <a14:hiddenFill xmlns:lc="http://schemas.openxmlformats.org/drawingml/2006/lockedCanvas" xmlns:a14="http://schemas.microsoft.com/office/drawing/2010/main" xmlns="">
+                  <a14:hiddenFill xmlns="" xmlns:a14="http://schemas.microsoft.com/office/drawing/2010/main" xmlns:lc="http://schemas.openxmlformats.org/drawingml/2006/lockedCanvas">
                     <a:noFill/>
                   </a14:hiddenFill>
                 </a:ext>
                 <a:ext uri="{AF507438-7753-43e0-B8FC-AC1667EBCBE1}">
-                  <a14:hiddenEffects xmlns:lc="http://schemas.openxmlformats.org/drawingml/2006/lockedCanvas" xmlns:a14="http://schemas.microsoft.com/office/drawing/2010/main" xmlns="">
+                  <a14:hiddenEffects xmlns="" xmlns:a14="http://schemas.microsoft.com/office/drawing/2010/main" xmlns:lc="http://schemas.openxmlformats.org/drawingml/2006/lockedCanvas">
                     <a:effectLst>
                       <a:outerShdw blurRad="63500" dist="38099" dir="2700000" algn="ctr" rotWithShape="0">
                         <a:schemeClr val="bg2">
@@ -10946,12 +10946,12 @@
               <a:effectLst/>
               <a:extLst>
                 <a:ext uri="{909E8E84-426E-40dd-AFC4-6F175D3DCCD1}">
-                  <a14:hiddenFill xmlns:lc="http://schemas.openxmlformats.org/drawingml/2006/lockedCanvas" xmlns:a14="http://schemas.microsoft.com/office/drawing/2010/main" xmlns="">
+                  <a14:hiddenFill xmlns="" xmlns:a14="http://schemas.microsoft.com/office/drawing/2010/main" xmlns:lc="http://schemas.openxmlformats.org/drawingml/2006/lockedCanvas">
                     <a:noFill/>
                   </a14:hiddenFill>
                 </a:ext>
                 <a:ext uri="{AF507438-7753-43e0-B8FC-AC1667EBCBE1}">
-                  <a14:hiddenEffects xmlns:lc="http://schemas.openxmlformats.org/drawingml/2006/lockedCanvas" xmlns:a14="http://schemas.microsoft.com/office/drawing/2010/main" xmlns="">
+                  <a14:hiddenEffects xmlns="" xmlns:a14="http://schemas.microsoft.com/office/drawing/2010/main" xmlns:lc="http://schemas.openxmlformats.org/drawingml/2006/lockedCanvas">
                     <a:effectLst>
                       <a:outerShdw blurRad="63500" dist="38099" dir="2700000" algn="ctr" rotWithShape="0">
                         <a:schemeClr val="bg2">
@@ -11135,12 +11135,12 @@
               <a:effectLst/>
               <a:extLst>
                 <a:ext uri="{909E8E84-426E-40dd-AFC4-6F175D3DCCD1}">
-                  <a14:hiddenFill xmlns:lc="http://schemas.openxmlformats.org/drawingml/2006/lockedCanvas" xmlns:a14="http://schemas.microsoft.com/office/drawing/2010/main" xmlns="">
+                  <a14:hiddenFill xmlns="" xmlns:a14="http://schemas.microsoft.com/office/drawing/2010/main" xmlns:lc="http://schemas.openxmlformats.org/drawingml/2006/lockedCanvas">
                     <a:noFill/>
                   </a14:hiddenFill>
                 </a:ext>
                 <a:ext uri="{AF507438-7753-43e0-B8FC-AC1667EBCBE1}">
-                  <a14:hiddenEffects xmlns:lc="http://schemas.openxmlformats.org/drawingml/2006/lockedCanvas" xmlns:a14="http://schemas.microsoft.com/office/drawing/2010/main" xmlns="">
+                  <a14:hiddenEffects xmlns="" xmlns:a14="http://schemas.microsoft.com/office/drawing/2010/main" xmlns:lc="http://schemas.openxmlformats.org/drawingml/2006/lockedCanvas">
                     <a:effectLst>
                       <a:outerShdw blurRad="63500" dist="38099" dir="2700000" algn="ctr" rotWithShape="0">
                         <a:schemeClr val="bg2">
@@ -11324,12 +11324,12 @@
               <a:effectLst/>
               <a:extLst>
                 <a:ext uri="{909E8E84-426E-40dd-AFC4-6F175D3DCCD1}">
-                  <a14:hiddenFill xmlns:lc="http://schemas.openxmlformats.org/drawingml/2006/lockedCanvas" xmlns:a14="http://schemas.microsoft.com/office/drawing/2010/main" xmlns="">
+                  <a14:hiddenFill xmlns="" xmlns:a14="http://schemas.microsoft.com/office/drawing/2010/main" xmlns:lc="http://schemas.openxmlformats.org/drawingml/2006/lockedCanvas">
                     <a:noFill/>
                   </a14:hiddenFill>
                 </a:ext>
                 <a:ext uri="{AF507438-7753-43e0-B8FC-AC1667EBCBE1}">
-                  <a14:hiddenEffects xmlns:lc="http://schemas.openxmlformats.org/drawingml/2006/lockedCanvas" xmlns:a14="http://schemas.microsoft.com/office/drawing/2010/main" xmlns="">
+                  <a14:hiddenEffects xmlns="" xmlns:a14="http://schemas.microsoft.com/office/drawing/2010/main" xmlns:lc="http://schemas.openxmlformats.org/drawingml/2006/lockedCanvas">
                     <a:effectLst>
                       <a:outerShdw blurRad="63500" dist="38099" dir="2700000" algn="ctr" rotWithShape="0">
                         <a:schemeClr val="bg2">
@@ -11513,12 +11513,12 @@
               <a:effectLst/>
               <a:extLst>
                 <a:ext uri="{909E8E84-426E-40dd-AFC4-6F175D3DCCD1}">
-                  <a14:hiddenFill xmlns:lc="http://schemas.openxmlformats.org/drawingml/2006/lockedCanvas" xmlns:a14="http://schemas.microsoft.com/office/drawing/2010/main" xmlns="">
+                  <a14:hiddenFill xmlns="" xmlns:a14="http://schemas.microsoft.com/office/drawing/2010/main" xmlns:lc="http://schemas.openxmlformats.org/drawingml/2006/lockedCanvas">
                     <a:noFill/>
                   </a14:hiddenFill>
                 </a:ext>
                 <a:ext uri="{AF507438-7753-43e0-B8FC-AC1667EBCBE1}">
-                  <a14:hiddenEffects xmlns:lc="http://schemas.openxmlformats.org/drawingml/2006/lockedCanvas" xmlns:a14="http://schemas.microsoft.com/office/drawing/2010/main" xmlns="">
+                  <a14:hiddenEffects xmlns="" xmlns:a14="http://schemas.microsoft.com/office/drawing/2010/main" xmlns:lc="http://schemas.openxmlformats.org/drawingml/2006/lockedCanvas">
                     <a:effectLst>
                       <a:outerShdw blurRad="63500" dist="38099" dir="2700000" algn="ctr" rotWithShape="0">
                         <a:schemeClr val="bg2">
@@ -11698,14 +11698,14 @@
             <a:effectLst/>
             <a:extLst>
               <a:ext uri="{909E8E84-426E-40dd-AFC4-6F175D3DCCD1}">
-                <a14:hiddenFill xmlns:lc="http://schemas.openxmlformats.org/drawingml/2006/lockedCanvas" xmlns:a14="http://schemas.microsoft.com/office/drawing/2010/main" xmlns="">
+                <a14:hiddenFill xmlns="" xmlns:a14="http://schemas.microsoft.com/office/drawing/2010/main" xmlns:lc="http://schemas.openxmlformats.org/drawingml/2006/lockedCanvas">
                   <a:solidFill>
                     <a:schemeClr val="accent1"/>
                   </a:solidFill>
                 </a14:hiddenFill>
               </a:ext>
               <a:ext uri="{91240B29-F687-4f45-9708-019B960494DF}">
-                <a14:hiddenLine xmlns:lc="http://schemas.openxmlformats.org/drawingml/2006/lockedCanvas" xmlns:a14="http://schemas.microsoft.com/office/drawing/2010/main" xmlns="" w="9525">
+                <a14:hiddenLine xmlns="" xmlns:a14="http://schemas.microsoft.com/office/drawing/2010/main" xmlns:lc="http://schemas.openxmlformats.org/drawingml/2006/lockedCanvas" w="9525">
                   <a:solidFill>
                     <a:schemeClr val="tx1"/>
                   </a:solidFill>
@@ -11715,7 +11715,7 @@
                 </a14:hiddenLine>
               </a:ext>
               <a:ext uri="{AF507438-7753-43e0-B8FC-AC1667EBCBE1}">
-                <a14:hiddenEffects xmlns:lc="http://schemas.openxmlformats.org/drawingml/2006/lockedCanvas" xmlns:a14="http://schemas.microsoft.com/office/drawing/2010/main" xmlns="">
+                <a14:hiddenEffects xmlns="" xmlns:a14="http://schemas.microsoft.com/office/drawing/2010/main" xmlns:lc="http://schemas.openxmlformats.org/drawingml/2006/lockedCanvas">
                   <a:effectLst>
                     <a:outerShdw blurRad="63500" dist="38099" dir="2700000" algn="ctr" rotWithShape="0">
                       <a:schemeClr val="bg2">
@@ -11900,14 +11900,14 @@
             <a:effectLst/>
             <a:extLst>
               <a:ext uri="{909E8E84-426E-40dd-AFC4-6F175D3DCCD1}">
-                <a14:hiddenFill xmlns:lc="http://schemas.openxmlformats.org/drawingml/2006/lockedCanvas" xmlns:a14="http://schemas.microsoft.com/office/drawing/2010/main" xmlns="">
+                <a14:hiddenFill xmlns="" xmlns:a14="http://schemas.microsoft.com/office/drawing/2010/main" xmlns:lc="http://schemas.openxmlformats.org/drawingml/2006/lockedCanvas">
                   <a:solidFill>
                     <a:schemeClr val="accent1"/>
                   </a:solidFill>
                 </a14:hiddenFill>
               </a:ext>
               <a:ext uri="{91240B29-F687-4f45-9708-019B960494DF}">
-                <a14:hiddenLine xmlns:lc="http://schemas.openxmlformats.org/drawingml/2006/lockedCanvas" xmlns:a14="http://schemas.microsoft.com/office/drawing/2010/main" xmlns="" w="9525">
+                <a14:hiddenLine xmlns="" xmlns:a14="http://schemas.microsoft.com/office/drawing/2010/main" xmlns:lc="http://schemas.openxmlformats.org/drawingml/2006/lockedCanvas" w="9525">
                   <a:solidFill>
                     <a:schemeClr val="tx1"/>
                   </a:solidFill>
@@ -11917,7 +11917,7 @@
                 </a14:hiddenLine>
               </a:ext>
               <a:ext uri="{AF507438-7753-43e0-B8FC-AC1667EBCBE1}">
-                <a14:hiddenEffects xmlns:lc="http://schemas.openxmlformats.org/drawingml/2006/lockedCanvas" xmlns:a14="http://schemas.microsoft.com/office/drawing/2010/main" xmlns="">
+                <a14:hiddenEffects xmlns="" xmlns:a14="http://schemas.microsoft.com/office/drawing/2010/main" xmlns:lc="http://schemas.openxmlformats.org/drawingml/2006/lockedCanvas">
                   <a:effectLst>
                     <a:outerShdw blurRad="63500" dist="38099" dir="2700000" algn="ctr" rotWithShape="0">
                       <a:schemeClr val="bg2">
@@ -12102,14 +12102,14 @@
             <a:effectLst/>
             <a:extLst>
               <a:ext uri="{909E8E84-426E-40dd-AFC4-6F175D3DCCD1}">
-                <a14:hiddenFill xmlns:lc="http://schemas.openxmlformats.org/drawingml/2006/lockedCanvas" xmlns:a14="http://schemas.microsoft.com/office/drawing/2010/main" xmlns="">
+                <a14:hiddenFill xmlns="" xmlns:a14="http://schemas.microsoft.com/office/drawing/2010/main" xmlns:lc="http://schemas.openxmlformats.org/drawingml/2006/lockedCanvas">
                   <a:solidFill>
                     <a:schemeClr val="accent1"/>
                   </a:solidFill>
                 </a14:hiddenFill>
               </a:ext>
               <a:ext uri="{91240B29-F687-4f45-9708-019B960494DF}">
-                <a14:hiddenLine xmlns:lc="http://schemas.openxmlformats.org/drawingml/2006/lockedCanvas" xmlns:a14="http://schemas.microsoft.com/office/drawing/2010/main" xmlns="" w="9525">
+                <a14:hiddenLine xmlns="" xmlns:a14="http://schemas.microsoft.com/office/drawing/2010/main" xmlns:lc="http://schemas.openxmlformats.org/drawingml/2006/lockedCanvas" w="9525">
                   <a:solidFill>
                     <a:schemeClr val="tx1"/>
                   </a:solidFill>
@@ -12119,7 +12119,7 @@
                 </a14:hiddenLine>
               </a:ext>
               <a:ext uri="{AF507438-7753-43e0-B8FC-AC1667EBCBE1}">
-                <a14:hiddenEffects xmlns:lc="http://schemas.openxmlformats.org/drawingml/2006/lockedCanvas" xmlns:a14="http://schemas.microsoft.com/office/drawing/2010/main" xmlns="">
+                <a14:hiddenEffects xmlns="" xmlns:a14="http://schemas.microsoft.com/office/drawing/2010/main" xmlns:lc="http://schemas.openxmlformats.org/drawingml/2006/lockedCanvas">
                   <a:effectLst>
                     <a:outerShdw blurRad="63500" dist="38099" dir="2700000" algn="ctr" rotWithShape="0">
                       <a:schemeClr val="bg2">
@@ -12303,14 +12303,14 @@
             <a:effectLst/>
             <a:extLst>
               <a:ext uri="{909E8E84-426E-40dd-AFC4-6F175D3DCCD1}">
-                <a14:hiddenFill xmlns:lc="http://schemas.openxmlformats.org/drawingml/2006/lockedCanvas" xmlns:a14="http://schemas.microsoft.com/office/drawing/2010/main" xmlns="">
+                <a14:hiddenFill xmlns="" xmlns:a14="http://schemas.microsoft.com/office/drawing/2010/main" xmlns:lc="http://schemas.openxmlformats.org/drawingml/2006/lockedCanvas">
                   <a:solidFill>
                     <a:schemeClr val="accent1"/>
                   </a:solidFill>
                 </a14:hiddenFill>
               </a:ext>
               <a:ext uri="{91240B29-F687-4f45-9708-019B960494DF}">
-                <a14:hiddenLine xmlns:lc="http://schemas.openxmlformats.org/drawingml/2006/lockedCanvas" xmlns:a14="http://schemas.microsoft.com/office/drawing/2010/main" xmlns="" w="9525">
+                <a14:hiddenLine xmlns="" xmlns:a14="http://schemas.microsoft.com/office/drawing/2010/main" xmlns:lc="http://schemas.openxmlformats.org/drawingml/2006/lockedCanvas" w="9525">
                   <a:solidFill>
                     <a:schemeClr val="tx1"/>
                   </a:solidFill>
@@ -12320,7 +12320,7 @@
                 </a14:hiddenLine>
               </a:ext>
               <a:ext uri="{AF507438-7753-43e0-B8FC-AC1667EBCBE1}">
-                <a14:hiddenEffects xmlns:lc="http://schemas.openxmlformats.org/drawingml/2006/lockedCanvas" xmlns:a14="http://schemas.microsoft.com/office/drawing/2010/main" xmlns="">
+                <a14:hiddenEffects xmlns="" xmlns:a14="http://schemas.microsoft.com/office/drawing/2010/main" xmlns:lc="http://schemas.openxmlformats.org/drawingml/2006/lockedCanvas">
                   <a:effectLst>
                     <a:outerShdw blurRad="63500" dist="38099" dir="2700000" algn="ctr" rotWithShape="0">
                       <a:schemeClr val="bg2">
@@ -12501,14 +12501,14 @@
             <a:effectLst/>
             <a:extLst>
               <a:ext uri="{909E8E84-426E-40dd-AFC4-6F175D3DCCD1}">
-                <a14:hiddenFill xmlns:lc="http://schemas.openxmlformats.org/drawingml/2006/lockedCanvas" xmlns:a14="http://schemas.microsoft.com/office/drawing/2010/main" xmlns="">
+                <a14:hiddenFill xmlns="" xmlns:a14="http://schemas.microsoft.com/office/drawing/2010/main" xmlns:lc="http://schemas.openxmlformats.org/drawingml/2006/lockedCanvas">
                   <a:solidFill>
                     <a:schemeClr val="accent1"/>
                   </a:solidFill>
                 </a14:hiddenFill>
               </a:ext>
               <a:ext uri="{91240B29-F687-4f45-9708-019B960494DF}">
-                <a14:hiddenLine xmlns:lc="http://schemas.openxmlformats.org/drawingml/2006/lockedCanvas" xmlns:a14="http://schemas.microsoft.com/office/drawing/2010/main" xmlns="" w="9525">
+                <a14:hiddenLine xmlns="" xmlns:a14="http://schemas.microsoft.com/office/drawing/2010/main" xmlns:lc="http://schemas.openxmlformats.org/drawingml/2006/lockedCanvas" w="9525">
                   <a:solidFill>
                     <a:schemeClr val="tx1"/>
                   </a:solidFill>
@@ -12518,7 +12518,7 @@
                 </a14:hiddenLine>
               </a:ext>
               <a:ext uri="{AF507438-7753-43e0-B8FC-AC1667EBCBE1}">
-                <a14:hiddenEffects xmlns:lc="http://schemas.openxmlformats.org/drawingml/2006/lockedCanvas" xmlns:a14="http://schemas.microsoft.com/office/drawing/2010/main" xmlns="">
+                <a14:hiddenEffects xmlns="" xmlns:a14="http://schemas.microsoft.com/office/drawing/2010/main" xmlns:lc="http://schemas.openxmlformats.org/drawingml/2006/lockedCanvas">
                   <a:effectLst>
                     <a:outerShdw blurRad="63500" dist="38099" dir="2700000" algn="ctr" rotWithShape="0">
                       <a:schemeClr val="bg2">
@@ -12702,14 +12702,14 @@
             <a:effectLst/>
             <a:extLst>
               <a:ext uri="{909E8E84-426E-40dd-AFC4-6F175D3DCCD1}">
-                <a14:hiddenFill xmlns:lc="http://schemas.openxmlformats.org/drawingml/2006/lockedCanvas" xmlns:a14="http://schemas.microsoft.com/office/drawing/2010/main" xmlns="">
+                <a14:hiddenFill xmlns="" xmlns:a14="http://schemas.microsoft.com/office/drawing/2010/main" xmlns:lc="http://schemas.openxmlformats.org/drawingml/2006/lockedCanvas">
                   <a:solidFill>
                     <a:schemeClr val="accent1"/>
                   </a:solidFill>
                 </a14:hiddenFill>
               </a:ext>
               <a:ext uri="{91240B29-F687-4f45-9708-019B960494DF}">
-                <a14:hiddenLine xmlns:lc="http://schemas.openxmlformats.org/drawingml/2006/lockedCanvas" xmlns:a14="http://schemas.microsoft.com/office/drawing/2010/main" xmlns="" w="9525">
+                <a14:hiddenLine xmlns="" xmlns:a14="http://schemas.microsoft.com/office/drawing/2010/main" xmlns:lc="http://schemas.openxmlformats.org/drawingml/2006/lockedCanvas" w="9525">
                   <a:solidFill>
                     <a:schemeClr val="tx1"/>
                   </a:solidFill>
@@ -12719,7 +12719,7 @@
                 </a14:hiddenLine>
               </a:ext>
               <a:ext uri="{AF507438-7753-43e0-B8FC-AC1667EBCBE1}">
-                <a14:hiddenEffects xmlns:lc="http://schemas.openxmlformats.org/drawingml/2006/lockedCanvas" xmlns:a14="http://schemas.microsoft.com/office/drawing/2010/main" xmlns="">
+                <a14:hiddenEffects xmlns="" xmlns:a14="http://schemas.microsoft.com/office/drawing/2010/main" xmlns:lc="http://schemas.openxmlformats.org/drawingml/2006/lockedCanvas">
                   <a:effectLst>
                     <a:outerShdw blurRad="63500" dist="38099" dir="2700000" algn="ctr" rotWithShape="0">
                       <a:schemeClr val="bg2">
@@ -13147,14 +13147,14 @@
                 <a:effectLst/>
                 <a:extLst>
                   <a:ext uri="{909E8E84-426E-40dd-AFC4-6F175D3DCCD1}">
-                    <a14:hiddenFill xmlns:lc="http://schemas.openxmlformats.org/drawingml/2006/lockedCanvas" xmlns:a14="http://schemas.microsoft.com/office/drawing/2010/main" xmlns="">
+                    <a14:hiddenFill xmlns="" xmlns:a14="http://schemas.microsoft.com/office/drawing/2010/main" xmlns:lc="http://schemas.openxmlformats.org/drawingml/2006/lockedCanvas">
                       <a:solidFill>
                         <a:schemeClr val="accent1"/>
                       </a:solidFill>
                     </a14:hiddenFill>
                   </a:ext>
                   <a:ext uri="{AF507438-7753-43e0-B8FC-AC1667EBCBE1}">
-                    <a14:hiddenEffects xmlns:lc="http://schemas.openxmlformats.org/drawingml/2006/lockedCanvas" xmlns:a14="http://schemas.microsoft.com/office/drawing/2010/main" xmlns="">
+                    <a14:hiddenEffects xmlns="" xmlns:a14="http://schemas.microsoft.com/office/drawing/2010/main" xmlns:lc="http://schemas.openxmlformats.org/drawingml/2006/lockedCanvas">
                       <a:effectLst>
                         <a:outerShdw blurRad="63500" dist="38099" dir="2700000" algn="ctr" rotWithShape="0">
                           <a:schemeClr val="bg2">
@@ -13338,14 +13338,14 @@
                 <a:effectLst/>
                 <a:extLst>
                   <a:ext uri="{909E8E84-426E-40dd-AFC4-6F175D3DCCD1}">
-                    <a14:hiddenFill xmlns:lc="http://schemas.openxmlformats.org/drawingml/2006/lockedCanvas" xmlns:a14="http://schemas.microsoft.com/office/drawing/2010/main" xmlns="">
+                    <a14:hiddenFill xmlns="" xmlns:a14="http://schemas.microsoft.com/office/drawing/2010/main" xmlns:lc="http://schemas.openxmlformats.org/drawingml/2006/lockedCanvas">
                       <a:solidFill>
                         <a:schemeClr val="accent1"/>
                       </a:solidFill>
                     </a14:hiddenFill>
                   </a:ext>
                   <a:ext uri="{AF507438-7753-43e0-B8FC-AC1667EBCBE1}">
-                    <a14:hiddenEffects xmlns:lc="http://schemas.openxmlformats.org/drawingml/2006/lockedCanvas" xmlns:a14="http://schemas.microsoft.com/office/drawing/2010/main" xmlns="">
+                    <a14:hiddenEffects xmlns="" xmlns:a14="http://schemas.microsoft.com/office/drawing/2010/main" xmlns:lc="http://schemas.openxmlformats.org/drawingml/2006/lockedCanvas">
                       <a:effectLst>
                         <a:outerShdw blurRad="63500" dist="38099" dir="2700000" algn="ctr" rotWithShape="0">
                           <a:schemeClr val="bg2">
@@ -13543,12 +13543,12 @@
                 <a:effectLst/>
                 <a:extLst>
                   <a:ext uri="{909E8E84-426E-40dd-AFC4-6F175D3DCCD1}">
-                    <a14:hiddenFill xmlns:lc="http://schemas.openxmlformats.org/drawingml/2006/lockedCanvas" xmlns:a14="http://schemas.microsoft.com/office/drawing/2010/main" xmlns="">
+                    <a14:hiddenFill xmlns="" xmlns:a14="http://schemas.microsoft.com/office/drawing/2010/main" xmlns:lc="http://schemas.openxmlformats.org/drawingml/2006/lockedCanvas">
                       <a:noFill/>
                     </a14:hiddenFill>
                   </a:ext>
                   <a:ext uri="{AF507438-7753-43e0-B8FC-AC1667EBCBE1}">
-                    <a14:hiddenEffects xmlns:lc="http://schemas.openxmlformats.org/drawingml/2006/lockedCanvas" xmlns:a14="http://schemas.microsoft.com/office/drawing/2010/main" xmlns="">
+                    <a14:hiddenEffects xmlns="" xmlns:a14="http://schemas.microsoft.com/office/drawing/2010/main" xmlns:lc="http://schemas.openxmlformats.org/drawingml/2006/lockedCanvas">
                       <a:effectLst>
                         <a:outerShdw blurRad="63500" dist="38099" dir="2700000" algn="ctr" rotWithShape="0">
                           <a:schemeClr val="bg2">
@@ -13732,12 +13732,12 @@
                 <a:effectLst/>
                 <a:extLst>
                   <a:ext uri="{909E8E84-426E-40dd-AFC4-6F175D3DCCD1}">
-                    <a14:hiddenFill xmlns:lc="http://schemas.openxmlformats.org/drawingml/2006/lockedCanvas" xmlns:a14="http://schemas.microsoft.com/office/drawing/2010/main" xmlns="">
+                    <a14:hiddenFill xmlns="" xmlns:a14="http://schemas.microsoft.com/office/drawing/2010/main" xmlns:lc="http://schemas.openxmlformats.org/drawingml/2006/lockedCanvas">
                       <a:noFill/>
                     </a14:hiddenFill>
                   </a:ext>
                   <a:ext uri="{AF507438-7753-43e0-B8FC-AC1667EBCBE1}">
-                    <a14:hiddenEffects xmlns:lc="http://schemas.openxmlformats.org/drawingml/2006/lockedCanvas" xmlns:a14="http://schemas.microsoft.com/office/drawing/2010/main" xmlns="">
+                    <a14:hiddenEffects xmlns="" xmlns:a14="http://schemas.microsoft.com/office/drawing/2010/main" xmlns:lc="http://schemas.openxmlformats.org/drawingml/2006/lockedCanvas">
                       <a:effectLst>
                         <a:outerShdw blurRad="63500" dist="38099" dir="2700000" algn="ctr" rotWithShape="0">
                           <a:schemeClr val="bg2">
@@ -13921,12 +13921,12 @@
                 <a:effectLst/>
                 <a:extLst>
                   <a:ext uri="{909E8E84-426E-40dd-AFC4-6F175D3DCCD1}">
-                    <a14:hiddenFill xmlns:lc="http://schemas.openxmlformats.org/drawingml/2006/lockedCanvas" xmlns:a14="http://schemas.microsoft.com/office/drawing/2010/main" xmlns="">
+                    <a14:hiddenFill xmlns="" xmlns:a14="http://schemas.microsoft.com/office/drawing/2010/main" xmlns:lc="http://schemas.openxmlformats.org/drawingml/2006/lockedCanvas">
                       <a:noFill/>
                     </a14:hiddenFill>
                   </a:ext>
                   <a:ext uri="{AF507438-7753-43e0-B8FC-AC1667EBCBE1}">
-                    <a14:hiddenEffects xmlns:lc="http://schemas.openxmlformats.org/drawingml/2006/lockedCanvas" xmlns:a14="http://schemas.microsoft.com/office/drawing/2010/main" xmlns="">
+                    <a14:hiddenEffects xmlns="" xmlns:a14="http://schemas.microsoft.com/office/drawing/2010/main" xmlns:lc="http://schemas.openxmlformats.org/drawingml/2006/lockedCanvas">
                       <a:effectLst>
                         <a:outerShdw blurRad="63500" dist="38099" dir="2700000" algn="ctr" rotWithShape="0">
                           <a:schemeClr val="bg2">
@@ -14110,12 +14110,12 @@
                 <a:effectLst/>
                 <a:extLst>
                   <a:ext uri="{909E8E84-426E-40dd-AFC4-6F175D3DCCD1}">
-                    <a14:hiddenFill xmlns:lc="http://schemas.openxmlformats.org/drawingml/2006/lockedCanvas" xmlns:a14="http://schemas.microsoft.com/office/drawing/2010/main" xmlns="">
+                    <a14:hiddenFill xmlns="" xmlns:a14="http://schemas.microsoft.com/office/drawing/2010/main" xmlns:lc="http://schemas.openxmlformats.org/drawingml/2006/lockedCanvas">
                       <a:noFill/>
                     </a14:hiddenFill>
                   </a:ext>
                   <a:ext uri="{AF507438-7753-43e0-B8FC-AC1667EBCBE1}">
-                    <a14:hiddenEffects xmlns:lc="http://schemas.openxmlformats.org/drawingml/2006/lockedCanvas" xmlns:a14="http://schemas.microsoft.com/office/drawing/2010/main" xmlns="">
+                    <a14:hiddenEffects xmlns="" xmlns:a14="http://schemas.microsoft.com/office/drawing/2010/main" xmlns:lc="http://schemas.openxmlformats.org/drawingml/2006/lockedCanvas">
                       <a:effectLst>
                         <a:outerShdw blurRad="63500" dist="38099" dir="2700000" algn="ctr" rotWithShape="0">
                           <a:schemeClr val="bg2">
@@ -14299,12 +14299,12 @@
                 <a:effectLst/>
                 <a:extLst>
                   <a:ext uri="{909E8E84-426E-40dd-AFC4-6F175D3DCCD1}">
-                    <a14:hiddenFill xmlns:lc="http://schemas.openxmlformats.org/drawingml/2006/lockedCanvas" xmlns:a14="http://schemas.microsoft.com/office/drawing/2010/main" xmlns="">
+                    <a14:hiddenFill xmlns="" xmlns:a14="http://schemas.microsoft.com/office/drawing/2010/main" xmlns:lc="http://schemas.openxmlformats.org/drawingml/2006/lockedCanvas">
                       <a:noFill/>
                     </a14:hiddenFill>
                   </a:ext>
                   <a:ext uri="{AF507438-7753-43e0-B8FC-AC1667EBCBE1}">
-                    <a14:hiddenEffects xmlns:lc="http://schemas.openxmlformats.org/drawingml/2006/lockedCanvas" xmlns:a14="http://schemas.microsoft.com/office/drawing/2010/main" xmlns="">
+                    <a14:hiddenEffects xmlns="" xmlns:a14="http://schemas.microsoft.com/office/drawing/2010/main" xmlns:lc="http://schemas.openxmlformats.org/drawingml/2006/lockedCanvas">
                       <a:effectLst>
                         <a:outerShdw blurRad="63500" dist="38099" dir="2700000" algn="ctr" rotWithShape="0">
                           <a:schemeClr val="bg2">
@@ -14488,12 +14488,12 @@
                 <a:effectLst/>
                 <a:extLst>
                   <a:ext uri="{909E8E84-426E-40dd-AFC4-6F175D3DCCD1}">
-                    <a14:hiddenFill xmlns:lc="http://schemas.openxmlformats.org/drawingml/2006/lockedCanvas" xmlns:a14="http://schemas.microsoft.com/office/drawing/2010/main" xmlns="">
+                    <a14:hiddenFill xmlns="" xmlns:a14="http://schemas.microsoft.com/office/drawing/2010/main" xmlns:lc="http://schemas.openxmlformats.org/drawingml/2006/lockedCanvas">
                       <a:noFill/>
                     </a14:hiddenFill>
                   </a:ext>
                   <a:ext uri="{AF507438-7753-43e0-B8FC-AC1667EBCBE1}">
-                    <a14:hiddenEffects xmlns:lc="http://schemas.openxmlformats.org/drawingml/2006/lockedCanvas" xmlns:a14="http://schemas.microsoft.com/office/drawing/2010/main" xmlns="">
+                    <a14:hiddenEffects xmlns="" xmlns:a14="http://schemas.microsoft.com/office/drawing/2010/main" xmlns:lc="http://schemas.openxmlformats.org/drawingml/2006/lockedCanvas">
                       <a:effectLst>
                         <a:outerShdw blurRad="63500" dist="38099" dir="2700000" algn="ctr" rotWithShape="0">
                           <a:schemeClr val="bg2">
@@ -14673,14 +14673,14 @@
               <a:effectLst/>
               <a:extLst>
                 <a:ext uri="{909E8E84-426E-40dd-AFC4-6F175D3DCCD1}">
-                  <a14:hiddenFill xmlns:lc="http://schemas.openxmlformats.org/drawingml/2006/lockedCanvas" xmlns:a14="http://schemas.microsoft.com/office/drawing/2010/main" xmlns="">
+                  <a14:hiddenFill xmlns="" xmlns:a14="http://schemas.microsoft.com/office/drawing/2010/main" xmlns:lc="http://schemas.openxmlformats.org/drawingml/2006/lockedCanvas">
                     <a:solidFill>
                       <a:schemeClr val="accent1"/>
                     </a:solidFill>
                   </a14:hiddenFill>
                 </a:ext>
                 <a:ext uri="{91240B29-F687-4f45-9708-019B960494DF}">
-                  <a14:hiddenLine xmlns:lc="http://schemas.openxmlformats.org/drawingml/2006/lockedCanvas" xmlns:a14="http://schemas.microsoft.com/office/drawing/2010/main" xmlns="" w="9525">
+                  <a14:hiddenLine xmlns="" xmlns:a14="http://schemas.microsoft.com/office/drawing/2010/main" xmlns:lc="http://schemas.openxmlformats.org/drawingml/2006/lockedCanvas" w="9525">
                     <a:solidFill>
                       <a:schemeClr val="tx1"/>
                     </a:solidFill>
@@ -14690,7 +14690,7 @@
                   </a14:hiddenLine>
                 </a:ext>
                 <a:ext uri="{AF507438-7753-43e0-B8FC-AC1667EBCBE1}">
-                  <a14:hiddenEffects xmlns:lc="http://schemas.openxmlformats.org/drawingml/2006/lockedCanvas" xmlns:a14="http://schemas.microsoft.com/office/drawing/2010/main" xmlns="">
+                  <a14:hiddenEffects xmlns="" xmlns:a14="http://schemas.microsoft.com/office/drawing/2010/main" xmlns:lc="http://schemas.openxmlformats.org/drawingml/2006/lockedCanvas">
                     <a:effectLst>
                       <a:outerShdw blurRad="63500" dist="38099" dir="2700000" algn="ctr" rotWithShape="0">
                         <a:schemeClr val="bg2">
@@ -14874,14 +14874,14 @@
               <a:effectLst/>
               <a:extLst>
                 <a:ext uri="{909E8E84-426E-40dd-AFC4-6F175D3DCCD1}">
-                  <a14:hiddenFill xmlns:lc="http://schemas.openxmlformats.org/drawingml/2006/lockedCanvas" xmlns:a14="http://schemas.microsoft.com/office/drawing/2010/main" xmlns="">
+                  <a14:hiddenFill xmlns="" xmlns:a14="http://schemas.microsoft.com/office/drawing/2010/main" xmlns:lc="http://schemas.openxmlformats.org/drawingml/2006/lockedCanvas">
                     <a:solidFill>
                       <a:schemeClr val="accent1"/>
                     </a:solidFill>
                   </a14:hiddenFill>
                 </a:ext>
                 <a:ext uri="{91240B29-F687-4f45-9708-019B960494DF}">
-                  <a14:hiddenLine xmlns:lc="http://schemas.openxmlformats.org/drawingml/2006/lockedCanvas" xmlns:a14="http://schemas.microsoft.com/office/drawing/2010/main" xmlns="" w="9525">
+                  <a14:hiddenLine xmlns="" xmlns:a14="http://schemas.microsoft.com/office/drawing/2010/main" xmlns:lc="http://schemas.openxmlformats.org/drawingml/2006/lockedCanvas" w="9525">
                     <a:solidFill>
                       <a:schemeClr val="tx1"/>
                     </a:solidFill>
@@ -14891,7 +14891,7 @@
                   </a14:hiddenLine>
                 </a:ext>
                 <a:ext uri="{AF507438-7753-43e0-B8FC-AC1667EBCBE1}">
-                  <a14:hiddenEffects xmlns:lc="http://schemas.openxmlformats.org/drawingml/2006/lockedCanvas" xmlns:a14="http://schemas.microsoft.com/office/drawing/2010/main" xmlns="">
+                  <a14:hiddenEffects xmlns="" xmlns:a14="http://schemas.microsoft.com/office/drawing/2010/main" xmlns:lc="http://schemas.openxmlformats.org/drawingml/2006/lockedCanvas">
                     <a:effectLst>
                       <a:outerShdw blurRad="63500" dist="38099" dir="2700000" algn="ctr" rotWithShape="0">
                         <a:schemeClr val="bg2">
@@ -15076,14 +15076,14 @@
             <a:effectLst/>
             <a:extLst>
               <a:ext uri="{909E8E84-426E-40dd-AFC4-6F175D3DCCD1}">
-                <a14:hiddenFill xmlns:lc="http://schemas.openxmlformats.org/drawingml/2006/lockedCanvas" xmlns:a14="http://schemas.microsoft.com/office/drawing/2010/main" xmlns="">
+                <a14:hiddenFill xmlns="" xmlns:a14="http://schemas.microsoft.com/office/drawing/2010/main" xmlns:lc="http://schemas.openxmlformats.org/drawingml/2006/lockedCanvas">
                   <a:solidFill>
                     <a:schemeClr val="accent1"/>
                   </a:solidFill>
                 </a14:hiddenFill>
               </a:ext>
               <a:ext uri="{91240B29-F687-4f45-9708-019B960494DF}">
-                <a14:hiddenLine xmlns:lc="http://schemas.openxmlformats.org/drawingml/2006/lockedCanvas" xmlns:a14="http://schemas.microsoft.com/office/drawing/2010/main" xmlns="" w="9525">
+                <a14:hiddenLine xmlns="" xmlns:a14="http://schemas.microsoft.com/office/drawing/2010/main" xmlns:lc="http://schemas.openxmlformats.org/drawingml/2006/lockedCanvas" w="9525">
                   <a:solidFill>
                     <a:schemeClr val="tx1"/>
                   </a:solidFill>
@@ -15093,7 +15093,7 @@
                 </a14:hiddenLine>
               </a:ext>
               <a:ext uri="{AF507438-7753-43e0-B8FC-AC1667EBCBE1}">
-                <a14:hiddenEffects xmlns:lc="http://schemas.openxmlformats.org/drawingml/2006/lockedCanvas" xmlns:a14="http://schemas.microsoft.com/office/drawing/2010/main" xmlns="">
+                <a14:hiddenEffects xmlns="" xmlns:a14="http://schemas.microsoft.com/office/drawing/2010/main" xmlns:lc="http://schemas.openxmlformats.org/drawingml/2006/lockedCanvas">
                   <a:effectLst>
                     <a:outerShdw blurRad="63500" dist="38099" dir="2700000" algn="ctr" rotWithShape="0">
                       <a:schemeClr val="bg2">
@@ -15676,14 +15676,14 @@
               <a:effectLst/>
               <a:extLst>
                 <a:ext uri="{909E8E84-426E-40dd-AFC4-6F175D3DCCD1}">
-                  <a14:hiddenFill xmlns:lc="http://schemas.openxmlformats.org/drawingml/2006/lockedCanvas" xmlns:a14="http://schemas.microsoft.com/office/drawing/2010/main" xmlns="">
+                  <a14:hiddenFill xmlns="" xmlns:a14="http://schemas.microsoft.com/office/drawing/2010/main" xmlns:lc="http://schemas.openxmlformats.org/drawingml/2006/lockedCanvas">
                     <a:solidFill>
                       <a:schemeClr val="accent1"/>
                     </a:solidFill>
                   </a14:hiddenFill>
                 </a:ext>
                 <a:ext uri="{AF507438-7753-43e0-B8FC-AC1667EBCBE1}">
-                  <a14:hiddenEffects xmlns:lc="http://schemas.openxmlformats.org/drawingml/2006/lockedCanvas" xmlns:a14="http://schemas.microsoft.com/office/drawing/2010/main" xmlns="">
+                  <a14:hiddenEffects xmlns="" xmlns:a14="http://schemas.microsoft.com/office/drawing/2010/main" xmlns:lc="http://schemas.openxmlformats.org/drawingml/2006/lockedCanvas">
                     <a:effectLst>
                       <a:outerShdw blurRad="63500" dist="38099" dir="2700000" algn="ctr" rotWithShape="0">
                         <a:schemeClr val="bg2">
@@ -15867,14 +15867,14 @@
               <a:effectLst/>
               <a:extLst>
                 <a:ext uri="{909E8E84-426E-40dd-AFC4-6F175D3DCCD1}">
-                  <a14:hiddenFill xmlns:lc="http://schemas.openxmlformats.org/drawingml/2006/lockedCanvas" xmlns:a14="http://schemas.microsoft.com/office/drawing/2010/main" xmlns="">
+                  <a14:hiddenFill xmlns="" xmlns:a14="http://schemas.microsoft.com/office/drawing/2010/main" xmlns:lc="http://schemas.openxmlformats.org/drawingml/2006/lockedCanvas">
                     <a:solidFill>
                       <a:schemeClr val="accent1"/>
                     </a:solidFill>
                   </a14:hiddenFill>
                 </a:ext>
                 <a:ext uri="{AF507438-7753-43e0-B8FC-AC1667EBCBE1}">
-                  <a14:hiddenEffects xmlns:lc="http://schemas.openxmlformats.org/drawingml/2006/lockedCanvas" xmlns:a14="http://schemas.microsoft.com/office/drawing/2010/main" xmlns="">
+                  <a14:hiddenEffects xmlns="" xmlns:a14="http://schemas.microsoft.com/office/drawing/2010/main" xmlns:lc="http://schemas.openxmlformats.org/drawingml/2006/lockedCanvas">
                     <a:effectLst>
                       <a:outerShdw blurRad="63500" dist="38099" dir="2700000" algn="ctr" rotWithShape="0">
                         <a:schemeClr val="bg2">
@@ -16072,12 +16072,12 @@
               <a:effectLst/>
               <a:extLst>
                 <a:ext uri="{909E8E84-426E-40dd-AFC4-6F175D3DCCD1}">
-                  <a14:hiddenFill xmlns:lc="http://schemas.openxmlformats.org/drawingml/2006/lockedCanvas" xmlns:a14="http://schemas.microsoft.com/office/drawing/2010/main" xmlns="">
+                  <a14:hiddenFill xmlns="" xmlns:a14="http://schemas.microsoft.com/office/drawing/2010/main" xmlns:lc="http://schemas.openxmlformats.org/drawingml/2006/lockedCanvas">
                     <a:noFill/>
                   </a14:hiddenFill>
                 </a:ext>
                 <a:ext uri="{AF507438-7753-43e0-B8FC-AC1667EBCBE1}">
-                  <a14:hiddenEffects xmlns:lc="http://schemas.openxmlformats.org/drawingml/2006/lockedCanvas" xmlns:a14="http://schemas.microsoft.com/office/drawing/2010/main" xmlns="">
+                  <a14:hiddenEffects xmlns="" xmlns:a14="http://schemas.microsoft.com/office/drawing/2010/main" xmlns:lc="http://schemas.openxmlformats.org/drawingml/2006/lockedCanvas">
                     <a:effectLst>
                       <a:outerShdw blurRad="63500" dist="38099" dir="2700000" algn="ctr" rotWithShape="0">
                         <a:schemeClr val="bg2">
@@ -16261,12 +16261,12 @@
               <a:effectLst/>
               <a:extLst>
                 <a:ext uri="{909E8E84-426E-40dd-AFC4-6F175D3DCCD1}">
-                  <a14:hiddenFill xmlns:lc="http://schemas.openxmlformats.org/drawingml/2006/lockedCanvas" xmlns:a14="http://schemas.microsoft.com/office/drawing/2010/main" xmlns="">
+                  <a14:hiddenFill xmlns="" xmlns:a14="http://schemas.microsoft.com/office/drawing/2010/main" xmlns:lc="http://schemas.openxmlformats.org/drawingml/2006/lockedCanvas">
                     <a:noFill/>
                   </a14:hiddenFill>
                 </a:ext>
                 <a:ext uri="{AF507438-7753-43e0-B8FC-AC1667EBCBE1}">
-                  <a14:hiddenEffects xmlns:lc="http://schemas.openxmlformats.org/drawingml/2006/lockedCanvas" xmlns:a14="http://schemas.microsoft.com/office/drawing/2010/main" xmlns="">
+                  <a14:hiddenEffects xmlns="" xmlns:a14="http://schemas.microsoft.com/office/drawing/2010/main" xmlns:lc="http://schemas.openxmlformats.org/drawingml/2006/lockedCanvas">
                     <a:effectLst>
                       <a:outerShdw blurRad="63500" dist="38099" dir="2700000" algn="ctr" rotWithShape="0">
                         <a:schemeClr val="bg2">
@@ -16450,12 +16450,12 @@
               <a:effectLst/>
               <a:extLst>
                 <a:ext uri="{909E8E84-426E-40dd-AFC4-6F175D3DCCD1}">
-                  <a14:hiddenFill xmlns:lc="http://schemas.openxmlformats.org/drawingml/2006/lockedCanvas" xmlns:a14="http://schemas.microsoft.com/office/drawing/2010/main" xmlns="">
+                  <a14:hiddenFill xmlns="" xmlns:a14="http://schemas.microsoft.com/office/drawing/2010/main" xmlns:lc="http://schemas.openxmlformats.org/drawingml/2006/lockedCanvas">
                     <a:noFill/>
                   </a14:hiddenFill>
                 </a:ext>
                 <a:ext uri="{AF507438-7753-43e0-B8FC-AC1667EBCBE1}">
-                  <a14:hiddenEffects xmlns:lc="http://schemas.openxmlformats.org/drawingml/2006/lockedCanvas" xmlns:a14="http://schemas.microsoft.com/office/drawing/2010/main" xmlns="">
+                  <a14:hiddenEffects xmlns="" xmlns:a14="http://schemas.microsoft.com/office/drawing/2010/main" xmlns:lc="http://schemas.openxmlformats.org/drawingml/2006/lockedCanvas">
                     <a:effectLst>
                       <a:outerShdw blurRad="63500" dist="38099" dir="2700000" algn="ctr" rotWithShape="0">
                         <a:schemeClr val="bg2">
@@ -16639,12 +16639,12 @@
               <a:effectLst/>
               <a:extLst>
                 <a:ext uri="{909E8E84-426E-40dd-AFC4-6F175D3DCCD1}">
-                  <a14:hiddenFill xmlns:lc="http://schemas.openxmlformats.org/drawingml/2006/lockedCanvas" xmlns:a14="http://schemas.microsoft.com/office/drawing/2010/main" xmlns="">
+                  <a14:hiddenFill xmlns="" xmlns:a14="http://schemas.microsoft.com/office/drawing/2010/main" xmlns:lc="http://schemas.openxmlformats.org/drawingml/2006/lockedCanvas">
                     <a:noFill/>
                   </a14:hiddenFill>
                 </a:ext>
                 <a:ext uri="{AF507438-7753-43e0-B8FC-AC1667EBCBE1}">
-                  <a14:hiddenEffects xmlns:lc="http://schemas.openxmlformats.org/drawingml/2006/lockedCanvas" xmlns:a14="http://schemas.microsoft.com/office/drawing/2010/main" xmlns="">
+                  <a14:hiddenEffects xmlns="" xmlns:a14="http://schemas.microsoft.com/office/drawing/2010/main" xmlns:lc="http://schemas.openxmlformats.org/drawingml/2006/lockedCanvas">
                     <a:effectLst>
                       <a:outerShdw blurRad="63500" dist="38099" dir="2700000" algn="ctr" rotWithShape="0">
                         <a:schemeClr val="bg2">
@@ -16828,12 +16828,12 @@
               <a:effectLst/>
               <a:extLst>
                 <a:ext uri="{909E8E84-426E-40dd-AFC4-6F175D3DCCD1}">
-                  <a14:hiddenFill xmlns:lc="http://schemas.openxmlformats.org/drawingml/2006/lockedCanvas" xmlns:a14="http://schemas.microsoft.com/office/drawing/2010/main" xmlns="">
+                  <a14:hiddenFill xmlns="" xmlns:a14="http://schemas.microsoft.com/office/drawing/2010/main" xmlns:lc="http://schemas.openxmlformats.org/drawingml/2006/lockedCanvas">
                     <a:noFill/>
                   </a14:hiddenFill>
                 </a:ext>
                 <a:ext uri="{AF507438-7753-43e0-B8FC-AC1667EBCBE1}">
-                  <a14:hiddenEffects xmlns:lc="http://schemas.openxmlformats.org/drawingml/2006/lockedCanvas" xmlns:a14="http://schemas.microsoft.com/office/drawing/2010/main" xmlns="">
+                  <a14:hiddenEffects xmlns="" xmlns:a14="http://schemas.microsoft.com/office/drawing/2010/main" xmlns:lc="http://schemas.openxmlformats.org/drawingml/2006/lockedCanvas">
                     <a:effectLst>
                       <a:outerShdw blurRad="63500" dist="38099" dir="2700000" algn="ctr" rotWithShape="0">
                         <a:schemeClr val="bg2">
@@ -17017,12 +17017,12 @@
               <a:effectLst/>
               <a:extLst>
                 <a:ext uri="{909E8E84-426E-40dd-AFC4-6F175D3DCCD1}">
-                  <a14:hiddenFill xmlns:lc="http://schemas.openxmlformats.org/drawingml/2006/lockedCanvas" xmlns:a14="http://schemas.microsoft.com/office/drawing/2010/main" xmlns="">
+                  <a14:hiddenFill xmlns="" xmlns:a14="http://schemas.microsoft.com/office/drawing/2010/main" xmlns:lc="http://schemas.openxmlformats.org/drawingml/2006/lockedCanvas">
                     <a:noFill/>
                   </a14:hiddenFill>
                 </a:ext>
                 <a:ext uri="{AF507438-7753-43e0-B8FC-AC1667EBCBE1}">
-                  <a14:hiddenEffects xmlns:lc="http://schemas.openxmlformats.org/drawingml/2006/lockedCanvas" xmlns:a14="http://schemas.microsoft.com/office/drawing/2010/main" xmlns="">
+                  <a14:hiddenEffects xmlns="" xmlns:a14="http://schemas.microsoft.com/office/drawing/2010/main" xmlns:lc="http://schemas.openxmlformats.org/drawingml/2006/lockedCanvas">
                     <a:effectLst>
                       <a:outerShdw blurRad="63500" dist="38099" dir="2700000" algn="ctr" rotWithShape="0">
                         <a:schemeClr val="bg2">
@@ -17201,14 +17201,14 @@
               <a:effectLst/>
               <a:extLst>
                 <a:ext uri="{909E8E84-426E-40dd-AFC4-6F175D3DCCD1}">
-                  <a14:hiddenFill xmlns:lc="http://schemas.openxmlformats.org/drawingml/2006/lockedCanvas" xmlns:a14="http://schemas.microsoft.com/office/drawing/2010/main" xmlns="">
+                  <a14:hiddenFill xmlns="" xmlns:a14="http://schemas.microsoft.com/office/drawing/2010/main" xmlns:lc="http://schemas.openxmlformats.org/drawingml/2006/lockedCanvas">
                     <a:solidFill>
                       <a:schemeClr val="accent1"/>
                     </a:solidFill>
                   </a14:hiddenFill>
                 </a:ext>
                 <a:ext uri="{91240B29-F687-4f45-9708-019B960494DF}">
-                  <a14:hiddenLine xmlns:lc="http://schemas.openxmlformats.org/drawingml/2006/lockedCanvas" xmlns:a14="http://schemas.microsoft.com/office/drawing/2010/main" xmlns="" w="9525">
+                  <a14:hiddenLine xmlns="" xmlns:a14="http://schemas.microsoft.com/office/drawing/2010/main" xmlns:lc="http://schemas.openxmlformats.org/drawingml/2006/lockedCanvas" w="9525">
                     <a:solidFill>
                       <a:schemeClr val="tx1"/>
                     </a:solidFill>
@@ -17218,7 +17218,7 @@
                   </a14:hiddenLine>
                 </a:ext>
                 <a:ext uri="{AF507438-7753-43e0-B8FC-AC1667EBCBE1}">
-                  <a14:hiddenEffects xmlns:lc="http://schemas.openxmlformats.org/drawingml/2006/lockedCanvas" xmlns:a14="http://schemas.microsoft.com/office/drawing/2010/main" xmlns="">
+                  <a14:hiddenEffects xmlns="" xmlns:a14="http://schemas.microsoft.com/office/drawing/2010/main" xmlns:lc="http://schemas.openxmlformats.org/drawingml/2006/lockedCanvas">
                     <a:effectLst>
                       <a:outerShdw blurRad="63500" dist="38099" dir="2700000" algn="ctr" rotWithShape="0">
                         <a:schemeClr val="bg2">
@@ -17402,14 +17402,14 @@
               <a:effectLst/>
               <a:extLst>
                 <a:ext uri="{909E8E84-426E-40dd-AFC4-6F175D3DCCD1}">
-                  <a14:hiddenFill xmlns:lc="http://schemas.openxmlformats.org/drawingml/2006/lockedCanvas" xmlns:a14="http://schemas.microsoft.com/office/drawing/2010/main" xmlns="">
+                  <a14:hiddenFill xmlns="" xmlns:a14="http://schemas.microsoft.com/office/drawing/2010/main" xmlns:lc="http://schemas.openxmlformats.org/drawingml/2006/lockedCanvas">
                     <a:solidFill>
                       <a:schemeClr val="accent1"/>
                     </a:solidFill>
                   </a14:hiddenFill>
                 </a:ext>
                 <a:ext uri="{91240B29-F687-4f45-9708-019B960494DF}">
-                  <a14:hiddenLine xmlns:lc="http://schemas.openxmlformats.org/drawingml/2006/lockedCanvas" xmlns:a14="http://schemas.microsoft.com/office/drawing/2010/main" xmlns="" w="9525">
+                  <a14:hiddenLine xmlns="" xmlns:a14="http://schemas.microsoft.com/office/drawing/2010/main" xmlns:lc="http://schemas.openxmlformats.org/drawingml/2006/lockedCanvas" w="9525">
                     <a:solidFill>
                       <a:schemeClr val="tx1"/>
                     </a:solidFill>
@@ -17419,7 +17419,7 @@
                   </a14:hiddenLine>
                 </a:ext>
                 <a:ext uri="{AF507438-7753-43e0-B8FC-AC1667EBCBE1}">
-                  <a14:hiddenEffects xmlns:lc="http://schemas.openxmlformats.org/drawingml/2006/lockedCanvas" xmlns:a14="http://schemas.microsoft.com/office/drawing/2010/main" xmlns="">
+                  <a14:hiddenEffects xmlns="" xmlns:a14="http://schemas.microsoft.com/office/drawing/2010/main" xmlns:lc="http://schemas.openxmlformats.org/drawingml/2006/lockedCanvas">
                     <a:effectLst>
                       <a:outerShdw blurRad="63500" dist="38099" dir="2700000" algn="ctr" rotWithShape="0">
                         <a:schemeClr val="bg2">
@@ -17608,14 +17608,14 @@
               <a:effectLst/>
               <a:extLst>
                 <a:ext uri="{909E8E84-426E-40dd-AFC4-6F175D3DCCD1}">
-                  <a14:hiddenFill xmlns:lc="http://schemas.openxmlformats.org/drawingml/2006/lockedCanvas" xmlns:a14="http://schemas.microsoft.com/office/drawing/2010/main" xmlns="">
+                  <a14:hiddenFill xmlns="" xmlns:a14="http://schemas.microsoft.com/office/drawing/2010/main" xmlns:lc="http://schemas.openxmlformats.org/drawingml/2006/lockedCanvas">
                     <a:solidFill>
                       <a:schemeClr val="accent1"/>
                     </a:solidFill>
                   </a14:hiddenFill>
                 </a:ext>
                 <a:ext uri="{AF507438-7753-43e0-B8FC-AC1667EBCBE1}">
-                  <a14:hiddenEffects xmlns:lc="http://schemas.openxmlformats.org/drawingml/2006/lockedCanvas" xmlns:a14="http://schemas.microsoft.com/office/drawing/2010/main" xmlns="">
+                  <a14:hiddenEffects xmlns="" xmlns:a14="http://schemas.microsoft.com/office/drawing/2010/main" xmlns:lc="http://schemas.openxmlformats.org/drawingml/2006/lockedCanvas">
                     <a:effectLst>
                       <a:outerShdw blurRad="63500" dist="38099" dir="2700000" algn="ctr" rotWithShape="0">
                         <a:schemeClr val="bg2">
@@ -17813,12 +17813,12 @@
               <a:effectLst/>
               <a:extLst>
                 <a:ext uri="{909E8E84-426E-40dd-AFC4-6F175D3DCCD1}">
-                  <a14:hiddenFill xmlns:lc="http://schemas.openxmlformats.org/drawingml/2006/lockedCanvas" xmlns:a14="http://schemas.microsoft.com/office/drawing/2010/main" xmlns="">
+                  <a14:hiddenFill xmlns="" xmlns:a14="http://schemas.microsoft.com/office/drawing/2010/main" xmlns:lc="http://schemas.openxmlformats.org/drawingml/2006/lockedCanvas">
                     <a:noFill/>
                   </a14:hiddenFill>
                 </a:ext>
                 <a:ext uri="{AF507438-7753-43e0-B8FC-AC1667EBCBE1}">
-                  <a14:hiddenEffects xmlns:lc="http://schemas.openxmlformats.org/drawingml/2006/lockedCanvas" xmlns:a14="http://schemas.microsoft.com/office/drawing/2010/main" xmlns="">
+                  <a14:hiddenEffects xmlns="" xmlns:a14="http://schemas.microsoft.com/office/drawing/2010/main" xmlns:lc="http://schemas.openxmlformats.org/drawingml/2006/lockedCanvas">
                     <a:effectLst>
                       <a:outerShdw blurRad="63500" dist="38099" dir="2700000" algn="ctr" rotWithShape="0">
                         <a:schemeClr val="bg2">
@@ -17997,14 +17997,14 @@
               <a:effectLst/>
               <a:extLst>
                 <a:ext uri="{909E8E84-426E-40dd-AFC4-6F175D3DCCD1}">
-                  <a14:hiddenFill xmlns:lc="http://schemas.openxmlformats.org/drawingml/2006/lockedCanvas" xmlns:a14="http://schemas.microsoft.com/office/drawing/2010/main" xmlns="">
+                  <a14:hiddenFill xmlns="" xmlns:a14="http://schemas.microsoft.com/office/drawing/2010/main" xmlns:lc="http://schemas.openxmlformats.org/drawingml/2006/lockedCanvas">
                     <a:solidFill>
                       <a:schemeClr val="accent1"/>
                     </a:solidFill>
                   </a14:hiddenFill>
                 </a:ext>
                 <a:ext uri="{91240B29-F687-4f45-9708-019B960494DF}">
-                  <a14:hiddenLine xmlns:lc="http://schemas.openxmlformats.org/drawingml/2006/lockedCanvas" xmlns:a14="http://schemas.microsoft.com/office/drawing/2010/main" xmlns="" w="9525">
+                  <a14:hiddenLine xmlns="" xmlns:a14="http://schemas.microsoft.com/office/drawing/2010/main" xmlns:lc="http://schemas.openxmlformats.org/drawingml/2006/lockedCanvas" w="9525">
                     <a:solidFill>
                       <a:schemeClr val="tx1"/>
                     </a:solidFill>
@@ -18014,7 +18014,7 @@
                   </a14:hiddenLine>
                 </a:ext>
                 <a:ext uri="{AF507438-7753-43e0-B8FC-AC1667EBCBE1}">
-                  <a14:hiddenEffects xmlns:lc="http://schemas.openxmlformats.org/drawingml/2006/lockedCanvas" xmlns:a14="http://schemas.microsoft.com/office/drawing/2010/main" xmlns="">
+                  <a14:hiddenEffects xmlns="" xmlns:a14="http://schemas.microsoft.com/office/drawing/2010/main" xmlns:lc="http://schemas.openxmlformats.org/drawingml/2006/lockedCanvas">
                     <a:effectLst>
                       <a:outerShdw blurRad="63500" dist="38099" dir="2700000" algn="ctr" rotWithShape="0">
                         <a:schemeClr val="bg2">
@@ -18199,14 +18199,14 @@
             <a:effectLst/>
             <a:extLst>
               <a:ext uri="{909E8E84-426E-40dd-AFC4-6F175D3DCCD1}">
-                <a14:hiddenFill xmlns:lc="http://schemas.openxmlformats.org/drawingml/2006/lockedCanvas" xmlns:a14="http://schemas.microsoft.com/office/drawing/2010/main" xmlns="">
+                <a14:hiddenFill xmlns="" xmlns:a14="http://schemas.microsoft.com/office/drawing/2010/main" xmlns:lc="http://schemas.openxmlformats.org/drawingml/2006/lockedCanvas">
                   <a:solidFill>
                     <a:schemeClr val="accent1"/>
                   </a:solidFill>
                 </a14:hiddenFill>
               </a:ext>
               <a:ext uri="{91240B29-F687-4f45-9708-019B960494DF}">
-                <a14:hiddenLine xmlns:lc="http://schemas.openxmlformats.org/drawingml/2006/lockedCanvas" xmlns:a14="http://schemas.microsoft.com/office/drawing/2010/main" xmlns="" w="9525">
+                <a14:hiddenLine xmlns="" xmlns:a14="http://schemas.microsoft.com/office/drawing/2010/main" xmlns:lc="http://schemas.openxmlformats.org/drawingml/2006/lockedCanvas" w="9525">
                   <a:solidFill>
                     <a:schemeClr val="tx1"/>
                   </a:solidFill>
@@ -18216,7 +18216,7 @@
                 </a14:hiddenLine>
               </a:ext>
               <a:ext uri="{AF507438-7753-43e0-B8FC-AC1667EBCBE1}">
-                <a14:hiddenEffects xmlns:lc="http://schemas.openxmlformats.org/drawingml/2006/lockedCanvas" xmlns:a14="http://schemas.microsoft.com/office/drawing/2010/main" xmlns="">
+                <a14:hiddenEffects xmlns="" xmlns:a14="http://schemas.microsoft.com/office/drawing/2010/main" xmlns:lc="http://schemas.openxmlformats.org/drawingml/2006/lockedCanvas">
                   <a:effectLst>
                     <a:outerShdw blurRad="63500" dist="38099" dir="2700000" algn="ctr" rotWithShape="0">
                       <a:schemeClr val="bg2">
@@ -18537,14 +18537,14 @@
               <a:effectLst/>
               <a:extLst>
                 <a:ext uri="{909E8E84-426E-40dd-AFC4-6F175D3DCCD1}">
-                  <a14:hiddenFill xmlns:lc="http://schemas.openxmlformats.org/drawingml/2006/lockedCanvas" xmlns:a14="http://schemas.microsoft.com/office/drawing/2010/main" xmlns="">
+                  <a14:hiddenFill xmlns="" xmlns:a14="http://schemas.microsoft.com/office/drawing/2010/main" xmlns:lc="http://schemas.openxmlformats.org/drawingml/2006/lockedCanvas">
                     <a:solidFill>
                       <a:schemeClr val="accent1"/>
                     </a:solidFill>
                   </a14:hiddenFill>
                 </a:ext>
                 <a:ext uri="{AF507438-7753-43e0-B8FC-AC1667EBCBE1}">
-                  <a14:hiddenEffects xmlns:lc="http://schemas.openxmlformats.org/drawingml/2006/lockedCanvas" xmlns:a14="http://schemas.microsoft.com/office/drawing/2010/main" xmlns="">
+                  <a14:hiddenEffects xmlns="" xmlns:a14="http://schemas.microsoft.com/office/drawing/2010/main" xmlns:lc="http://schemas.openxmlformats.org/drawingml/2006/lockedCanvas">
                     <a:effectLst>
                       <a:outerShdw blurRad="63500" dist="38099" dir="2700000" algn="ctr" rotWithShape="0">
                         <a:schemeClr val="bg2">
@@ -18742,14 +18742,14 @@
               <a:effectLst/>
               <a:extLst>
                 <a:ext uri="{909E8E84-426E-40dd-AFC4-6F175D3DCCD1}">
-                  <a14:hiddenFill xmlns:lc="http://schemas.openxmlformats.org/drawingml/2006/lockedCanvas" xmlns:a14="http://schemas.microsoft.com/office/drawing/2010/main" xmlns="">
+                  <a14:hiddenFill xmlns="" xmlns:a14="http://schemas.microsoft.com/office/drawing/2010/main" xmlns:lc="http://schemas.openxmlformats.org/drawingml/2006/lockedCanvas">
                     <a:solidFill>
                       <a:schemeClr val="accent1"/>
                     </a:solidFill>
                   </a14:hiddenFill>
                 </a:ext>
                 <a:ext uri="{AF507438-7753-43e0-B8FC-AC1667EBCBE1}">
-                  <a14:hiddenEffects xmlns:lc="http://schemas.openxmlformats.org/drawingml/2006/lockedCanvas" xmlns:a14="http://schemas.microsoft.com/office/drawing/2010/main" xmlns="">
+                  <a14:hiddenEffects xmlns="" xmlns:a14="http://schemas.microsoft.com/office/drawing/2010/main" xmlns:lc="http://schemas.openxmlformats.org/drawingml/2006/lockedCanvas">
                     <a:effectLst>
                       <a:outerShdw blurRad="63500" dist="38099" dir="2700000" algn="ctr" rotWithShape="0">
                         <a:schemeClr val="bg2">
@@ -18933,14 +18933,14 @@
               <a:effectLst/>
               <a:extLst>
                 <a:ext uri="{909E8E84-426E-40dd-AFC4-6F175D3DCCD1}">
-                  <a14:hiddenFill xmlns:lc="http://schemas.openxmlformats.org/drawingml/2006/lockedCanvas" xmlns:a14="http://schemas.microsoft.com/office/drawing/2010/main" xmlns="">
+                  <a14:hiddenFill xmlns="" xmlns:a14="http://schemas.microsoft.com/office/drawing/2010/main" xmlns:lc="http://schemas.openxmlformats.org/drawingml/2006/lockedCanvas">
                     <a:solidFill>
                       <a:schemeClr val="accent1"/>
                     </a:solidFill>
                   </a14:hiddenFill>
                 </a:ext>
                 <a:ext uri="{AF507438-7753-43e0-B8FC-AC1667EBCBE1}">
-                  <a14:hiddenEffects xmlns:lc="http://schemas.openxmlformats.org/drawingml/2006/lockedCanvas" xmlns:a14="http://schemas.microsoft.com/office/drawing/2010/main" xmlns="">
+                  <a14:hiddenEffects xmlns="" xmlns:a14="http://schemas.microsoft.com/office/drawing/2010/main" xmlns:lc="http://schemas.openxmlformats.org/drawingml/2006/lockedCanvas">
                     <a:effectLst>
                       <a:outerShdw blurRad="63500" dist="38099" dir="2700000" algn="ctr" rotWithShape="0">
                         <a:schemeClr val="bg2">
@@ -19138,12 +19138,12 @@
               <a:effectLst/>
               <a:extLst>
                 <a:ext uri="{909E8E84-426E-40dd-AFC4-6F175D3DCCD1}">
-                  <a14:hiddenFill xmlns:lc="http://schemas.openxmlformats.org/drawingml/2006/lockedCanvas" xmlns:a14="http://schemas.microsoft.com/office/drawing/2010/main" xmlns="">
+                  <a14:hiddenFill xmlns="" xmlns:a14="http://schemas.microsoft.com/office/drawing/2010/main" xmlns:lc="http://schemas.openxmlformats.org/drawingml/2006/lockedCanvas">
                     <a:noFill/>
                   </a14:hiddenFill>
                 </a:ext>
                 <a:ext uri="{AF507438-7753-43e0-B8FC-AC1667EBCBE1}">
-                  <a14:hiddenEffects xmlns:lc="http://schemas.openxmlformats.org/drawingml/2006/lockedCanvas" xmlns:a14="http://schemas.microsoft.com/office/drawing/2010/main" xmlns="">
+                  <a14:hiddenEffects xmlns="" xmlns:a14="http://schemas.microsoft.com/office/drawing/2010/main" xmlns:lc="http://schemas.openxmlformats.org/drawingml/2006/lockedCanvas">
                     <a:effectLst>
                       <a:outerShdw blurRad="63500" dist="38099" dir="2700000" algn="ctr" rotWithShape="0">
                         <a:schemeClr val="bg2">
@@ -19327,12 +19327,12 @@
               <a:effectLst/>
               <a:extLst>
                 <a:ext uri="{909E8E84-426E-40dd-AFC4-6F175D3DCCD1}">
-                  <a14:hiddenFill xmlns:lc="http://schemas.openxmlformats.org/drawingml/2006/lockedCanvas" xmlns:a14="http://schemas.microsoft.com/office/drawing/2010/main" xmlns="">
+                  <a14:hiddenFill xmlns="" xmlns:a14="http://schemas.microsoft.com/office/drawing/2010/main" xmlns:lc="http://schemas.openxmlformats.org/drawingml/2006/lockedCanvas">
                     <a:noFill/>
                   </a14:hiddenFill>
                 </a:ext>
                 <a:ext uri="{AF507438-7753-43e0-B8FC-AC1667EBCBE1}">
-                  <a14:hiddenEffects xmlns:lc="http://schemas.openxmlformats.org/drawingml/2006/lockedCanvas" xmlns:a14="http://schemas.microsoft.com/office/drawing/2010/main" xmlns="">
+                  <a14:hiddenEffects xmlns="" xmlns:a14="http://schemas.microsoft.com/office/drawing/2010/main" xmlns:lc="http://schemas.openxmlformats.org/drawingml/2006/lockedCanvas">
                     <a:effectLst>
                       <a:outerShdw blurRad="63500" dist="38099" dir="2700000" algn="ctr" rotWithShape="0">
                         <a:schemeClr val="bg2">
@@ -19516,14 +19516,14 @@
               <a:effectLst/>
               <a:extLst>
                 <a:ext uri="{909E8E84-426E-40dd-AFC4-6F175D3DCCD1}">
-                  <a14:hiddenFill xmlns:lc="http://schemas.openxmlformats.org/drawingml/2006/lockedCanvas" xmlns:a14="http://schemas.microsoft.com/office/drawing/2010/main" xmlns="">
+                  <a14:hiddenFill xmlns="" xmlns:a14="http://schemas.microsoft.com/office/drawing/2010/main" xmlns:lc="http://schemas.openxmlformats.org/drawingml/2006/lockedCanvas">
                     <a:solidFill>
                       <a:schemeClr val="accent1"/>
                     </a:solidFill>
                   </a14:hiddenFill>
                 </a:ext>
                 <a:ext uri="{AF507438-7753-43e0-B8FC-AC1667EBCBE1}">
-                  <a14:hiddenEffects xmlns:lc="http://schemas.openxmlformats.org/drawingml/2006/lockedCanvas" xmlns:a14="http://schemas.microsoft.com/office/drawing/2010/main" xmlns="">
+                  <a14:hiddenEffects xmlns="" xmlns:a14="http://schemas.microsoft.com/office/drawing/2010/main" xmlns:lc="http://schemas.openxmlformats.org/drawingml/2006/lockedCanvas">
                     <a:effectLst>
                       <a:outerShdw blurRad="63500" dist="38099" dir="2700000" algn="ctr" rotWithShape="0">
                         <a:schemeClr val="bg2">
@@ -19721,14 +19721,14 @@
               <a:effectLst/>
               <a:extLst>
                 <a:ext uri="{909E8E84-426E-40dd-AFC4-6F175D3DCCD1}">
-                  <a14:hiddenFill xmlns:lc="http://schemas.openxmlformats.org/drawingml/2006/lockedCanvas" xmlns:a14="http://schemas.microsoft.com/office/drawing/2010/main" xmlns="">
+                  <a14:hiddenFill xmlns="" xmlns:a14="http://schemas.microsoft.com/office/drawing/2010/main" xmlns:lc="http://schemas.openxmlformats.org/drawingml/2006/lockedCanvas">
                     <a:solidFill>
                       <a:schemeClr val="accent1"/>
                     </a:solidFill>
                   </a14:hiddenFill>
                 </a:ext>
                 <a:ext uri="{AF507438-7753-43e0-B8FC-AC1667EBCBE1}">
-                  <a14:hiddenEffects xmlns:lc="http://schemas.openxmlformats.org/drawingml/2006/lockedCanvas" xmlns:a14="http://schemas.microsoft.com/office/drawing/2010/main" xmlns="">
+                  <a14:hiddenEffects xmlns="" xmlns:a14="http://schemas.microsoft.com/office/drawing/2010/main" xmlns:lc="http://schemas.openxmlformats.org/drawingml/2006/lockedCanvas">
                     <a:effectLst>
                       <a:outerShdw blurRad="63500" dist="38099" dir="2700000" algn="ctr" rotWithShape="0">
                         <a:schemeClr val="bg2">
@@ -19948,12 +19948,12 @@
                 <a:effectLst/>
                 <a:extLst>
                   <a:ext uri="{909E8E84-426E-40dd-AFC4-6F175D3DCCD1}">
-                    <a14:hiddenFill xmlns:lc="http://schemas.openxmlformats.org/drawingml/2006/lockedCanvas" xmlns:a14="http://schemas.microsoft.com/office/drawing/2010/main" xmlns="">
+                    <a14:hiddenFill xmlns="" xmlns:a14="http://schemas.microsoft.com/office/drawing/2010/main" xmlns:lc="http://schemas.openxmlformats.org/drawingml/2006/lockedCanvas">
                       <a:noFill/>
                     </a14:hiddenFill>
                   </a:ext>
                   <a:ext uri="{AF507438-7753-43e0-B8FC-AC1667EBCBE1}">
-                    <a14:hiddenEffects xmlns:lc="http://schemas.openxmlformats.org/drawingml/2006/lockedCanvas" xmlns:a14="http://schemas.microsoft.com/office/drawing/2010/main" xmlns="">
+                    <a14:hiddenEffects xmlns="" xmlns:a14="http://schemas.microsoft.com/office/drawing/2010/main" xmlns:lc="http://schemas.openxmlformats.org/drawingml/2006/lockedCanvas">
                       <a:effectLst>
                         <a:outerShdw blurRad="63500" dist="38099" dir="2700000" algn="ctr" rotWithShape="0">
                           <a:schemeClr val="bg2">
@@ -20137,12 +20137,12 @@
                 <a:effectLst/>
                 <a:extLst>
                   <a:ext uri="{909E8E84-426E-40dd-AFC4-6F175D3DCCD1}">
-                    <a14:hiddenFill xmlns:lc="http://schemas.openxmlformats.org/drawingml/2006/lockedCanvas" xmlns:a14="http://schemas.microsoft.com/office/drawing/2010/main" xmlns="">
+                    <a14:hiddenFill xmlns="" xmlns:a14="http://schemas.microsoft.com/office/drawing/2010/main" xmlns:lc="http://schemas.openxmlformats.org/drawingml/2006/lockedCanvas">
                       <a:noFill/>
                     </a14:hiddenFill>
                   </a:ext>
                   <a:ext uri="{AF507438-7753-43e0-B8FC-AC1667EBCBE1}">
-                    <a14:hiddenEffects xmlns:lc="http://schemas.openxmlformats.org/drawingml/2006/lockedCanvas" xmlns:a14="http://schemas.microsoft.com/office/drawing/2010/main" xmlns="">
+                    <a14:hiddenEffects xmlns="" xmlns:a14="http://schemas.microsoft.com/office/drawing/2010/main" xmlns:lc="http://schemas.openxmlformats.org/drawingml/2006/lockedCanvas">
                       <a:effectLst>
                         <a:outerShdw blurRad="63500" dist="38099" dir="2700000" algn="ctr" rotWithShape="0">
                           <a:schemeClr val="bg2">
@@ -20326,12 +20326,12 @@
                 <a:effectLst/>
                 <a:extLst>
                   <a:ext uri="{909E8E84-426E-40dd-AFC4-6F175D3DCCD1}">
-                    <a14:hiddenFill xmlns:lc="http://schemas.openxmlformats.org/drawingml/2006/lockedCanvas" xmlns:a14="http://schemas.microsoft.com/office/drawing/2010/main" xmlns="">
+                    <a14:hiddenFill xmlns="" xmlns:a14="http://schemas.microsoft.com/office/drawing/2010/main" xmlns:lc="http://schemas.openxmlformats.org/drawingml/2006/lockedCanvas">
                       <a:noFill/>
                     </a14:hiddenFill>
                   </a:ext>
                   <a:ext uri="{AF507438-7753-43e0-B8FC-AC1667EBCBE1}">
-                    <a14:hiddenEffects xmlns:lc="http://schemas.openxmlformats.org/drawingml/2006/lockedCanvas" xmlns:a14="http://schemas.microsoft.com/office/drawing/2010/main" xmlns="">
+                    <a14:hiddenEffects xmlns="" xmlns:a14="http://schemas.microsoft.com/office/drawing/2010/main" xmlns:lc="http://schemas.openxmlformats.org/drawingml/2006/lockedCanvas">
                       <a:effectLst>
                         <a:outerShdw blurRad="63500" dist="38099" dir="2700000" algn="ctr" rotWithShape="0">
                           <a:schemeClr val="bg2">
@@ -20515,12 +20515,12 @@
                 <a:effectLst/>
                 <a:extLst>
                   <a:ext uri="{909E8E84-426E-40dd-AFC4-6F175D3DCCD1}">
-                    <a14:hiddenFill xmlns:lc="http://schemas.openxmlformats.org/drawingml/2006/lockedCanvas" xmlns:a14="http://schemas.microsoft.com/office/drawing/2010/main" xmlns="">
+                    <a14:hiddenFill xmlns="" xmlns:a14="http://schemas.microsoft.com/office/drawing/2010/main" xmlns:lc="http://schemas.openxmlformats.org/drawingml/2006/lockedCanvas">
                       <a:noFill/>
                     </a14:hiddenFill>
                   </a:ext>
                   <a:ext uri="{AF507438-7753-43e0-B8FC-AC1667EBCBE1}">
-                    <a14:hiddenEffects xmlns:lc="http://schemas.openxmlformats.org/drawingml/2006/lockedCanvas" xmlns:a14="http://schemas.microsoft.com/office/drawing/2010/main" xmlns="">
+                    <a14:hiddenEffects xmlns="" xmlns:a14="http://schemas.microsoft.com/office/drawing/2010/main" xmlns:lc="http://schemas.openxmlformats.org/drawingml/2006/lockedCanvas">
                       <a:effectLst>
                         <a:outerShdw blurRad="63500" dist="38099" dir="2700000" algn="ctr" rotWithShape="0">
                           <a:schemeClr val="bg2">
@@ -20704,12 +20704,12 @@
                 <a:effectLst/>
                 <a:extLst>
                   <a:ext uri="{909E8E84-426E-40dd-AFC4-6F175D3DCCD1}">
-                    <a14:hiddenFill xmlns:lc="http://schemas.openxmlformats.org/drawingml/2006/lockedCanvas" xmlns:a14="http://schemas.microsoft.com/office/drawing/2010/main" xmlns="">
+                    <a14:hiddenFill xmlns="" xmlns:a14="http://schemas.microsoft.com/office/drawing/2010/main" xmlns:lc="http://schemas.openxmlformats.org/drawingml/2006/lockedCanvas">
                       <a:noFill/>
                     </a14:hiddenFill>
                   </a:ext>
                   <a:ext uri="{AF507438-7753-43e0-B8FC-AC1667EBCBE1}">
-                    <a14:hiddenEffects xmlns:lc="http://schemas.openxmlformats.org/drawingml/2006/lockedCanvas" xmlns:a14="http://schemas.microsoft.com/office/drawing/2010/main" xmlns="">
+                    <a14:hiddenEffects xmlns="" xmlns:a14="http://schemas.microsoft.com/office/drawing/2010/main" xmlns:lc="http://schemas.openxmlformats.org/drawingml/2006/lockedCanvas">
                       <a:effectLst>
                         <a:outerShdw blurRad="63500" dist="38099" dir="2700000" algn="ctr" rotWithShape="0">
                           <a:schemeClr val="bg2">
@@ -20916,12 +20916,12 @@
                 <a:effectLst/>
                 <a:extLst>
                   <a:ext uri="{909E8E84-426E-40dd-AFC4-6F175D3DCCD1}">
-                    <a14:hiddenFill xmlns:lc="http://schemas.openxmlformats.org/drawingml/2006/lockedCanvas" xmlns:a14="http://schemas.microsoft.com/office/drawing/2010/main" xmlns="">
+                    <a14:hiddenFill xmlns="" xmlns:a14="http://schemas.microsoft.com/office/drawing/2010/main" xmlns:lc="http://schemas.openxmlformats.org/drawingml/2006/lockedCanvas">
                       <a:noFill/>
                     </a14:hiddenFill>
                   </a:ext>
                   <a:ext uri="{AF507438-7753-43e0-B8FC-AC1667EBCBE1}">
-                    <a14:hiddenEffects xmlns:lc="http://schemas.openxmlformats.org/drawingml/2006/lockedCanvas" xmlns:a14="http://schemas.microsoft.com/office/drawing/2010/main" xmlns="">
+                    <a14:hiddenEffects xmlns="" xmlns:a14="http://schemas.microsoft.com/office/drawing/2010/main" xmlns:lc="http://schemas.openxmlformats.org/drawingml/2006/lockedCanvas">
                       <a:effectLst>
                         <a:outerShdw blurRad="63500" dist="38099" dir="2700000" algn="ctr" rotWithShape="0">
                           <a:schemeClr val="bg2">
@@ -21105,12 +21105,12 @@
                 <a:effectLst/>
                 <a:extLst>
                   <a:ext uri="{909E8E84-426E-40dd-AFC4-6F175D3DCCD1}">
-                    <a14:hiddenFill xmlns:lc="http://schemas.openxmlformats.org/drawingml/2006/lockedCanvas" xmlns:a14="http://schemas.microsoft.com/office/drawing/2010/main" xmlns="">
+                    <a14:hiddenFill xmlns="" xmlns:a14="http://schemas.microsoft.com/office/drawing/2010/main" xmlns:lc="http://schemas.openxmlformats.org/drawingml/2006/lockedCanvas">
                       <a:noFill/>
                     </a14:hiddenFill>
                   </a:ext>
                   <a:ext uri="{AF507438-7753-43e0-B8FC-AC1667EBCBE1}">
-                    <a14:hiddenEffects xmlns:lc="http://schemas.openxmlformats.org/drawingml/2006/lockedCanvas" xmlns:a14="http://schemas.microsoft.com/office/drawing/2010/main" xmlns="">
+                    <a14:hiddenEffects xmlns="" xmlns:a14="http://schemas.microsoft.com/office/drawing/2010/main" xmlns:lc="http://schemas.openxmlformats.org/drawingml/2006/lockedCanvas">
                       <a:effectLst>
                         <a:outerShdw blurRad="63500" dist="38099" dir="2700000" algn="ctr" rotWithShape="0">
                           <a:schemeClr val="bg2">
@@ -21294,12 +21294,12 @@
                 <a:effectLst/>
                 <a:extLst>
                   <a:ext uri="{909E8E84-426E-40dd-AFC4-6F175D3DCCD1}">
-                    <a14:hiddenFill xmlns:lc="http://schemas.openxmlformats.org/drawingml/2006/lockedCanvas" xmlns:a14="http://schemas.microsoft.com/office/drawing/2010/main" xmlns="">
+                    <a14:hiddenFill xmlns="" xmlns:a14="http://schemas.microsoft.com/office/drawing/2010/main" xmlns:lc="http://schemas.openxmlformats.org/drawingml/2006/lockedCanvas">
                       <a:noFill/>
                     </a14:hiddenFill>
                   </a:ext>
                   <a:ext uri="{AF507438-7753-43e0-B8FC-AC1667EBCBE1}">
-                    <a14:hiddenEffects xmlns:lc="http://schemas.openxmlformats.org/drawingml/2006/lockedCanvas" xmlns:a14="http://schemas.microsoft.com/office/drawing/2010/main" xmlns="">
+                    <a14:hiddenEffects xmlns="" xmlns:a14="http://schemas.microsoft.com/office/drawing/2010/main" xmlns:lc="http://schemas.openxmlformats.org/drawingml/2006/lockedCanvas">
                       <a:effectLst>
                         <a:outerShdw blurRad="63500" dist="38099" dir="2700000" algn="ctr" rotWithShape="0">
                           <a:schemeClr val="bg2">
@@ -21483,12 +21483,12 @@
                 <a:effectLst/>
                 <a:extLst>
                   <a:ext uri="{909E8E84-426E-40dd-AFC4-6F175D3DCCD1}">
-                    <a14:hiddenFill xmlns:lc="http://schemas.openxmlformats.org/drawingml/2006/lockedCanvas" xmlns:a14="http://schemas.microsoft.com/office/drawing/2010/main" xmlns="">
+                    <a14:hiddenFill xmlns="" xmlns:a14="http://schemas.microsoft.com/office/drawing/2010/main" xmlns:lc="http://schemas.openxmlformats.org/drawingml/2006/lockedCanvas">
                       <a:noFill/>
                     </a14:hiddenFill>
                   </a:ext>
                   <a:ext uri="{AF507438-7753-43e0-B8FC-AC1667EBCBE1}">
-                    <a14:hiddenEffects xmlns:lc="http://schemas.openxmlformats.org/drawingml/2006/lockedCanvas" xmlns:a14="http://schemas.microsoft.com/office/drawing/2010/main" xmlns="">
+                    <a14:hiddenEffects xmlns="" xmlns:a14="http://schemas.microsoft.com/office/drawing/2010/main" xmlns:lc="http://schemas.openxmlformats.org/drawingml/2006/lockedCanvas">
                       <a:effectLst>
                         <a:outerShdw blurRad="63500" dist="38099" dir="2700000" algn="ctr" rotWithShape="0">
                           <a:schemeClr val="bg2">
@@ -21672,12 +21672,12 @@
                 <a:effectLst/>
                 <a:extLst>
                   <a:ext uri="{909E8E84-426E-40dd-AFC4-6F175D3DCCD1}">
-                    <a14:hiddenFill xmlns:lc="http://schemas.openxmlformats.org/drawingml/2006/lockedCanvas" xmlns:a14="http://schemas.microsoft.com/office/drawing/2010/main" xmlns="">
+                    <a14:hiddenFill xmlns="" xmlns:a14="http://schemas.microsoft.com/office/drawing/2010/main" xmlns:lc="http://schemas.openxmlformats.org/drawingml/2006/lockedCanvas">
                       <a:noFill/>
                     </a14:hiddenFill>
                   </a:ext>
                   <a:ext uri="{AF507438-7753-43e0-B8FC-AC1667EBCBE1}">
-                    <a14:hiddenEffects xmlns:lc="http://schemas.openxmlformats.org/drawingml/2006/lockedCanvas" xmlns:a14="http://schemas.microsoft.com/office/drawing/2010/main" xmlns="">
+                    <a14:hiddenEffects xmlns="" xmlns:a14="http://schemas.microsoft.com/office/drawing/2010/main" xmlns:lc="http://schemas.openxmlformats.org/drawingml/2006/lockedCanvas">
                       <a:effectLst>
                         <a:outerShdw blurRad="63500" dist="38099" dir="2700000" algn="ctr" rotWithShape="0">
                           <a:schemeClr val="bg2">
@@ -21862,12 +21862,12 @@
               <a:effectLst/>
               <a:extLst>
                 <a:ext uri="{909E8E84-426E-40dd-AFC4-6F175D3DCCD1}">
-                  <a14:hiddenFill xmlns:lc="http://schemas.openxmlformats.org/drawingml/2006/lockedCanvas" xmlns:a14="http://schemas.microsoft.com/office/drawing/2010/main" xmlns="">
+                  <a14:hiddenFill xmlns="" xmlns:a14="http://schemas.microsoft.com/office/drawing/2010/main" xmlns:lc="http://schemas.openxmlformats.org/drawingml/2006/lockedCanvas">
                     <a:noFill/>
                   </a14:hiddenFill>
                 </a:ext>
                 <a:ext uri="{AF507438-7753-43e0-B8FC-AC1667EBCBE1}">
-                  <a14:hiddenEffects xmlns:lc="http://schemas.openxmlformats.org/drawingml/2006/lockedCanvas" xmlns:a14="http://schemas.microsoft.com/office/drawing/2010/main" xmlns="">
+                  <a14:hiddenEffects xmlns="" xmlns:a14="http://schemas.microsoft.com/office/drawing/2010/main" xmlns:lc="http://schemas.openxmlformats.org/drawingml/2006/lockedCanvas">
                     <a:effectLst>
                       <a:outerShdw blurRad="63500" dist="38099" dir="2700000" algn="ctr" rotWithShape="0">
                         <a:schemeClr val="bg2">
@@ -22047,14 +22047,14 @@
             <a:effectLst/>
             <a:extLst>
               <a:ext uri="{909E8E84-426E-40dd-AFC4-6F175D3DCCD1}">
-                <a14:hiddenFill xmlns:lc="http://schemas.openxmlformats.org/drawingml/2006/lockedCanvas" xmlns:a14="http://schemas.microsoft.com/office/drawing/2010/main" xmlns="">
+                <a14:hiddenFill xmlns="" xmlns:a14="http://schemas.microsoft.com/office/drawing/2010/main" xmlns:lc="http://schemas.openxmlformats.org/drawingml/2006/lockedCanvas">
                   <a:solidFill>
                     <a:schemeClr val="accent1"/>
                   </a:solidFill>
                 </a14:hiddenFill>
               </a:ext>
               <a:ext uri="{91240B29-F687-4f45-9708-019B960494DF}">
-                <a14:hiddenLine xmlns:lc="http://schemas.openxmlformats.org/drawingml/2006/lockedCanvas" xmlns:a14="http://schemas.microsoft.com/office/drawing/2010/main" xmlns="" w="9525">
+                <a14:hiddenLine xmlns="" xmlns:a14="http://schemas.microsoft.com/office/drawing/2010/main" xmlns:lc="http://schemas.openxmlformats.org/drawingml/2006/lockedCanvas" w="9525">
                   <a:solidFill>
                     <a:schemeClr val="tx1"/>
                   </a:solidFill>
@@ -22064,7 +22064,7 @@
                 </a14:hiddenLine>
               </a:ext>
               <a:ext uri="{AF507438-7753-43e0-B8FC-AC1667EBCBE1}">
-                <a14:hiddenEffects xmlns:lc="http://schemas.openxmlformats.org/drawingml/2006/lockedCanvas" xmlns:a14="http://schemas.microsoft.com/office/drawing/2010/main" xmlns="">
+                <a14:hiddenEffects xmlns="" xmlns:a14="http://schemas.microsoft.com/office/drawing/2010/main" xmlns:lc="http://schemas.openxmlformats.org/drawingml/2006/lockedCanvas">
                   <a:effectLst>
                     <a:outerShdw blurRad="63500" dist="38099" dir="2700000" algn="ctr" rotWithShape="0">
                       <a:schemeClr val="bg2">
@@ -22256,14 +22256,14 @@
             <a:effectLst/>
             <a:extLst>
               <a:ext uri="{909E8E84-426E-40dd-AFC4-6F175D3DCCD1}">
-                <a14:hiddenFill xmlns:lc="http://schemas.openxmlformats.org/drawingml/2006/lockedCanvas" xmlns:a14="http://schemas.microsoft.com/office/drawing/2010/main" xmlns="">
+                <a14:hiddenFill xmlns="" xmlns:a14="http://schemas.microsoft.com/office/drawing/2010/main" xmlns:lc="http://schemas.openxmlformats.org/drawingml/2006/lockedCanvas">
                   <a:solidFill>
                     <a:schemeClr val="accent1"/>
                   </a:solidFill>
                 </a14:hiddenFill>
               </a:ext>
               <a:ext uri="{91240B29-F687-4f45-9708-019B960494DF}">
-                <a14:hiddenLine xmlns:lc="http://schemas.openxmlformats.org/drawingml/2006/lockedCanvas" xmlns:a14="http://schemas.microsoft.com/office/drawing/2010/main" xmlns="" w="9525">
+                <a14:hiddenLine xmlns="" xmlns:a14="http://schemas.microsoft.com/office/drawing/2010/main" xmlns:lc="http://schemas.openxmlformats.org/drawingml/2006/lockedCanvas" w="9525">
                   <a:solidFill>
                     <a:schemeClr val="tx1"/>
                   </a:solidFill>
@@ -22273,7 +22273,7 @@
                 </a14:hiddenLine>
               </a:ext>
               <a:ext uri="{AF507438-7753-43e0-B8FC-AC1667EBCBE1}">
-                <a14:hiddenEffects xmlns:lc="http://schemas.openxmlformats.org/drawingml/2006/lockedCanvas" xmlns:a14="http://schemas.microsoft.com/office/drawing/2010/main" xmlns="">
+                <a14:hiddenEffects xmlns="" xmlns:a14="http://schemas.microsoft.com/office/drawing/2010/main" xmlns:lc="http://schemas.openxmlformats.org/drawingml/2006/lockedCanvas">
                   <a:effectLst>
                     <a:outerShdw blurRad="63500" dist="38099" dir="2700000" algn="ctr" rotWithShape="0">
                       <a:schemeClr val="bg2">
@@ -22458,14 +22458,14 @@
             <a:effectLst/>
             <a:extLst>
               <a:ext uri="{909E8E84-426E-40dd-AFC4-6F175D3DCCD1}">
-                <a14:hiddenFill xmlns:lc="http://schemas.openxmlformats.org/drawingml/2006/lockedCanvas" xmlns:a14="http://schemas.microsoft.com/office/drawing/2010/main" xmlns="">
+                <a14:hiddenFill xmlns="" xmlns:a14="http://schemas.microsoft.com/office/drawing/2010/main" xmlns:lc="http://schemas.openxmlformats.org/drawingml/2006/lockedCanvas">
                   <a:solidFill>
                     <a:schemeClr val="accent1"/>
                   </a:solidFill>
                 </a14:hiddenFill>
               </a:ext>
               <a:ext uri="{91240B29-F687-4f45-9708-019B960494DF}">
-                <a14:hiddenLine xmlns:lc="http://schemas.openxmlformats.org/drawingml/2006/lockedCanvas" xmlns:a14="http://schemas.microsoft.com/office/drawing/2010/main" xmlns="" w="9525">
+                <a14:hiddenLine xmlns="" xmlns:a14="http://schemas.microsoft.com/office/drawing/2010/main" xmlns:lc="http://schemas.openxmlformats.org/drawingml/2006/lockedCanvas" w="9525">
                   <a:solidFill>
                     <a:schemeClr val="tx1"/>
                   </a:solidFill>
@@ -22475,7 +22475,7 @@
                 </a14:hiddenLine>
               </a:ext>
               <a:ext uri="{AF507438-7753-43e0-B8FC-AC1667EBCBE1}">
-                <a14:hiddenEffects xmlns:lc="http://schemas.openxmlformats.org/drawingml/2006/lockedCanvas" xmlns:a14="http://schemas.microsoft.com/office/drawing/2010/main" xmlns="">
+                <a14:hiddenEffects xmlns="" xmlns:a14="http://schemas.microsoft.com/office/drawing/2010/main" xmlns:lc="http://schemas.openxmlformats.org/drawingml/2006/lockedCanvas">
                   <a:effectLst>
                     <a:outerShdw blurRad="63500" dist="38099" dir="2700000" algn="ctr" rotWithShape="0">
                       <a:schemeClr val="bg2">
@@ -22659,14 +22659,14 @@
             <a:effectLst/>
             <a:extLst>
               <a:ext uri="{909E8E84-426E-40dd-AFC4-6F175D3DCCD1}">
-                <a14:hiddenFill xmlns:lc="http://schemas.openxmlformats.org/drawingml/2006/lockedCanvas" xmlns:a14="http://schemas.microsoft.com/office/drawing/2010/main" xmlns="">
+                <a14:hiddenFill xmlns="" xmlns:a14="http://schemas.microsoft.com/office/drawing/2010/main" xmlns:lc="http://schemas.openxmlformats.org/drawingml/2006/lockedCanvas">
                   <a:solidFill>
                     <a:schemeClr val="accent1"/>
                   </a:solidFill>
                 </a14:hiddenFill>
               </a:ext>
               <a:ext uri="{91240B29-F687-4f45-9708-019B960494DF}">
-                <a14:hiddenLine xmlns:lc="http://schemas.openxmlformats.org/drawingml/2006/lockedCanvas" xmlns:a14="http://schemas.microsoft.com/office/drawing/2010/main" xmlns="" w="9525">
+                <a14:hiddenLine xmlns="" xmlns:a14="http://schemas.microsoft.com/office/drawing/2010/main" xmlns:lc="http://schemas.openxmlformats.org/drawingml/2006/lockedCanvas" w="9525">
                   <a:solidFill>
                     <a:schemeClr val="tx1"/>
                   </a:solidFill>
@@ -22676,7 +22676,7 @@
                 </a14:hiddenLine>
               </a:ext>
               <a:ext uri="{AF507438-7753-43e0-B8FC-AC1667EBCBE1}">
-                <a14:hiddenEffects xmlns:lc="http://schemas.openxmlformats.org/drawingml/2006/lockedCanvas" xmlns:a14="http://schemas.microsoft.com/office/drawing/2010/main" xmlns="">
+                <a14:hiddenEffects xmlns="" xmlns:a14="http://schemas.microsoft.com/office/drawing/2010/main" xmlns:lc="http://schemas.openxmlformats.org/drawingml/2006/lockedCanvas">
                   <a:effectLst>
                     <a:outerShdw blurRad="63500" dist="38099" dir="2700000" algn="ctr" rotWithShape="0">
                       <a:schemeClr val="bg2">
@@ -22860,14 +22860,14 @@
             <a:effectLst/>
             <a:extLst>
               <a:ext uri="{909E8E84-426E-40dd-AFC4-6F175D3DCCD1}">
-                <a14:hiddenFill xmlns:lc="http://schemas.openxmlformats.org/drawingml/2006/lockedCanvas" xmlns:a14="http://schemas.microsoft.com/office/drawing/2010/main" xmlns="">
+                <a14:hiddenFill xmlns="" xmlns:a14="http://schemas.microsoft.com/office/drawing/2010/main" xmlns:lc="http://schemas.openxmlformats.org/drawingml/2006/lockedCanvas">
                   <a:solidFill>
                     <a:schemeClr val="accent1"/>
                   </a:solidFill>
                 </a14:hiddenFill>
               </a:ext>
               <a:ext uri="{91240B29-F687-4f45-9708-019B960494DF}">
-                <a14:hiddenLine xmlns:lc="http://schemas.openxmlformats.org/drawingml/2006/lockedCanvas" xmlns:a14="http://schemas.microsoft.com/office/drawing/2010/main" xmlns="" w="9525">
+                <a14:hiddenLine xmlns="" xmlns:a14="http://schemas.microsoft.com/office/drawing/2010/main" xmlns:lc="http://schemas.openxmlformats.org/drawingml/2006/lockedCanvas" w="9525">
                   <a:solidFill>
                     <a:schemeClr val="tx1"/>
                   </a:solidFill>
@@ -22877,7 +22877,7 @@
                 </a14:hiddenLine>
               </a:ext>
               <a:ext uri="{AF507438-7753-43e0-B8FC-AC1667EBCBE1}">
-                <a14:hiddenEffects xmlns:lc="http://schemas.openxmlformats.org/drawingml/2006/lockedCanvas" xmlns:a14="http://schemas.microsoft.com/office/drawing/2010/main" xmlns="">
+                <a14:hiddenEffects xmlns="" xmlns:a14="http://schemas.microsoft.com/office/drawing/2010/main" xmlns:lc="http://schemas.openxmlformats.org/drawingml/2006/lockedCanvas">
                   <a:effectLst>
                     <a:outerShdw blurRad="63500" dist="38099" dir="2700000" algn="ctr" rotWithShape="0">
                       <a:schemeClr val="bg2">
@@ -23061,14 +23061,14 @@
             <a:effectLst/>
             <a:extLst>
               <a:ext uri="{909E8E84-426E-40dd-AFC4-6F175D3DCCD1}">
-                <a14:hiddenFill xmlns:lc="http://schemas.openxmlformats.org/drawingml/2006/lockedCanvas" xmlns:a14="http://schemas.microsoft.com/office/drawing/2010/main" xmlns="">
+                <a14:hiddenFill xmlns="" xmlns:a14="http://schemas.microsoft.com/office/drawing/2010/main" xmlns:lc="http://schemas.openxmlformats.org/drawingml/2006/lockedCanvas">
                   <a:solidFill>
                     <a:schemeClr val="accent1"/>
                   </a:solidFill>
                 </a14:hiddenFill>
               </a:ext>
               <a:ext uri="{91240B29-F687-4f45-9708-019B960494DF}">
-                <a14:hiddenLine xmlns:lc="http://schemas.openxmlformats.org/drawingml/2006/lockedCanvas" xmlns:a14="http://schemas.microsoft.com/office/drawing/2010/main" xmlns="" w="9525">
+                <a14:hiddenLine xmlns="" xmlns:a14="http://schemas.microsoft.com/office/drawing/2010/main" xmlns:lc="http://schemas.openxmlformats.org/drawingml/2006/lockedCanvas" w="9525">
                   <a:solidFill>
                     <a:schemeClr val="tx1"/>
                   </a:solidFill>
@@ -23078,7 +23078,7 @@
                 </a14:hiddenLine>
               </a:ext>
               <a:ext uri="{AF507438-7753-43e0-B8FC-AC1667EBCBE1}">
-                <a14:hiddenEffects xmlns:lc="http://schemas.openxmlformats.org/drawingml/2006/lockedCanvas" xmlns:a14="http://schemas.microsoft.com/office/drawing/2010/main" xmlns="">
+                <a14:hiddenEffects xmlns="" xmlns:a14="http://schemas.microsoft.com/office/drawing/2010/main" xmlns:lc="http://schemas.openxmlformats.org/drawingml/2006/lockedCanvas">
                   <a:effectLst>
                     <a:outerShdw blurRad="63500" dist="38099" dir="2700000" algn="ctr" rotWithShape="0">
                       <a:schemeClr val="bg2">
@@ -23263,14 +23263,14 @@
             <a:effectLst/>
             <a:extLst>
               <a:ext uri="{909E8E84-426E-40dd-AFC4-6F175D3DCCD1}">
-                <a14:hiddenFill xmlns:lc="http://schemas.openxmlformats.org/drawingml/2006/lockedCanvas" xmlns:a14="http://schemas.microsoft.com/office/drawing/2010/main" xmlns="">
+                <a14:hiddenFill xmlns="" xmlns:a14="http://schemas.microsoft.com/office/drawing/2010/main" xmlns:lc="http://schemas.openxmlformats.org/drawingml/2006/lockedCanvas">
                   <a:solidFill>
                     <a:schemeClr val="accent1"/>
                   </a:solidFill>
                 </a14:hiddenFill>
               </a:ext>
               <a:ext uri="{91240B29-F687-4f45-9708-019B960494DF}">
-                <a14:hiddenLine xmlns:lc="http://schemas.openxmlformats.org/drawingml/2006/lockedCanvas" xmlns:a14="http://schemas.microsoft.com/office/drawing/2010/main" xmlns="" w="9525">
+                <a14:hiddenLine xmlns="" xmlns:a14="http://schemas.microsoft.com/office/drawing/2010/main" xmlns:lc="http://schemas.openxmlformats.org/drawingml/2006/lockedCanvas" w="9525">
                   <a:solidFill>
                     <a:schemeClr val="tx1"/>
                   </a:solidFill>
@@ -23280,7 +23280,7 @@
                 </a14:hiddenLine>
               </a:ext>
               <a:ext uri="{AF507438-7753-43e0-B8FC-AC1667EBCBE1}">
-                <a14:hiddenEffects xmlns:lc="http://schemas.openxmlformats.org/drawingml/2006/lockedCanvas" xmlns:a14="http://schemas.microsoft.com/office/drawing/2010/main" xmlns="">
+                <a14:hiddenEffects xmlns="" xmlns:a14="http://schemas.microsoft.com/office/drawing/2010/main" xmlns:lc="http://schemas.openxmlformats.org/drawingml/2006/lockedCanvas">
                   <a:effectLst>
                     <a:outerShdw blurRad="63500" dist="38099" dir="2700000" algn="ctr" rotWithShape="0">
                       <a:schemeClr val="bg2">
@@ -23465,14 +23465,14 @@
             <a:effectLst/>
             <a:extLst>
               <a:ext uri="{909E8E84-426E-40dd-AFC4-6F175D3DCCD1}">
-                <a14:hiddenFill xmlns:lc="http://schemas.openxmlformats.org/drawingml/2006/lockedCanvas" xmlns:a14="http://schemas.microsoft.com/office/drawing/2010/main" xmlns="">
+                <a14:hiddenFill xmlns="" xmlns:a14="http://schemas.microsoft.com/office/drawing/2010/main" xmlns:lc="http://schemas.openxmlformats.org/drawingml/2006/lockedCanvas">
                   <a:solidFill>
                     <a:schemeClr val="accent1"/>
                   </a:solidFill>
                 </a14:hiddenFill>
               </a:ext>
               <a:ext uri="{91240B29-F687-4f45-9708-019B960494DF}">
-                <a14:hiddenLine xmlns:lc="http://schemas.openxmlformats.org/drawingml/2006/lockedCanvas" xmlns:a14="http://schemas.microsoft.com/office/drawing/2010/main" xmlns="" w="9525">
+                <a14:hiddenLine xmlns="" xmlns:a14="http://schemas.microsoft.com/office/drawing/2010/main" xmlns:lc="http://schemas.openxmlformats.org/drawingml/2006/lockedCanvas" w="9525">
                   <a:solidFill>
                     <a:schemeClr val="tx1"/>
                   </a:solidFill>
@@ -23482,7 +23482,7 @@
                 </a14:hiddenLine>
               </a:ext>
               <a:ext uri="{AF507438-7753-43e0-B8FC-AC1667EBCBE1}">
-                <a14:hiddenEffects xmlns:lc="http://schemas.openxmlformats.org/drawingml/2006/lockedCanvas" xmlns:a14="http://schemas.microsoft.com/office/drawing/2010/main" xmlns="">
+                <a14:hiddenEffects xmlns="" xmlns:a14="http://schemas.microsoft.com/office/drawing/2010/main" xmlns:lc="http://schemas.openxmlformats.org/drawingml/2006/lockedCanvas">
                   <a:effectLst>
                     <a:outerShdw blurRad="63500" dist="38099" dir="2700000" algn="ctr" rotWithShape="0">
                       <a:schemeClr val="bg2">
@@ -23667,14 +23667,14 @@
             <a:effectLst/>
             <a:extLst>
               <a:ext uri="{909E8E84-426E-40dd-AFC4-6F175D3DCCD1}">
-                <a14:hiddenFill xmlns:lc="http://schemas.openxmlformats.org/drawingml/2006/lockedCanvas" xmlns:a14="http://schemas.microsoft.com/office/drawing/2010/main" xmlns="">
+                <a14:hiddenFill xmlns="" xmlns:a14="http://schemas.microsoft.com/office/drawing/2010/main" xmlns:lc="http://schemas.openxmlformats.org/drawingml/2006/lockedCanvas">
                   <a:solidFill>
                     <a:schemeClr val="accent1"/>
                   </a:solidFill>
                 </a14:hiddenFill>
               </a:ext>
               <a:ext uri="{91240B29-F687-4f45-9708-019B960494DF}">
-                <a14:hiddenLine xmlns:lc="http://schemas.openxmlformats.org/drawingml/2006/lockedCanvas" xmlns:a14="http://schemas.microsoft.com/office/drawing/2010/main" xmlns="" w="9525">
+                <a14:hiddenLine xmlns="" xmlns:a14="http://schemas.microsoft.com/office/drawing/2010/main" xmlns:lc="http://schemas.openxmlformats.org/drawingml/2006/lockedCanvas" w="9525">
                   <a:solidFill>
                     <a:schemeClr val="tx1"/>
                   </a:solidFill>
@@ -23684,7 +23684,7 @@
                 </a14:hiddenLine>
               </a:ext>
               <a:ext uri="{AF507438-7753-43e0-B8FC-AC1667EBCBE1}">
-                <a14:hiddenEffects xmlns:lc="http://schemas.openxmlformats.org/drawingml/2006/lockedCanvas" xmlns:a14="http://schemas.microsoft.com/office/drawing/2010/main" xmlns="">
+                <a14:hiddenEffects xmlns="" xmlns:a14="http://schemas.microsoft.com/office/drawing/2010/main" xmlns:lc="http://schemas.openxmlformats.org/drawingml/2006/lockedCanvas">
                   <a:effectLst>
                     <a:outerShdw blurRad="63500" dist="38099" dir="2700000" algn="ctr" rotWithShape="0">
                       <a:schemeClr val="bg2">
@@ -24386,14 +24386,14 @@
               <a:effectLst/>
               <a:extLst>
                 <a:ext uri="{909E8E84-426E-40dd-AFC4-6F175D3DCCD1}">
-                  <a14:hiddenFill xmlns="" xmlns:a14="http://schemas.microsoft.com/office/drawing/2010/main">
+                  <a14:hiddenFill xmlns:a14="http://schemas.microsoft.com/office/drawing/2010/main" xmlns="">
                     <a:solidFill>
                       <a:schemeClr val="accent1"/>
                     </a:solidFill>
                   </a14:hiddenFill>
                 </a:ext>
                 <a:ext uri="{AF507438-7753-43e0-B8FC-AC1667EBCBE1}">
-                  <a14:hiddenEffects xmlns="" xmlns:a14="http://schemas.microsoft.com/office/drawing/2010/main">
+                  <a14:hiddenEffects xmlns:a14="http://schemas.microsoft.com/office/drawing/2010/main" xmlns="">
                     <a:effectLst>
                       <a:outerShdw blurRad="63500" dist="38099" dir="2700000" algn="ctr" rotWithShape="0">
                         <a:schemeClr val="bg2">
@@ -24448,14 +24448,14 @@
               <a:effectLst/>
               <a:extLst>
                 <a:ext uri="{909E8E84-426E-40dd-AFC4-6F175D3DCCD1}">
-                  <a14:hiddenFill xmlns="" xmlns:a14="http://schemas.microsoft.com/office/drawing/2010/main">
+                  <a14:hiddenFill xmlns:a14="http://schemas.microsoft.com/office/drawing/2010/main" xmlns="">
                     <a:solidFill>
                       <a:schemeClr val="accent1"/>
                     </a:solidFill>
                   </a14:hiddenFill>
                 </a:ext>
                 <a:ext uri="{91240B29-F687-4f45-9708-019B960494DF}">
-                  <a14:hiddenLine xmlns="" xmlns:a14="http://schemas.microsoft.com/office/drawing/2010/main" w="9525">
+                  <a14:hiddenLine xmlns:a14="http://schemas.microsoft.com/office/drawing/2010/main" xmlns="" w="9525">
                     <a:solidFill>
                       <a:schemeClr val="tx1"/>
                     </a:solidFill>
@@ -24465,7 +24465,7 @@
                   </a14:hiddenLine>
                 </a:ext>
                 <a:ext uri="{AF507438-7753-43e0-B8FC-AC1667EBCBE1}">
-                  <a14:hiddenEffects xmlns="" xmlns:a14="http://schemas.microsoft.com/office/drawing/2010/main">
+                  <a14:hiddenEffects xmlns:a14="http://schemas.microsoft.com/office/drawing/2010/main" xmlns="">
                     <a:effectLst>
                       <a:outerShdw blurRad="63500" dist="38099" dir="2700000" algn="ctr" rotWithShape="0">
                         <a:schemeClr val="bg2">
@@ -24660,14 +24660,14 @@
               <a:effectLst/>
               <a:extLst>
                 <a:ext uri="{909E8E84-426E-40dd-AFC4-6F175D3DCCD1}">
-                  <a14:hiddenFill xmlns="" xmlns:a14="http://schemas.microsoft.com/office/drawing/2010/main">
+                  <a14:hiddenFill xmlns:a14="http://schemas.microsoft.com/office/drawing/2010/main" xmlns="">
                     <a:solidFill>
                       <a:schemeClr val="accent1"/>
                     </a:solidFill>
                   </a14:hiddenFill>
                 </a:ext>
                 <a:ext uri="{AF507438-7753-43e0-B8FC-AC1667EBCBE1}">
-                  <a14:hiddenEffects xmlns="" xmlns:a14="http://schemas.microsoft.com/office/drawing/2010/main">
+                  <a14:hiddenEffects xmlns:a14="http://schemas.microsoft.com/office/drawing/2010/main" xmlns="">
                     <a:effectLst>
                       <a:outerShdw blurRad="63500" dist="38099" dir="2700000" algn="ctr" rotWithShape="0">
                         <a:schemeClr val="bg2">
@@ -24722,14 +24722,14 @@
               <a:effectLst/>
               <a:extLst>
                 <a:ext uri="{909E8E84-426E-40dd-AFC4-6F175D3DCCD1}">
-                  <a14:hiddenFill xmlns="" xmlns:a14="http://schemas.microsoft.com/office/drawing/2010/main">
+                  <a14:hiddenFill xmlns:a14="http://schemas.microsoft.com/office/drawing/2010/main" xmlns="">
                     <a:solidFill>
                       <a:schemeClr val="accent1"/>
                     </a:solidFill>
                   </a14:hiddenFill>
                 </a:ext>
                 <a:ext uri="{91240B29-F687-4f45-9708-019B960494DF}">
-                  <a14:hiddenLine xmlns="" xmlns:a14="http://schemas.microsoft.com/office/drawing/2010/main" w="9525">
+                  <a14:hiddenLine xmlns:a14="http://schemas.microsoft.com/office/drawing/2010/main" xmlns="" w="9525">
                     <a:solidFill>
                       <a:schemeClr val="tx1"/>
                     </a:solidFill>
@@ -24739,7 +24739,7 @@
                   </a14:hiddenLine>
                 </a:ext>
                 <a:ext uri="{AF507438-7753-43e0-B8FC-AC1667EBCBE1}">
-                  <a14:hiddenEffects xmlns="" xmlns:a14="http://schemas.microsoft.com/office/drawing/2010/main">
+                  <a14:hiddenEffects xmlns:a14="http://schemas.microsoft.com/office/drawing/2010/main" xmlns="">
                     <a:effectLst>
                       <a:outerShdw blurRad="63500" dist="38099" dir="2700000" algn="ctr" rotWithShape="0">
                         <a:schemeClr val="bg2">
@@ -24930,14 +24930,14 @@
               <a:effectLst/>
               <a:extLst>
                 <a:ext uri="{909E8E84-426E-40dd-AFC4-6F175D3DCCD1}">
-                  <a14:hiddenFill xmlns="" xmlns:a14="http://schemas.microsoft.com/office/drawing/2010/main">
+                  <a14:hiddenFill xmlns:a14="http://schemas.microsoft.com/office/drawing/2010/main" xmlns="">
                     <a:solidFill>
                       <a:schemeClr val="accent1"/>
                     </a:solidFill>
                   </a14:hiddenFill>
                 </a:ext>
                 <a:ext uri="{AF507438-7753-43e0-B8FC-AC1667EBCBE1}">
-                  <a14:hiddenEffects xmlns="" xmlns:a14="http://schemas.microsoft.com/office/drawing/2010/main">
+                  <a14:hiddenEffects xmlns:a14="http://schemas.microsoft.com/office/drawing/2010/main" xmlns="">
                     <a:effectLst>
                       <a:outerShdw blurRad="63500" dist="38099" dir="2700000" algn="ctr" rotWithShape="0">
                         <a:schemeClr val="bg2">
@@ -24992,14 +24992,14 @@
               <a:effectLst/>
               <a:extLst>
                 <a:ext uri="{909E8E84-426E-40dd-AFC4-6F175D3DCCD1}">
-                  <a14:hiddenFill xmlns="" xmlns:a14="http://schemas.microsoft.com/office/drawing/2010/main">
+                  <a14:hiddenFill xmlns:a14="http://schemas.microsoft.com/office/drawing/2010/main" xmlns="">
                     <a:solidFill>
                       <a:schemeClr val="accent1"/>
                     </a:solidFill>
                   </a14:hiddenFill>
                 </a:ext>
                 <a:ext uri="{91240B29-F687-4f45-9708-019B960494DF}">
-                  <a14:hiddenLine xmlns="" xmlns:a14="http://schemas.microsoft.com/office/drawing/2010/main" w="9525">
+                  <a14:hiddenLine xmlns:a14="http://schemas.microsoft.com/office/drawing/2010/main" xmlns="" w="9525">
                     <a:solidFill>
                       <a:schemeClr val="tx1"/>
                     </a:solidFill>
@@ -25009,7 +25009,7 @@
                   </a14:hiddenLine>
                 </a:ext>
                 <a:ext uri="{AF507438-7753-43e0-B8FC-AC1667EBCBE1}">
-                  <a14:hiddenEffects xmlns="" xmlns:a14="http://schemas.microsoft.com/office/drawing/2010/main">
+                  <a14:hiddenEffects xmlns:a14="http://schemas.microsoft.com/office/drawing/2010/main" xmlns="">
                     <a:effectLst>
                       <a:outerShdw blurRad="63500" dist="38099" dir="2700000" algn="ctr" rotWithShape="0">
                         <a:schemeClr val="bg2">
@@ -25178,12 +25178,12 @@
             <a:effectLst/>
             <a:extLst>
               <a:ext uri="{909E8E84-426E-40dd-AFC4-6F175D3DCCD1}">
-                <a14:hiddenFill xmlns="" xmlns:a14="http://schemas.microsoft.com/office/drawing/2010/main">
+                <a14:hiddenFill xmlns:a14="http://schemas.microsoft.com/office/drawing/2010/main" xmlns="">
                   <a:noFill/>
                 </a14:hiddenFill>
               </a:ext>
               <a:ext uri="{AF507438-7753-43e0-B8FC-AC1667EBCBE1}">
-                <a14:hiddenEffects xmlns="" xmlns:a14="http://schemas.microsoft.com/office/drawing/2010/main">
+                <a14:hiddenEffects xmlns:a14="http://schemas.microsoft.com/office/drawing/2010/main" xmlns="">
                   <a:effectLst>
                     <a:outerShdw blurRad="63500" dist="38099" dir="2700000" algn="ctr" rotWithShape="0">
                       <a:schemeClr val="bg2">
@@ -25243,12 +25243,12 @@
             <a:effectLst/>
             <a:extLst>
               <a:ext uri="{909E8E84-426E-40dd-AFC4-6F175D3DCCD1}">
-                <a14:hiddenFill xmlns="" xmlns:a14="http://schemas.microsoft.com/office/drawing/2010/main">
+                <a14:hiddenFill xmlns:a14="http://schemas.microsoft.com/office/drawing/2010/main" xmlns="">
                   <a:noFill/>
                 </a14:hiddenFill>
               </a:ext>
               <a:ext uri="{AF507438-7753-43e0-B8FC-AC1667EBCBE1}">
-                <a14:hiddenEffects xmlns="" xmlns:a14="http://schemas.microsoft.com/office/drawing/2010/main">
+                <a14:hiddenEffects xmlns:a14="http://schemas.microsoft.com/office/drawing/2010/main" xmlns="">
                   <a:effectLst>
                     <a:outerShdw blurRad="63500" dist="38099" dir="2700000" algn="ctr" rotWithShape="0">
                       <a:schemeClr val="bg2">
@@ -25308,14 +25308,14 @@
             <a:effectLst/>
             <a:extLst>
               <a:ext uri="{909E8E84-426E-40dd-AFC4-6F175D3DCCD1}">
-                <a14:hiddenFill xmlns="" xmlns:a14="http://schemas.microsoft.com/office/drawing/2010/main">
+                <a14:hiddenFill xmlns:a14="http://schemas.microsoft.com/office/drawing/2010/main" xmlns="">
                   <a:solidFill>
                     <a:schemeClr val="accent1"/>
                   </a:solidFill>
                 </a14:hiddenFill>
               </a:ext>
               <a:ext uri="{AF507438-7753-43e0-B8FC-AC1667EBCBE1}">
-                <a14:hiddenEffects xmlns="" xmlns:a14="http://schemas.microsoft.com/office/drawing/2010/main">
+                <a14:hiddenEffects xmlns:a14="http://schemas.microsoft.com/office/drawing/2010/main" xmlns="">
                   <a:effectLst>
                     <a:outerShdw blurRad="63500" dist="38099" dir="2700000" algn="ctr" rotWithShape="0">
                       <a:schemeClr val="bg2">
@@ -25495,12 +25495,12 @@
             <a:effectLst/>
             <a:extLst>
               <a:ext uri="{909E8E84-426E-40dd-AFC4-6F175D3DCCD1}">
-                <a14:hiddenFill xmlns="" xmlns:a14="http://schemas.microsoft.com/office/drawing/2010/main">
+                <a14:hiddenFill xmlns:a14="http://schemas.microsoft.com/office/drawing/2010/main" xmlns="">
                   <a:noFill/>
                 </a14:hiddenFill>
               </a:ext>
               <a:ext uri="{AF507438-7753-43e0-B8FC-AC1667EBCBE1}">
-                <a14:hiddenEffects xmlns="" xmlns:a14="http://schemas.microsoft.com/office/drawing/2010/main">
+                <a14:hiddenEffects xmlns:a14="http://schemas.microsoft.com/office/drawing/2010/main" xmlns="">
                   <a:effectLst>
                     <a:outerShdw blurRad="63500" dist="38099" dir="2700000" algn="ctr" rotWithShape="0">
                       <a:schemeClr val="bg2">
@@ -25582,14 +25582,14 @@
               <a:effectLst/>
               <a:extLst>
                 <a:ext uri="{909E8E84-426E-40dd-AFC4-6F175D3DCCD1}">
-                  <a14:hiddenFill xmlns="" xmlns:a14="http://schemas.microsoft.com/office/drawing/2010/main">
+                  <a14:hiddenFill xmlns:a14="http://schemas.microsoft.com/office/drawing/2010/main" xmlns="">
                     <a:solidFill>
                       <a:schemeClr val="accent1"/>
                     </a:solidFill>
                   </a14:hiddenFill>
                 </a:ext>
                 <a:ext uri="{AF507438-7753-43e0-B8FC-AC1667EBCBE1}">
-                  <a14:hiddenEffects xmlns="" xmlns:a14="http://schemas.microsoft.com/office/drawing/2010/main">
+                  <a14:hiddenEffects xmlns:a14="http://schemas.microsoft.com/office/drawing/2010/main" xmlns="">
                     <a:effectLst>
                       <a:outerShdw blurRad="63500" dist="38099" dir="2700000" algn="ctr" rotWithShape="0">
                         <a:schemeClr val="bg2">
@@ -25644,14 +25644,14 @@
               <a:effectLst/>
               <a:extLst>
                 <a:ext uri="{909E8E84-426E-40dd-AFC4-6F175D3DCCD1}">
-                  <a14:hiddenFill xmlns="" xmlns:a14="http://schemas.microsoft.com/office/drawing/2010/main">
+                  <a14:hiddenFill xmlns:a14="http://schemas.microsoft.com/office/drawing/2010/main" xmlns="">
                     <a:solidFill>
                       <a:schemeClr val="accent1"/>
                     </a:solidFill>
                   </a14:hiddenFill>
                 </a:ext>
                 <a:ext uri="{91240B29-F687-4f45-9708-019B960494DF}">
-                  <a14:hiddenLine xmlns="" xmlns:a14="http://schemas.microsoft.com/office/drawing/2010/main" w="9525">
+                  <a14:hiddenLine xmlns:a14="http://schemas.microsoft.com/office/drawing/2010/main" xmlns="" w="9525">
                     <a:solidFill>
                       <a:schemeClr val="tx1"/>
                     </a:solidFill>
@@ -25661,7 +25661,7 @@
                   </a14:hiddenLine>
                 </a:ext>
                 <a:ext uri="{AF507438-7753-43e0-B8FC-AC1667EBCBE1}">
-                  <a14:hiddenEffects xmlns="" xmlns:a14="http://schemas.microsoft.com/office/drawing/2010/main">
+                  <a14:hiddenEffects xmlns:a14="http://schemas.microsoft.com/office/drawing/2010/main" xmlns="">
                     <a:effectLst>
                       <a:outerShdw blurRad="63500" dist="38099" dir="2700000" algn="ctr" rotWithShape="0">
                         <a:schemeClr val="bg2">
@@ -25834,12 +25834,12 @@
             <a:effectLst/>
             <a:extLst>
               <a:ext uri="{909E8E84-426E-40dd-AFC4-6F175D3DCCD1}">
-                <a14:hiddenFill xmlns="" xmlns:a14="http://schemas.microsoft.com/office/drawing/2010/main">
+                <a14:hiddenFill xmlns:a14="http://schemas.microsoft.com/office/drawing/2010/main" xmlns="">
                   <a:noFill/>
                 </a14:hiddenFill>
               </a:ext>
               <a:ext uri="{AF507438-7753-43e0-B8FC-AC1667EBCBE1}">
-                <a14:hiddenEffects xmlns="" xmlns:a14="http://schemas.microsoft.com/office/drawing/2010/main">
+                <a14:hiddenEffects xmlns:a14="http://schemas.microsoft.com/office/drawing/2010/main" xmlns="">
                   <a:effectLst>
                     <a:outerShdw blurRad="63500" dist="38099" dir="2700000" algn="ctr" rotWithShape="0">
                       <a:schemeClr val="bg2">
@@ -25899,12 +25899,12 @@
             <a:effectLst/>
             <a:extLst>
               <a:ext uri="{909E8E84-426E-40dd-AFC4-6F175D3DCCD1}">
-                <a14:hiddenFill xmlns="" xmlns:a14="http://schemas.microsoft.com/office/drawing/2010/main">
+                <a14:hiddenFill xmlns:a14="http://schemas.microsoft.com/office/drawing/2010/main" xmlns="">
                   <a:noFill/>
                 </a14:hiddenFill>
               </a:ext>
               <a:ext uri="{AF507438-7753-43e0-B8FC-AC1667EBCBE1}">
-                <a14:hiddenEffects xmlns="" xmlns:a14="http://schemas.microsoft.com/office/drawing/2010/main">
+                <a14:hiddenEffects xmlns:a14="http://schemas.microsoft.com/office/drawing/2010/main" xmlns="">
                   <a:effectLst>
                     <a:outerShdw blurRad="63500" dist="38099" dir="2700000" algn="ctr" rotWithShape="0">
                       <a:schemeClr val="bg2">
@@ -25964,14 +25964,14 @@
             <a:effectLst/>
             <a:extLst>
               <a:ext uri="{909E8E84-426E-40dd-AFC4-6F175D3DCCD1}">
-                <a14:hiddenFill xmlns="" xmlns:a14="http://schemas.microsoft.com/office/drawing/2010/main">
+                <a14:hiddenFill xmlns:a14="http://schemas.microsoft.com/office/drawing/2010/main" xmlns="">
                   <a:solidFill>
                     <a:schemeClr val="accent1"/>
                   </a:solidFill>
                 </a14:hiddenFill>
               </a:ext>
               <a:ext uri="{AF507438-7753-43e0-B8FC-AC1667EBCBE1}">
-                <a14:hiddenEffects xmlns="" xmlns:a14="http://schemas.microsoft.com/office/drawing/2010/main">
+                <a14:hiddenEffects xmlns:a14="http://schemas.microsoft.com/office/drawing/2010/main" xmlns="">
                   <a:effectLst>
                     <a:outerShdw blurRad="63500" dist="38099" dir="2700000" algn="ctr" rotWithShape="0">
                       <a:schemeClr val="bg2">
@@ -26151,12 +26151,12 @@
             <a:effectLst/>
             <a:extLst>
               <a:ext uri="{909E8E84-426E-40dd-AFC4-6F175D3DCCD1}">
-                <a14:hiddenFill xmlns="" xmlns:a14="http://schemas.microsoft.com/office/drawing/2010/main">
+                <a14:hiddenFill xmlns:a14="http://schemas.microsoft.com/office/drawing/2010/main" xmlns="">
                   <a:noFill/>
                 </a14:hiddenFill>
               </a:ext>
               <a:ext uri="{AF507438-7753-43e0-B8FC-AC1667EBCBE1}">
-                <a14:hiddenEffects xmlns="" xmlns:a14="http://schemas.microsoft.com/office/drawing/2010/main">
+                <a14:hiddenEffects xmlns:a14="http://schemas.microsoft.com/office/drawing/2010/main" xmlns="">
                   <a:effectLst>
                     <a:outerShdw blurRad="63500" dist="38099" dir="2700000" algn="ctr" rotWithShape="0">
                       <a:schemeClr val="bg2">
@@ -26216,14 +26216,14 @@
             <a:effectLst/>
             <a:extLst>
               <a:ext uri="{909E8E84-426E-40dd-AFC4-6F175D3DCCD1}">
-                <a14:hiddenFill xmlns="" xmlns:a14="http://schemas.microsoft.com/office/drawing/2010/main">
+                <a14:hiddenFill xmlns:a14="http://schemas.microsoft.com/office/drawing/2010/main" xmlns="">
                   <a:solidFill>
                     <a:schemeClr val="accent1"/>
                   </a:solidFill>
                 </a14:hiddenFill>
               </a:ext>
               <a:ext uri="{AF507438-7753-43e0-B8FC-AC1667EBCBE1}">
-                <a14:hiddenEffects xmlns="" xmlns:a14="http://schemas.microsoft.com/office/drawing/2010/main">
+                <a14:hiddenEffects xmlns:a14="http://schemas.microsoft.com/office/drawing/2010/main" xmlns="">
                   <a:effectLst>
                     <a:outerShdw blurRad="63500" dist="38099" dir="2700000" algn="ctr" rotWithShape="0">
                       <a:schemeClr val="bg2">
@@ -26425,14 +26425,14 @@
               <a:effectLst/>
               <a:extLst>
                 <a:ext uri="{909E8E84-426E-40dd-AFC4-6F175D3DCCD1}">
-                  <a14:hiddenFill xmlns="" xmlns:a14="http://schemas.microsoft.com/office/drawing/2010/main">
+                  <a14:hiddenFill xmlns:a14="http://schemas.microsoft.com/office/drawing/2010/main" xmlns="">
                     <a:solidFill>
                       <a:schemeClr val="accent1"/>
                     </a:solidFill>
                   </a14:hiddenFill>
                 </a:ext>
                 <a:ext uri="{AF507438-7753-43e0-B8FC-AC1667EBCBE1}">
-                  <a14:hiddenEffects xmlns="" xmlns:a14="http://schemas.microsoft.com/office/drawing/2010/main">
+                  <a14:hiddenEffects xmlns:a14="http://schemas.microsoft.com/office/drawing/2010/main" xmlns="">
                     <a:effectLst>
                       <a:outerShdw blurRad="63500" dist="38099" dir="2700000" algn="ctr" rotWithShape="0">
                         <a:schemeClr val="bg2">
@@ -26487,14 +26487,14 @@
               <a:effectLst/>
               <a:extLst>
                 <a:ext uri="{909E8E84-426E-40dd-AFC4-6F175D3DCCD1}">
-                  <a14:hiddenFill xmlns="" xmlns:a14="http://schemas.microsoft.com/office/drawing/2010/main">
+                  <a14:hiddenFill xmlns:a14="http://schemas.microsoft.com/office/drawing/2010/main" xmlns="">
                     <a:solidFill>
                       <a:schemeClr val="accent1"/>
                     </a:solidFill>
                   </a14:hiddenFill>
                 </a:ext>
                 <a:ext uri="{91240B29-F687-4f45-9708-019B960494DF}">
-                  <a14:hiddenLine xmlns="" xmlns:a14="http://schemas.microsoft.com/office/drawing/2010/main" w="9525">
+                  <a14:hiddenLine xmlns:a14="http://schemas.microsoft.com/office/drawing/2010/main" xmlns="" w="9525">
                     <a:solidFill>
                       <a:schemeClr val="tx1"/>
                     </a:solidFill>
@@ -26504,7 +26504,7 @@
                   </a14:hiddenLine>
                 </a:ext>
                 <a:ext uri="{AF507438-7753-43e0-B8FC-AC1667EBCBE1}">
-                  <a14:hiddenEffects xmlns="" xmlns:a14="http://schemas.microsoft.com/office/drawing/2010/main">
+                  <a14:hiddenEffects xmlns:a14="http://schemas.microsoft.com/office/drawing/2010/main" xmlns="">
                     <a:effectLst>
                       <a:outerShdw blurRad="63500" dist="38099" dir="2700000" algn="ctr" rotWithShape="0">
                         <a:schemeClr val="bg2">
@@ -26668,14 +26668,14 @@
             <a:effectLst/>
             <a:extLst>
               <a:ext uri="{909E8E84-426E-40dd-AFC4-6F175D3DCCD1}">
-                <a14:hiddenFill xmlns="" xmlns:a14="http://schemas.microsoft.com/office/drawing/2010/main">
+                <a14:hiddenFill xmlns:a14="http://schemas.microsoft.com/office/drawing/2010/main" xmlns="">
                   <a:solidFill>
                     <a:schemeClr val="accent1"/>
                   </a:solidFill>
                 </a14:hiddenFill>
               </a:ext>
               <a:ext uri="{91240B29-F687-4f45-9708-019B960494DF}">
-                <a14:hiddenLine xmlns="" xmlns:a14="http://schemas.microsoft.com/office/drawing/2010/main" w="9525">
+                <a14:hiddenLine xmlns:a14="http://schemas.microsoft.com/office/drawing/2010/main" xmlns="" w="9525">
                   <a:solidFill>
                     <a:schemeClr val="tx1"/>
                   </a:solidFill>
@@ -26685,7 +26685,7 @@
                 </a14:hiddenLine>
               </a:ext>
               <a:ext uri="{AF507438-7753-43e0-B8FC-AC1667EBCBE1}">
-                <a14:hiddenEffects xmlns="" xmlns:a14="http://schemas.microsoft.com/office/drawing/2010/main">
+                <a14:hiddenEffects xmlns:a14="http://schemas.microsoft.com/office/drawing/2010/main" xmlns="">
                   <a:effectLst>
                     <a:outerShdw blurRad="63500" dist="38099" dir="2700000" algn="ctr" rotWithShape="0">
                       <a:schemeClr val="bg2">
@@ -26851,14 +26851,14 @@
             <a:effectLst/>
             <a:extLst>
               <a:ext uri="{909E8E84-426E-40dd-AFC4-6F175D3DCCD1}">
-                <a14:hiddenFill xmlns="" xmlns:a14="http://schemas.microsoft.com/office/drawing/2010/main">
+                <a14:hiddenFill xmlns:a14="http://schemas.microsoft.com/office/drawing/2010/main" xmlns="">
                   <a:solidFill>
                     <a:schemeClr val="accent1"/>
                   </a:solidFill>
                 </a14:hiddenFill>
               </a:ext>
               <a:ext uri="{91240B29-F687-4f45-9708-019B960494DF}">
-                <a14:hiddenLine xmlns="" xmlns:a14="http://schemas.microsoft.com/office/drawing/2010/main" w="9525">
+                <a14:hiddenLine xmlns:a14="http://schemas.microsoft.com/office/drawing/2010/main" xmlns="" w="9525">
                   <a:solidFill>
                     <a:schemeClr val="tx1"/>
                   </a:solidFill>
@@ -26868,7 +26868,7 @@
                 </a14:hiddenLine>
               </a:ext>
               <a:ext uri="{AF507438-7753-43e0-B8FC-AC1667EBCBE1}">
-                <a14:hiddenEffects xmlns="" xmlns:a14="http://schemas.microsoft.com/office/drawing/2010/main">
+                <a14:hiddenEffects xmlns:a14="http://schemas.microsoft.com/office/drawing/2010/main" xmlns="">
                   <a:effectLst>
                     <a:outerShdw blurRad="63500" dist="38099" dir="2700000" algn="ctr" rotWithShape="0">
                       <a:schemeClr val="bg2">
@@ -27203,12 +27203,12 @@
             <a:effectLst/>
             <a:extLst>
               <a:ext uri="{909E8E84-426E-40dd-AFC4-6F175D3DCCD1}">
-                <a14:hiddenFill xmlns="" xmlns:a14="http://schemas.microsoft.com/office/drawing/2010/main">
+                <a14:hiddenFill xmlns:a14="http://schemas.microsoft.com/office/drawing/2010/main" xmlns="">
                   <a:noFill/>
                 </a14:hiddenFill>
               </a:ext>
               <a:ext uri="{AF507438-7753-43e0-B8FC-AC1667EBCBE1}">
-                <a14:hiddenEffects xmlns="" xmlns:a14="http://schemas.microsoft.com/office/drawing/2010/main">
+                <a14:hiddenEffects xmlns:a14="http://schemas.microsoft.com/office/drawing/2010/main" xmlns="">
                   <a:effectLst>
                     <a:outerShdw blurRad="63500" dist="38099" dir="2700000" algn="ctr" rotWithShape="0">
                       <a:schemeClr val="bg2">
@@ -27268,12 +27268,12 @@
             <a:effectLst/>
             <a:extLst>
               <a:ext uri="{909E8E84-426E-40dd-AFC4-6F175D3DCCD1}">
-                <a14:hiddenFill xmlns="" xmlns:a14="http://schemas.microsoft.com/office/drawing/2010/main">
+                <a14:hiddenFill xmlns:a14="http://schemas.microsoft.com/office/drawing/2010/main" xmlns="">
                   <a:noFill/>
                 </a14:hiddenFill>
               </a:ext>
               <a:ext uri="{AF507438-7753-43e0-B8FC-AC1667EBCBE1}">
-                <a14:hiddenEffects xmlns="" xmlns:a14="http://schemas.microsoft.com/office/drawing/2010/main">
+                <a14:hiddenEffects xmlns:a14="http://schemas.microsoft.com/office/drawing/2010/main" xmlns="">
                   <a:effectLst>
                     <a:outerShdw blurRad="63500" dist="38099" dir="2700000" algn="ctr" rotWithShape="0">
                       <a:schemeClr val="bg2">
@@ -27333,12 +27333,12 @@
             <a:effectLst/>
             <a:extLst>
               <a:ext uri="{909E8E84-426E-40dd-AFC4-6F175D3DCCD1}">
-                <a14:hiddenFill xmlns="" xmlns:a14="http://schemas.microsoft.com/office/drawing/2010/main">
+                <a14:hiddenFill xmlns:a14="http://schemas.microsoft.com/office/drawing/2010/main" xmlns="">
                   <a:noFill/>
                 </a14:hiddenFill>
               </a:ext>
               <a:ext uri="{AF507438-7753-43e0-B8FC-AC1667EBCBE1}">
-                <a14:hiddenEffects xmlns="" xmlns:a14="http://schemas.microsoft.com/office/drawing/2010/main">
+                <a14:hiddenEffects xmlns:a14="http://schemas.microsoft.com/office/drawing/2010/main" xmlns="">
                   <a:effectLst>
                     <a:outerShdw blurRad="63500" dist="38099" dir="2700000" algn="ctr" rotWithShape="0">
                       <a:schemeClr val="bg2">
@@ -27398,12 +27398,12 @@
             <a:effectLst/>
             <a:extLst>
               <a:ext uri="{909E8E84-426E-40dd-AFC4-6F175D3DCCD1}">
-                <a14:hiddenFill xmlns="" xmlns:a14="http://schemas.microsoft.com/office/drawing/2010/main">
+                <a14:hiddenFill xmlns:a14="http://schemas.microsoft.com/office/drawing/2010/main" xmlns="">
                   <a:noFill/>
                 </a14:hiddenFill>
               </a:ext>
               <a:ext uri="{AF507438-7753-43e0-B8FC-AC1667EBCBE1}">
-                <a14:hiddenEffects xmlns="" xmlns:a14="http://schemas.microsoft.com/office/drawing/2010/main">
+                <a14:hiddenEffects xmlns:a14="http://schemas.microsoft.com/office/drawing/2010/main" xmlns="">
                   <a:effectLst>
                     <a:outerShdw blurRad="63500" dist="38099" dir="2700000" algn="ctr" rotWithShape="0">
                       <a:schemeClr val="bg2">
@@ -27507,14 +27507,14 @@
                 <a:effectLst/>
                 <a:extLst>
                   <a:ext uri="{909E8E84-426E-40dd-AFC4-6F175D3DCCD1}">
-                    <a14:hiddenFill xmlns="" xmlns:a14="http://schemas.microsoft.com/office/drawing/2010/main">
+                    <a14:hiddenFill xmlns:a14="http://schemas.microsoft.com/office/drawing/2010/main" xmlns="">
                       <a:solidFill>
                         <a:schemeClr val="accent1"/>
                       </a:solidFill>
                     </a14:hiddenFill>
                   </a:ext>
                   <a:ext uri="{AF507438-7753-43e0-B8FC-AC1667EBCBE1}">
-                    <a14:hiddenEffects xmlns="" xmlns:a14="http://schemas.microsoft.com/office/drawing/2010/main">
+                    <a14:hiddenEffects xmlns:a14="http://schemas.microsoft.com/office/drawing/2010/main" xmlns="">
                       <a:effectLst>
                         <a:outerShdw blurRad="63500" dist="38099" dir="2700000" algn="ctr" rotWithShape="0">
                           <a:schemeClr val="bg2">
@@ -27569,14 +27569,14 @@
                 <a:effectLst/>
                 <a:extLst>
                   <a:ext uri="{909E8E84-426E-40dd-AFC4-6F175D3DCCD1}">
-                    <a14:hiddenFill xmlns="" xmlns:a14="http://schemas.microsoft.com/office/drawing/2010/main">
+                    <a14:hiddenFill xmlns:a14="http://schemas.microsoft.com/office/drawing/2010/main" xmlns="">
                       <a:solidFill>
                         <a:schemeClr val="accent1"/>
                       </a:solidFill>
                     </a14:hiddenFill>
                   </a:ext>
                   <a:ext uri="{91240B29-F687-4f45-9708-019B960494DF}">
-                    <a14:hiddenLine xmlns="" xmlns:a14="http://schemas.microsoft.com/office/drawing/2010/main" w="9525">
+                    <a14:hiddenLine xmlns:a14="http://schemas.microsoft.com/office/drawing/2010/main" xmlns="" w="9525">
                       <a:solidFill>
                         <a:schemeClr val="tx1"/>
                       </a:solidFill>
@@ -27586,7 +27586,7 @@
                     </a14:hiddenLine>
                   </a:ext>
                   <a:ext uri="{AF507438-7753-43e0-B8FC-AC1667EBCBE1}">
-                    <a14:hiddenEffects xmlns="" xmlns:a14="http://schemas.microsoft.com/office/drawing/2010/main">
+                    <a14:hiddenEffects xmlns:a14="http://schemas.microsoft.com/office/drawing/2010/main" xmlns="">
                       <a:effectLst>
                         <a:outerShdw blurRad="63500" dist="38099" dir="2700000" algn="ctr" rotWithShape="0">
                           <a:schemeClr val="bg2">
@@ -27750,14 +27750,14 @@
               <a:effectLst/>
               <a:extLst>
                 <a:ext uri="{909E8E84-426E-40dd-AFC4-6F175D3DCCD1}">
-                  <a14:hiddenFill xmlns="" xmlns:a14="http://schemas.microsoft.com/office/drawing/2010/main">
+                  <a14:hiddenFill xmlns:a14="http://schemas.microsoft.com/office/drawing/2010/main" xmlns="">
                     <a:solidFill>
                       <a:schemeClr val="accent1"/>
                     </a:solidFill>
                   </a14:hiddenFill>
                 </a:ext>
                 <a:ext uri="{91240B29-F687-4f45-9708-019B960494DF}">
-                  <a14:hiddenLine xmlns="" xmlns:a14="http://schemas.microsoft.com/office/drawing/2010/main" w="9525">
+                  <a14:hiddenLine xmlns:a14="http://schemas.microsoft.com/office/drawing/2010/main" xmlns="" w="9525">
                     <a:solidFill>
                       <a:schemeClr val="tx1"/>
                     </a:solidFill>
@@ -27767,7 +27767,7 @@
                   </a14:hiddenLine>
                 </a:ext>
                 <a:ext uri="{AF507438-7753-43e0-B8FC-AC1667EBCBE1}">
-                  <a14:hiddenEffects xmlns="" xmlns:a14="http://schemas.microsoft.com/office/drawing/2010/main">
+                  <a14:hiddenEffects xmlns:a14="http://schemas.microsoft.com/office/drawing/2010/main" xmlns="">
                     <a:effectLst>
                       <a:outerShdw blurRad="63500" dist="38099" dir="2700000" algn="ctr" rotWithShape="0">
                         <a:schemeClr val="bg2">
@@ -27983,14 +27983,14 @@
                 <a:effectLst/>
                 <a:extLst>
                   <a:ext uri="{909E8E84-426E-40dd-AFC4-6F175D3DCCD1}">
-                    <a14:hiddenFill xmlns="" xmlns:a14="http://schemas.microsoft.com/office/drawing/2010/main">
+                    <a14:hiddenFill xmlns:a14="http://schemas.microsoft.com/office/drawing/2010/main" xmlns="">
                       <a:solidFill>
                         <a:schemeClr val="accent1"/>
                       </a:solidFill>
                     </a14:hiddenFill>
                   </a:ext>
                   <a:ext uri="{AF507438-7753-43e0-B8FC-AC1667EBCBE1}">
-                    <a14:hiddenEffects xmlns="" xmlns:a14="http://schemas.microsoft.com/office/drawing/2010/main">
+                    <a14:hiddenEffects xmlns:a14="http://schemas.microsoft.com/office/drawing/2010/main" xmlns="">
                       <a:effectLst>
                         <a:outerShdw blurRad="63500" dist="38099" dir="2700000" algn="ctr" rotWithShape="0">
                           <a:schemeClr val="bg2">
@@ -28045,14 +28045,14 @@
                 <a:effectLst/>
                 <a:extLst>
                   <a:ext uri="{909E8E84-426E-40dd-AFC4-6F175D3DCCD1}">
-                    <a14:hiddenFill xmlns="" xmlns:a14="http://schemas.microsoft.com/office/drawing/2010/main">
+                    <a14:hiddenFill xmlns:a14="http://schemas.microsoft.com/office/drawing/2010/main" xmlns="">
                       <a:solidFill>
                         <a:schemeClr val="accent1"/>
                       </a:solidFill>
                     </a14:hiddenFill>
                   </a:ext>
                   <a:ext uri="{91240B29-F687-4f45-9708-019B960494DF}">
-                    <a14:hiddenLine xmlns="" xmlns:a14="http://schemas.microsoft.com/office/drawing/2010/main" w="9525">
+                    <a14:hiddenLine xmlns:a14="http://schemas.microsoft.com/office/drawing/2010/main" xmlns="" w="9525">
                       <a:solidFill>
                         <a:schemeClr val="tx1"/>
                       </a:solidFill>
@@ -28062,7 +28062,7 @@
                     </a14:hiddenLine>
                   </a:ext>
                   <a:ext uri="{AF507438-7753-43e0-B8FC-AC1667EBCBE1}">
-                    <a14:hiddenEffects xmlns="" xmlns:a14="http://schemas.microsoft.com/office/drawing/2010/main">
+                    <a14:hiddenEffects xmlns:a14="http://schemas.microsoft.com/office/drawing/2010/main" xmlns="">
                       <a:effectLst>
                         <a:outerShdw blurRad="63500" dist="38099" dir="2700000" algn="ctr" rotWithShape="0">
                           <a:schemeClr val="bg2">
@@ -28226,14 +28226,14 @@
               <a:effectLst/>
               <a:extLst>
                 <a:ext uri="{909E8E84-426E-40dd-AFC4-6F175D3DCCD1}">
-                  <a14:hiddenFill xmlns="" xmlns:a14="http://schemas.microsoft.com/office/drawing/2010/main">
+                  <a14:hiddenFill xmlns:a14="http://schemas.microsoft.com/office/drawing/2010/main" xmlns="">
                     <a:solidFill>
                       <a:schemeClr val="accent1"/>
                     </a:solidFill>
                   </a14:hiddenFill>
                 </a:ext>
                 <a:ext uri="{91240B29-F687-4f45-9708-019B960494DF}">
-                  <a14:hiddenLine xmlns="" xmlns:a14="http://schemas.microsoft.com/office/drawing/2010/main" w="9525">
+                  <a14:hiddenLine xmlns:a14="http://schemas.microsoft.com/office/drawing/2010/main" xmlns="" w="9525">
                     <a:solidFill>
                       <a:schemeClr val="tx1"/>
                     </a:solidFill>
@@ -28243,7 +28243,7 @@
                   </a14:hiddenLine>
                 </a:ext>
                 <a:ext uri="{AF507438-7753-43e0-B8FC-AC1667EBCBE1}">
-                  <a14:hiddenEffects xmlns="" xmlns:a14="http://schemas.microsoft.com/office/drawing/2010/main">
+                  <a14:hiddenEffects xmlns:a14="http://schemas.microsoft.com/office/drawing/2010/main" xmlns="">
                     <a:effectLst>
                       <a:outerShdw blurRad="63500" dist="38099" dir="2700000" algn="ctr" rotWithShape="0">
                         <a:schemeClr val="bg2">
@@ -28459,14 +28459,14 @@
                 <a:effectLst/>
                 <a:extLst>
                   <a:ext uri="{909E8E84-426E-40dd-AFC4-6F175D3DCCD1}">
-                    <a14:hiddenFill xmlns="" xmlns:a14="http://schemas.microsoft.com/office/drawing/2010/main">
+                    <a14:hiddenFill xmlns:a14="http://schemas.microsoft.com/office/drawing/2010/main" xmlns="">
                       <a:solidFill>
                         <a:schemeClr val="accent1"/>
                       </a:solidFill>
                     </a14:hiddenFill>
                   </a:ext>
                   <a:ext uri="{AF507438-7753-43e0-B8FC-AC1667EBCBE1}">
-                    <a14:hiddenEffects xmlns="" xmlns:a14="http://schemas.microsoft.com/office/drawing/2010/main">
+                    <a14:hiddenEffects xmlns:a14="http://schemas.microsoft.com/office/drawing/2010/main" xmlns="">
                       <a:effectLst>
                         <a:outerShdw blurRad="63500" dist="38099" dir="2700000" algn="ctr" rotWithShape="0">
                           <a:schemeClr val="bg2">
@@ -28521,14 +28521,14 @@
                 <a:effectLst/>
                 <a:extLst>
                   <a:ext uri="{909E8E84-426E-40dd-AFC4-6F175D3DCCD1}">
-                    <a14:hiddenFill xmlns="" xmlns:a14="http://schemas.microsoft.com/office/drawing/2010/main">
+                    <a14:hiddenFill xmlns:a14="http://schemas.microsoft.com/office/drawing/2010/main" xmlns="">
                       <a:solidFill>
                         <a:schemeClr val="accent1"/>
                       </a:solidFill>
                     </a14:hiddenFill>
                   </a:ext>
                   <a:ext uri="{91240B29-F687-4f45-9708-019B960494DF}">
-                    <a14:hiddenLine xmlns="" xmlns:a14="http://schemas.microsoft.com/office/drawing/2010/main" w="9525">
+                    <a14:hiddenLine xmlns:a14="http://schemas.microsoft.com/office/drawing/2010/main" xmlns="" w="9525">
                       <a:solidFill>
                         <a:schemeClr val="tx1"/>
                       </a:solidFill>
@@ -28538,7 +28538,7 @@
                     </a14:hiddenLine>
                   </a:ext>
                   <a:ext uri="{AF507438-7753-43e0-B8FC-AC1667EBCBE1}">
-                    <a14:hiddenEffects xmlns="" xmlns:a14="http://schemas.microsoft.com/office/drawing/2010/main">
+                    <a14:hiddenEffects xmlns:a14="http://schemas.microsoft.com/office/drawing/2010/main" xmlns="">
                       <a:effectLst>
                         <a:outerShdw blurRad="63500" dist="38099" dir="2700000" algn="ctr" rotWithShape="0">
                           <a:schemeClr val="bg2">
@@ -28702,14 +28702,14 @@
               <a:effectLst/>
               <a:extLst>
                 <a:ext uri="{909E8E84-426E-40dd-AFC4-6F175D3DCCD1}">
-                  <a14:hiddenFill xmlns="" xmlns:a14="http://schemas.microsoft.com/office/drawing/2010/main">
+                  <a14:hiddenFill xmlns:a14="http://schemas.microsoft.com/office/drawing/2010/main" xmlns="">
                     <a:solidFill>
                       <a:schemeClr val="accent1"/>
                     </a:solidFill>
                   </a14:hiddenFill>
                 </a:ext>
                 <a:ext uri="{91240B29-F687-4f45-9708-019B960494DF}">
-                  <a14:hiddenLine xmlns="" xmlns:a14="http://schemas.microsoft.com/office/drawing/2010/main" w="9525">
+                  <a14:hiddenLine xmlns:a14="http://schemas.microsoft.com/office/drawing/2010/main" xmlns="" w="9525">
                     <a:solidFill>
                       <a:schemeClr val="tx1"/>
                     </a:solidFill>
@@ -28719,7 +28719,7 @@
                   </a14:hiddenLine>
                 </a:ext>
                 <a:ext uri="{AF507438-7753-43e0-B8FC-AC1667EBCBE1}">
-                  <a14:hiddenEffects xmlns="" xmlns:a14="http://schemas.microsoft.com/office/drawing/2010/main">
+                  <a14:hiddenEffects xmlns:a14="http://schemas.microsoft.com/office/drawing/2010/main" xmlns="">
                     <a:effectLst>
                       <a:outerShdw blurRad="63500" dist="38099" dir="2700000" algn="ctr" rotWithShape="0">
                         <a:schemeClr val="bg2">
@@ -28913,14 +28913,14 @@
               <a:effectLst/>
               <a:extLst>
                 <a:ext uri="{909E8E84-426E-40dd-AFC4-6F175D3DCCD1}">
-                  <a14:hiddenFill xmlns="" xmlns:a14="http://schemas.microsoft.com/office/drawing/2010/main">
+                  <a14:hiddenFill xmlns:a14="http://schemas.microsoft.com/office/drawing/2010/main" xmlns="">
                     <a:solidFill>
                       <a:schemeClr val="accent1"/>
                     </a:solidFill>
                   </a14:hiddenFill>
                 </a:ext>
                 <a:ext uri="{AF507438-7753-43e0-B8FC-AC1667EBCBE1}">
-                  <a14:hiddenEffects xmlns="" xmlns:a14="http://schemas.microsoft.com/office/drawing/2010/main">
+                  <a14:hiddenEffects xmlns:a14="http://schemas.microsoft.com/office/drawing/2010/main" xmlns="">
                     <a:effectLst>
                       <a:outerShdw blurRad="63500" dist="38099" dir="2700000" algn="ctr" rotWithShape="0">
                         <a:schemeClr val="bg2">
@@ -28975,14 +28975,14 @@
               <a:effectLst/>
               <a:extLst>
                 <a:ext uri="{909E8E84-426E-40dd-AFC4-6F175D3DCCD1}">
-                  <a14:hiddenFill xmlns="" xmlns:a14="http://schemas.microsoft.com/office/drawing/2010/main">
+                  <a14:hiddenFill xmlns:a14="http://schemas.microsoft.com/office/drawing/2010/main" xmlns="">
                     <a:solidFill>
                       <a:schemeClr val="accent1"/>
                     </a:solidFill>
                   </a14:hiddenFill>
                 </a:ext>
                 <a:ext uri="{91240B29-F687-4f45-9708-019B960494DF}">
-                  <a14:hiddenLine xmlns="" xmlns:a14="http://schemas.microsoft.com/office/drawing/2010/main" w="9525">
+                  <a14:hiddenLine xmlns:a14="http://schemas.microsoft.com/office/drawing/2010/main" xmlns="" w="9525">
                     <a:solidFill>
                       <a:schemeClr val="tx1"/>
                     </a:solidFill>
@@ -28992,7 +28992,7 @@
                   </a14:hiddenLine>
                 </a:ext>
                 <a:ext uri="{AF507438-7753-43e0-B8FC-AC1667EBCBE1}">
-                  <a14:hiddenEffects xmlns="" xmlns:a14="http://schemas.microsoft.com/office/drawing/2010/main">
+                  <a14:hiddenEffects xmlns:a14="http://schemas.microsoft.com/office/drawing/2010/main" xmlns="">
                     <a:effectLst>
                       <a:outerShdw blurRad="63500" dist="38099" dir="2700000" algn="ctr" rotWithShape="0">
                         <a:schemeClr val="bg2">
@@ -29208,14 +29208,14 @@
                 <a:effectLst/>
                 <a:extLst>
                   <a:ext uri="{909E8E84-426E-40dd-AFC4-6F175D3DCCD1}">
-                    <a14:hiddenFill xmlns="" xmlns:a14="http://schemas.microsoft.com/office/drawing/2010/main">
+                    <a14:hiddenFill xmlns:a14="http://schemas.microsoft.com/office/drawing/2010/main" xmlns="">
                       <a:solidFill>
                         <a:schemeClr val="accent1"/>
                       </a:solidFill>
                     </a14:hiddenFill>
                   </a:ext>
                   <a:ext uri="{AF507438-7753-43e0-B8FC-AC1667EBCBE1}">
-                    <a14:hiddenEffects xmlns="" xmlns:a14="http://schemas.microsoft.com/office/drawing/2010/main">
+                    <a14:hiddenEffects xmlns:a14="http://schemas.microsoft.com/office/drawing/2010/main" xmlns="">
                       <a:effectLst>
                         <a:outerShdw blurRad="63500" dist="38099" dir="2700000" algn="ctr" rotWithShape="0">
                           <a:schemeClr val="bg2">
@@ -29270,14 +29270,14 @@
                 <a:effectLst/>
                 <a:extLst>
                   <a:ext uri="{909E8E84-426E-40dd-AFC4-6F175D3DCCD1}">
-                    <a14:hiddenFill xmlns="" xmlns:a14="http://schemas.microsoft.com/office/drawing/2010/main">
+                    <a14:hiddenFill xmlns:a14="http://schemas.microsoft.com/office/drawing/2010/main" xmlns="">
                       <a:solidFill>
                         <a:schemeClr val="accent1"/>
                       </a:solidFill>
                     </a14:hiddenFill>
                   </a:ext>
                   <a:ext uri="{91240B29-F687-4f45-9708-019B960494DF}">
-                    <a14:hiddenLine xmlns="" xmlns:a14="http://schemas.microsoft.com/office/drawing/2010/main" w="9525">
+                    <a14:hiddenLine xmlns:a14="http://schemas.microsoft.com/office/drawing/2010/main" xmlns="" w="9525">
                       <a:solidFill>
                         <a:schemeClr val="tx1"/>
                       </a:solidFill>
@@ -29287,7 +29287,7 @@
                     </a14:hiddenLine>
                   </a:ext>
                   <a:ext uri="{AF507438-7753-43e0-B8FC-AC1667EBCBE1}">
-                    <a14:hiddenEffects xmlns="" xmlns:a14="http://schemas.microsoft.com/office/drawing/2010/main">
+                    <a14:hiddenEffects xmlns:a14="http://schemas.microsoft.com/office/drawing/2010/main" xmlns="">
                       <a:effectLst>
                         <a:outerShdw blurRad="63500" dist="38099" dir="2700000" algn="ctr" rotWithShape="0">
                           <a:schemeClr val="bg2">
@@ -29451,14 +29451,14 @@
               <a:effectLst/>
               <a:extLst>
                 <a:ext uri="{909E8E84-426E-40dd-AFC4-6F175D3DCCD1}">
-                  <a14:hiddenFill xmlns="" xmlns:a14="http://schemas.microsoft.com/office/drawing/2010/main">
+                  <a14:hiddenFill xmlns:a14="http://schemas.microsoft.com/office/drawing/2010/main" xmlns="">
                     <a:solidFill>
                       <a:schemeClr val="accent1"/>
                     </a:solidFill>
                   </a14:hiddenFill>
                 </a:ext>
                 <a:ext uri="{91240B29-F687-4f45-9708-019B960494DF}">
-                  <a14:hiddenLine xmlns="" xmlns:a14="http://schemas.microsoft.com/office/drawing/2010/main" w="9525">
+                  <a14:hiddenLine xmlns:a14="http://schemas.microsoft.com/office/drawing/2010/main" xmlns="" w="9525">
                     <a:solidFill>
                       <a:schemeClr val="tx1"/>
                     </a:solidFill>
@@ -29468,7 +29468,7 @@
                   </a14:hiddenLine>
                 </a:ext>
                 <a:ext uri="{AF507438-7753-43e0-B8FC-AC1667EBCBE1}">
-                  <a14:hiddenEffects xmlns="" xmlns:a14="http://schemas.microsoft.com/office/drawing/2010/main">
+                  <a14:hiddenEffects xmlns:a14="http://schemas.microsoft.com/office/drawing/2010/main" xmlns="">
                     <a:effectLst>
                       <a:outerShdw blurRad="63500" dist="38099" dir="2700000" algn="ctr" rotWithShape="0">
                         <a:schemeClr val="bg2">
@@ -29794,14 +29794,14 @@
               <a:effectLst/>
               <a:extLst>
                 <a:ext uri="{909E8E84-426E-40dd-AFC4-6F175D3DCCD1}">
-                  <a14:hiddenFill xmlns="" xmlns:a14="http://schemas.microsoft.com/office/drawing/2010/main">
+                  <a14:hiddenFill xmlns:a14="http://schemas.microsoft.com/office/drawing/2010/main" xmlns="">
                     <a:solidFill>
                       <a:schemeClr val="accent1"/>
                     </a:solidFill>
                   </a14:hiddenFill>
                 </a:ext>
                 <a:ext uri="{AF507438-7753-43e0-B8FC-AC1667EBCBE1}">
-                  <a14:hiddenEffects xmlns="" xmlns:a14="http://schemas.microsoft.com/office/drawing/2010/main">
+                  <a14:hiddenEffects xmlns:a14="http://schemas.microsoft.com/office/drawing/2010/main" xmlns="">
                     <a:effectLst>
                       <a:outerShdw blurRad="63500" dist="38099" dir="2700000" algn="ctr" rotWithShape="0">
                         <a:schemeClr val="bg2">
@@ -29976,14 +29976,14 @@
               <a:effectLst/>
               <a:extLst>
                 <a:ext uri="{909E8E84-426E-40dd-AFC4-6F175D3DCCD1}">
-                  <a14:hiddenFill xmlns="" xmlns:a14="http://schemas.microsoft.com/office/drawing/2010/main">
+                  <a14:hiddenFill xmlns:a14="http://schemas.microsoft.com/office/drawing/2010/main" xmlns="">
                     <a:solidFill>
                       <a:schemeClr val="accent1"/>
                     </a:solidFill>
                   </a14:hiddenFill>
                 </a:ext>
                 <a:ext uri="{91240B29-F687-4f45-9708-019B960494DF}">
-                  <a14:hiddenLine xmlns="" xmlns:a14="http://schemas.microsoft.com/office/drawing/2010/main" w="9525">
+                  <a14:hiddenLine xmlns:a14="http://schemas.microsoft.com/office/drawing/2010/main" xmlns="" w="9525">
                     <a:solidFill>
                       <a:schemeClr val="tx1"/>
                     </a:solidFill>
@@ -29993,7 +29993,7 @@
                   </a14:hiddenLine>
                 </a:ext>
                 <a:ext uri="{AF507438-7753-43e0-B8FC-AC1667EBCBE1}">
-                  <a14:hiddenEffects xmlns="" xmlns:a14="http://schemas.microsoft.com/office/drawing/2010/main">
+                  <a14:hiddenEffects xmlns:a14="http://schemas.microsoft.com/office/drawing/2010/main" xmlns="">
                     <a:effectLst>
                       <a:outerShdw blurRad="63500" dist="38099" dir="2700000" algn="ctr" rotWithShape="0">
                         <a:schemeClr val="bg2">
@@ -30194,14 +30194,14 @@
               <a:effectLst/>
               <a:extLst>
                 <a:ext uri="{909E8E84-426E-40dd-AFC4-6F175D3DCCD1}">
-                  <a14:hiddenFill xmlns="" xmlns:a14="http://schemas.microsoft.com/office/drawing/2010/main">
+                  <a14:hiddenFill xmlns:a14="http://schemas.microsoft.com/office/drawing/2010/main" xmlns="">
                     <a:solidFill>
                       <a:schemeClr val="accent1"/>
                     </a:solidFill>
                   </a14:hiddenFill>
                 </a:ext>
                 <a:ext uri="{91240B29-F687-4f45-9708-019B960494DF}">
-                  <a14:hiddenLine xmlns="" xmlns:a14="http://schemas.microsoft.com/office/drawing/2010/main" w="9525">
+                  <a14:hiddenLine xmlns:a14="http://schemas.microsoft.com/office/drawing/2010/main" xmlns="" w="9525">
                     <a:solidFill>
                       <a:schemeClr val="tx1"/>
                     </a:solidFill>
@@ -30211,7 +30211,7 @@
                   </a14:hiddenLine>
                 </a:ext>
                 <a:ext uri="{AF507438-7753-43e0-B8FC-AC1667EBCBE1}">
-                  <a14:hiddenEffects xmlns="" xmlns:a14="http://schemas.microsoft.com/office/drawing/2010/main">
+                  <a14:hiddenEffects xmlns:a14="http://schemas.microsoft.com/office/drawing/2010/main" xmlns="">
                     <a:effectLst>
                       <a:outerShdw blurRad="63500" dist="38099" dir="2700000" algn="ctr" rotWithShape="0">
                         <a:schemeClr val="bg2">
@@ -30394,14 +30394,14 @@
               <a:effectLst/>
               <a:extLst>
                 <a:ext uri="{909E8E84-426E-40dd-AFC4-6F175D3DCCD1}">
-                  <a14:hiddenFill xmlns="" xmlns:a14="http://schemas.microsoft.com/office/drawing/2010/main">
+                  <a14:hiddenFill xmlns:a14="http://schemas.microsoft.com/office/drawing/2010/main" xmlns="">
                     <a:solidFill>
                       <a:schemeClr val="accent1"/>
                     </a:solidFill>
                   </a14:hiddenFill>
                 </a:ext>
                 <a:ext uri="{AF507438-7753-43e0-B8FC-AC1667EBCBE1}">
-                  <a14:hiddenEffects xmlns="" xmlns:a14="http://schemas.microsoft.com/office/drawing/2010/main">
+                  <a14:hiddenEffects xmlns:a14="http://schemas.microsoft.com/office/drawing/2010/main" xmlns="">
                     <a:effectLst>
                       <a:outerShdw blurRad="63500" dist="38099" dir="2700000" algn="ctr" rotWithShape="0">
                         <a:schemeClr val="bg2">
@@ -30461,12 +30461,12 @@
               <a:effectLst/>
               <a:extLst>
                 <a:ext uri="{909E8E84-426E-40dd-AFC4-6F175D3DCCD1}">
-                  <a14:hiddenFill xmlns="" xmlns:a14="http://schemas.microsoft.com/office/drawing/2010/main">
+                  <a14:hiddenFill xmlns:a14="http://schemas.microsoft.com/office/drawing/2010/main" xmlns="">
                     <a:noFill/>
                   </a14:hiddenFill>
                 </a:ext>
                 <a:ext uri="{AF507438-7753-43e0-B8FC-AC1667EBCBE1}">
-                  <a14:hiddenEffects xmlns="" xmlns:a14="http://schemas.microsoft.com/office/drawing/2010/main">
+                  <a14:hiddenEffects xmlns:a14="http://schemas.microsoft.com/office/drawing/2010/main" xmlns="">
                     <a:effectLst>
                       <a:outerShdw blurRad="63500" dist="38099" dir="2700000" algn="ctr" rotWithShape="0">
                         <a:schemeClr val="bg2">
@@ -30526,12 +30526,12 @@
               <a:effectLst/>
               <a:extLst>
                 <a:ext uri="{909E8E84-426E-40dd-AFC4-6F175D3DCCD1}">
-                  <a14:hiddenFill xmlns="" xmlns:a14="http://schemas.microsoft.com/office/drawing/2010/main">
+                  <a14:hiddenFill xmlns:a14="http://schemas.microsoft.com/office/drawing/2010/main" xmlns="">
                     <a:noFill/>
                   </a14:hiddenFill>
                 </a:ext>
                 <a:ext uri="{AF507438-7753-43e0-B8FC-AC1667EBCBE1}">
-                  <a14:hiddenEffects xmlns="" xmlns:a14="http://schemas.microsoft.com/office/drawing/2010/main">
+                  <a14:hiddenEffects xmlns:a14="http://schemas.microsoft.com/office/drawing/2010/main" xmlns="">
                     <a:effectLst>
                       <a:outerShdw blurRad="63500" dist="38099" dir="2700000" algn="ctr" rotWithShape="0">
                         <a:schemeClr val="bg2">
@@ -30613,12 +30613,12 @@
                 <a:effectLst/>
                 <a:extLst>
                   <a:ext uri="{909E8E84-426E-40dd-AFC4-6F175D3DCCD1}">
-                    <a14:hiddenFill xmlns="" xmlns:a14="http://schemas.microsoft.com/office/drawing/2010/main">
+                    <a14:hiddenFill xmlns:a14="http://schemas.microsoft.com/office/drawing/2010/main" xmlns="">
                       <a:noFill/>
                     </a14:hiddenFill>
                   </a:ext>
                   <a:ext uri="{AF507438-7753-43e0-B8FC-AC1667EBCBE1}">
-                    <a14:hiddenEffects xmlns="" xmlns:a14="http://schemas.microsoft.com/office/drawing/2010/main">
+                    <a14:hiddenEffects xmlns:a14="http://schemas.microsoft.com/office/drawing/2010/main" xmlns="">
                       <a:effectLst>
                         <a:outerShdw blurRad="63500" dist="38099" dir="2700000" algn="ctr" rotWithShape="0">
                           <a:schemeClr val="bg2">
@@ -30678,12 +30678,12 @@
                 <a:effectLst/>
                 <a:extLst>
                   <a:ext uri="{909E8E84-426E-40dd-AFC4-6F175D3DCCD1}">
-                    <a14:hiddenFill xmlns="" xmlns:a14="http://schemas.microsoft.com/office/drawing/2010/main">
+                    <a14:hiddenFill xmlns:a14="http://schemas.microsoft.com/office/drawing/2010/main" xmlns="">
                       <a:noFill/>
                     </a14:hiddenFill>
                   </a:ext>
                   <a:ext uri="{AF507438-7753-43e0-B8FC-AC1667EBCBE1}">
-                    <a14:hiddenEffects xmlns="" xmlns:a14="http://schemas.microsoft.com/office/drawing/2010/main">
+                    <a14:hiddenEffects xmlns:a14="http://schemas.microsoft.com/office/drawing/2010/main" xmlns="">
                       <a:effectLst>
                         <a:outerShdw blurRad="63500" dist="38099" dir="2700000" algn="ctr" rotWithShape="0">
                           <a:schemeClr val="bg2">
@@ -30744,12 +30744,12 @@
               <a:effectLst/>
               <a:extLst>
                 <a:ext uri="{909E8E84-426E-40dd-AFC4-6F175D3DCCD1}">
-                  <a14:hiddenFill xmlns="" xmlns:a14="http://schemas.microsoft.com/office/drawing/2010/main">
+                  <a14:hiddenFill xmlns:a14="http://schemas.microsoft.com/office/drawing/2010/main" xmlns="">
                     <a:noFill/>
                   </a14:hiddenFill>
                 </a:ext>
                 <a:ext uri="{AF507438-7753-43e0-B8FC-AC1667EBCBE1}">
-                  <a14:hiddenEffects xmlns="" xmlns:a14="http://schemas.microsoft.com/office/drawing/2010/main">
+                  <a14:hiddenEffects xmlns:a14="http://schemas.microsoft.com/office/drawing/2010/main" xmlns="">
                     <a:effectLst>
                       <a:outerShdw blurRad="63500" dist="38099" dir="2700000" algn="ctr" rotWithShape="0">
                         <a:schemeClr val="bg2">
@@ -30809,12 +30809,12 @@
               <a:effectLst/>
               <a:extLst>
                 <a:ext uri="{909E8E84-426E-40dd-AFC4-6F175D3DCCD1}">
-                  <a14:hiddenFill xmlns="" xmlns:a14="http://schemas.microsoft.com/office/drawing/2010/main">
+                  <a14:hiddenFill xmlns:a14="http://schemas.microsoft.com/office/drawing/2010/main" xmlns="">
                     <a:noFill/>
                   </a14:hiddenFill>
                 </a:ext>
                 <a:ext uri="{AF507438-7753-43e0-B8FC-AC1667EBCBE1}">
-                  <a14:hiddenEffects xmlns="" xmlns:a14="http://schemas.microsoft.com/office/drawing/2010/main">
+                  <a14:hiddenEffects xmlns:a14="http://schemas.microsoft.com/office/drawing/2010/main" xmlns="">
                     <a:effectLst>
                       <a:outerShdw blurRad="63500" dist="38099" dir="2700000" algn="ctr" rotWithShape="0">
                         <a:schemeClr val="bg2">
@@ -30874,12 +30874,12 @@
               <a:effectLst/>
               <a:extLst>
                 <a:ext uri="{909E8E84-426E-40dd-AFC4-6F175D3DCCD1}">
-                  <a14:hiddenFill xmlns="" xmlns:a14="http://schemas.microsoft.com/office/drawing/2010/main">
+                  <a14:hiddenFill xmlns:a14="http://schemas.microsoft.com/office/drawing/2010/main" xmlns="">
                     <a:noFill/>
                   </a14:hiddenFill>
                 </a:ext>
                 <a:ext uri="{AF507438-7753-43e0-B8FC-AC1667EBCBE1}">
-                  <a14:hiddenEffects xmlns="" xmlns:a14="http://schemas.microsoft.com/office/drawing/2010/main">
+                  <a14:hiddenEffects xmlns:a14="http://schemas.microsoft.com/office/drawing/2010/main" xmlns="">
                     <a:effectLst>
                       <a:outerShdw blurRad="63500" dist="38099" dir="2700000" algn="ctr" rotWithShape="0">
                         <a:schemeClr val="bg2">
@@ -30939,12 +30939,12 @@
               <a:effectLst/>
               <a:extLst>
                 <a:ext uri="{909E8E84-426E-40dd-AFC4-6F175D3DCCD1}">
-                  <a14:hiddenFill xmlns="" xmlns:a14="http://schemas.microsoft.com/office/drawing/2010/main">
+                  <a14:hiddenFill xmlns:a14="http://schemas.microsoft.com/office/drawing/2010/main" xmlns="">
                     <a:noFill/>
                   </a14:hiddenFill>
                 </a:ext>
                 <a:ext uri="{AF507438-7753-43e0-B8FC-AC1667EBCBE1}">
-                  <a14:hiddenEffects xmlns="" xmlns:a14="http://schemas.microsoft.com/office/drawing/2010/main">
+                  <a14:hiddenEffects xmlns:a14="http://schemas.microsoft.com/office/drawing/2010/main" xmlns="">
                     <a:effectLst>
                       <a:outerShdw blurRad="63500" dist="38099" dir="2700000" algn="ctr" rotWithShape="0">
                         <a:schemeClr val="bg2">
@@ -30999,14 +30999,14 @@
               <a:effectLst/>
               <a:extLst>
                 <a:ext uri="{909E8E84-426E-40dd-AFC4-6F175D3DCCD1}">
-                  <a14:hiddenFill xmlns="" xmlns:a14="http://schemas.microsoft.com/office/drawing/2010/main">
+                  <a14:hiddenFill xmlns:a14="http://schemas.microsoft.com/office/drawing/2010/main" xmlns="">
                     <a:solidFill>
                       <a:schemeClr val="accent1"/>
                     </a:solidFill>
                   </a14:hiddenFill>
                 </a:ext>
                 <a:ext uri="{91240B29-F687-4f45-9708-019B960494DF}">
-                  <a14:hiddenLine xmlns="" xmlns:a14="http://schemas.microsoft.com/office/drawing/2010/main" w="9525">
+                  <a14:hiddenLine xmlns:a14="http://schemas.microsoft.com/office/drawing/2010/main" xmlns="" w="9525">
                     <a:solidFill>
                       <a:schemeClr val="tx1"/>
                     </a:solidFill>
@@ -31016,7 +31016,7 @@
                   </a14:hiddenLine>
                 </a:ext>
                 <a:ext uri="{AF507438-7753-43e0-B8FC-AC1667EBCBE1}">
-                  <a14:hiddenEffects xmlns="" xmlns:a14="http://schemas.microsoft.com/office/drawing/2010/main">
+                  <a14:hiddenEffects xmlns:a14="http://schemas.microsoft.com/office/drawing/2010/main" xmlns="">
                     <a:effectLst>
                       <a:outerShdw blurRad="63500" dist="38099" dir="2700000" algn="ctr" rotWithShape="0">
                         <a:schemeClr val="bg2">
@@ -31183,14 +31183,14 @@
               <a:effectLst/>
               <a:extLst>
                 <a:ext uri="{909E8E84-426E-40dd-AFC4-6F175D3DCCD1}">
-                  <a14:hiddenFill xmlns="" xmlns:a14="http://schemas.microsoft.com/office/drawing/2010/main">
+                  <a14:hiddenFill xmlns:a14="http://schemas.microsoft.com/office/drawing/2010/main" xmlns="">
                     <a:solidFill>
                       <a:schemeClr val="accent1"/>
                     </a:solidFill>
                   </a14:hiddenFill>
                 </a:ext>
                 <a:ext uri="{91240B29-F687-4f45-9708-019B960494DF}">
-                  <a14:hiddenLine xmlns="" xmlns:a14="http://schemas.microsoft.com/office/drawing/2010/main" w="9525">
+                  <a14:hiddenLine xmlns:a14="http://schemas.microsoft.com/office/drawing/2010/main" xmlns="" w="9525">
                     <a:solidFill>
                       <a:schemeClr val="tx1"/>
                     </a:solidFill>
@@ -31200,7 +31200,7 @@
                   </a14:hiddenLine>
                 </a:ext>
                 <a:ext uri="{AF507438-7753-43e0-B8FC-AC1667EBCBE1}">
-                  <a14:hiddenEffects xmlns="" xmlns:a14="http://schemas.microsoft.com/office/drawing/2010/main">
+                  <a14:hiddenEffects xmlns:a14="http://schemas.microsoft.com/office/drawing/2010/main" xmlns="">
                     <a:effectLst>
                       <a:outerShdw blurRad="63500" dist="38099" dir="2700000" algn="ctr" rotWithShape="0">
                         <a:schemeClr val="bg2">
@@ -31367,14 +31367,14 @@
               <a:effectLst/>
               <a:extLst>
                 <a:ext uri="{909E8E84-426E-40dd-AFC4-6F175D3DCCD1}">
-                  <a14:hiddenFill xmlns="" xmlns:a14="http://schemas.microsoft.com/office/drawing/2010/main">
+                  <a14:hiddenFill xmlns:a14="http://schemas.microsoft.com/office/drawing/2010/main" xmlns="">
                     <a:solidFill>
                       <a:schemeClr val="accent1"/>
                     </a:solidFill>
                   </a14:hiddenFill>
                 </a:ext>
                 <a:ext uri="{91240B29-F687-4f45-9708-019B960494DF}">
-                  <a14:hiddenLine xmlns="" xmlns:a14="http://schemas.microsoft.com/office/drawing/2010/main" w="9525">
+                  <a14:hiddenLine xmlns:a14="http://schemas.microsoft.com/office/drawing/2010/main" xmlns="" w="9525">
                     <a:solidFill>
                       <a:schemeClr val="tx1"/>
                     </a:solidFill>
@@ -31384,7 +31384,7 @@
                   </a14:hiddenLine>
                 </a:ext>
                 <a:ext uri="{AF507438-7753-43e0-B8FC-AC1667EBCBE1}">
-                  <a14:hiddenEffects xmlns="" xmlns:a14="http://schemas.microsoft.com/office/drawing/2010/main">
+                  <a14:hiddenEffects xmlns:a14="http://schemas.microsoft.com/office/drawing/2010/main" xmlns="">
                     <a:effectLst>
                       <a:outerShdw blurRad="63500" dist="38099" dir="2700000" algn="ctr" rotWithShape="0">
                         <a:schemeClr val="bg2">
@@ -31551,14 +31551,14 @@
               <a:effectLst/>
               <a:extLst>
                 <a:ext uri="{909E8E84-426E-40dd-AFC4-6F175D3DCCD1}">
-                  <a14:hiddenFill xmlns="" xmlns:a14="http://schemas.microsoft.com/office/drawing/2010/main">
+                  <a14:hiddenFill xmlns:a14="http://schemas.microsoft.com/office/drawing/2010/main" xmlns="">
                     <a:solidFill>
                       <a:schemeClr val="accent1"/>
                     </a:solidFill>
                   </a14:hiddenFill>
                 </a:ext>
                 <a:ext uri="{91240B29-F687-4f45-9708-019B960494DF}">
-                  <a14:hiddenLine xmlns="" xmlns:a14="http://schemas.microsoft.com/office/drawing/2010/main" w="9525">
+                  <a14:hiddenLine xmlns:a14="http://schemas.microsoft.com/office/drawing/2010/main" xmlns="" w="9525">
                     <a:solidFill>
                       <a:schemeClr val="tx1"/>
                     </a:solidFill>
@@ -31568,7 +31568,7 @@
                   </a14:hiddenLine>
                 </a:ext>
                 <a:ext uri="{AF507438-7753-43e0-B8FC-AC1667EBCBE1}">
-                  <a14:hiddenEffects xmlns="" xmlns:a14="http://schemas.microsoft.com/office/drawing/2010/main">
+                  <a14:hiddenEffects xmlns:a14="http://schemas.microsoft.com/office/drawing/2010/main" xmlns="">
                     <a:effectLst>
                       <a:outerShdw blurRad="63500" dist="38099" dir="2700000" algn="ctr" rotWithShape="0">
                         <a:schemeClr val="bg2">
@@ -31736,14 +31736,14 @@
               <a:effectLst/>
               <a:extLst>
                 <a:ext uri="{909E8E84-426E-40dd-AFC4-6F175D3DCCD1}">
-                  <a14:hiddenFill xmlns="" xmlns:a14="http://schemas.microsoft.com/office/drawing/2010/main">
+                  <a14:hiddenFill xmlns:a14="http://schemas.microsoft.com/office/drawing/2010/main" xmlns="">
                     <a:solidFill>
                       <a:schemeClr val="accent1"/>
                     </a:solidFill>
                   </a14:hiddenFill>
                 </a:ext>
                 <a:ext uri="{AF507438-7753-43e0-B8FC-AC1667EBCBE1}">
-                  <a14:hiddenEffects xmlns="" xmlns:a14="http://schemas.microsoft.com/office/drawing/2010/main">
+                  <a14:hiddenEffects xmlns:a14="http://schemas.microsoft.com/office/drawing/2010/main" xmlns="">
                     <a:effectLst>
                       <a:outerShdw blurRad="63500" dist="38099" dir="2700000" algn="ctr" rotWithShape="0">
                         <a:schemeClr val="bg2">
@@ -31798,14 +31798,14 @@
               <a:effectLst/>
               <a:extLst>
                 <a:ext uri="{909E8E84-426E-40dd-AFC4-6F175D3DCCD1}">
-                  <a14:hiddenFill xmlns="" xmlns:a14="http://schemas.microsoft.com/office/drawing/2010/main">
+                  <a14:hiddenFill xmlns:a14="http://schemas.microsoft.com/office/drawing/2010/main" xmlns="">
                     <a:solidFill>
                       <a:schemeClr val="accent1"/>
                     </a:solidFill>
                   </a14:hiddenFill>
                 </a:ext>
                 <a:ext uri="{91240B29-F687-4f45-9708-019B960494DF}">
-                  <a14:hiddenLine xmlns="" xmlns:a14="http://schemas.microsoft.com/office/drawing/2010/main" w="9525">
+                  <a14:hiddenLine xmlns:a14="http://schemas.microsoft.com/office/drawing/2010/main" xmlns="" w="9525">
                     <a:solidFill>
                       <a:schemeClr val="tx1"/>
                     </a:solidFill>
@@ -31815,7 +31815,7 @@
                   </a14:hiddenLine>
                 </a:ext>
                 <a:ext uri="{AF507438-7753-43e0-B8FC-AC1667EBCBE1}">
-                  <a14:hiddenEffects xmlns="" xmlns:a14="http://schemas.microsoft.com/office/drawing/2010/main">
+                  <a14:hiddenEffects xmlns:a14="http://schemas.microsoft.com/office/drawing/2010/main" xmlns="">
                     <a:effectLst>
                       <a:outerShdw blurRad="63500" dist="38099" dir="2700000" algn="ctr" rotWithShape="0">
                         <a:schemeClr val="bg2">
@@ -32009,12 +32009,12 @@
                 <a:effectLst/>
                 <a:extLst>
                   <a:ext uri="{909E8E84-426E-40dd-AFC4-6F175D3DCCD1}">
-                    <a14:hiddenFill xmlns="" xmlns:a14="http://schemas.microsoft.com/office/drawing/2010/main">
+                    <a14:hiddenFill xmlns:a14="http://schemas.microsoft.com/office/drawing/2010/main" xmlns="">
                       <a:noFill/>
                     </a14:hiddenFill>
                   </a:ext>
                   <a:ext uri="{AF507438-7753-43e0-B8FC-AC1667EBCBE1}">
-                    <a14:hiddenEffects xmlns="" xmlns:a14="http://schemas.microsoft.com/office/drawing/2010/main">
+                    <a14:hiddenEffects xmlns:a14="http://schemas.microsoft.com/office/drawing/2010/main" xmlns="">
                       <a:effectLst>
                         <a:outerShdw blurRad="63500" dist="38099" dir="2700000" algn="ctr" rotWithShape="0">
                           <a:schemeClr val="bg2">
@@ -32074,12 +32074,12 @@
                 <a:effectLst/>
                 <a:extLst>
                   <a:ext uri="{909E8E84-426E-40dd-AFC4-6F175D3DCCD1}">
-                    <a14:hiddenFill xmlns="" xmlns:a14="http://schemas.microsoft.com/office/drawing/2010/main">
+                    <a14:hiddenFill xmlns:a14="http://schemas.microsoft.com/office/drawing/2010/main" xmlns="">
                       <a:noFill/>
                     </a14:hiddenFill>
                   </a:ext>
                   <a:ext uri="{AF507438-7753-43e0-B8FC-AC1667EBCBE1}">
-                    <a14:hiddenEffects xmlns="" xmlns:a14="http://schemas.microsoft.com/office/drawing/2010/main">
+                    <a14:hiddenEffects xmlns:a14="http://schemas.microsoft.com/office/drawing/2010/main" xmlns="">
                       <a:effectLst>
                         <a:outerShdw blurRad="63500" dist="38099" dir="2700000" algn="ctr" rotWithShape="0">
                           <a:schemeClr val="bg2">
@@ -32135,14 +32135,14 @@
               <a:effectLst/>
               <a:extLst>
                 <a:ext uri="{909E8E84-426E-40dd-AFC4-6F175D3DCCD1}">
-                  <a14:hiddenFill xmlns="" xmlns:a14="http://schemas.microsoft.com/office/drawing/2010/main">
+                  <a14:hiddenFill xmlns:a14="http://schemas.microsoft.com/office/drawing/2010/main" xmlns="">
                     <a:solidFill>
                       <a:schemeClr val="accent1"/>
                     </a:solidFill>
                   </a14:hiddenFill>
                 </a:ext>
                 <a:ext uri="{91240B29-F687-4f45-9708-019B960494DF}">
-                  <a14:hiddenLine xmlns="" xmlns:a14="http://schemas.microsoft.com/office/drawing/2010/main" w="9525">
+                  <a14:hiddenLine xmlns:a14="http://schemas.microsoft.com/office/drawing/2010/main" xmlns="" w="9525">
                     <a:solidFill>
                       <a:schemeClr val="tx1"/>
                     </a:solidFill>
@@ -32152,7 +32152,7 @@
                   </a14:hiddenLine>
                 </a:ext>
                 <a:ext uri="{AF507438-7753-43e0-B8FC-AC1667EBCBE1}">
-                  <a14:hiddenEffects xmlns="" xmlns:a14="http://schemas.microsoft.com/office/drawing/2010/main">
+                  <a14:hiddenEffects xmlns:a14="http://schemas.microsoft.com/office/drawing/2010/main" xmlns="">
                     <a:effectLst>
                       <a:outerShdw blurRad="63500" dist="38099" dir="2700000" algn="ctr" rotWithShape="0">
                         <a:schemeClr val="bg2">
@@ -32324,14 +32324,14 @@
               <a:effectLst/>
               <a:extLst>
                 <a:ext uri="{909E8E84-426E-40dd-AFC4-6F175D3DCCD1}">
-                  <a14:hiddenFill xmlns="" xmlns:a14="http://schemas.microsoft.com/office/drawing/2010/main">
+                  <a14:hiddenFill xmlns:a14="http://schemas.microsoft.com/office/drawing/2010/main" xmlns="">
                     <a:solidFill>
                       <a:schemeClr val="accent1"/>
                     </a:solidFill>
                   </a14:hiddenFill>
                 </a:ext>
                 <a:ext uri="{AF507438-7753-43e0-B8FC-AC1667EBCBE1}">
-                  <a14:hiddenEffects xmlns="" xmlns:a14="http://schemas.microsoft.com/office/drawing/2010/main">
+                  <a14:hiddenEffects xmlns:a14="http://schemas.microsoft.com/office/drawing/2010/main" xmlns="">
                     <a:effectLst>
                       <a:outerShdw blurRad="63500" dist="38099" dir="2700000" algn="ctr" rotWithShape="0">
                         <a:schemeClr val="bg2">
@@ -32511,12 +32511,12 @@
               <a:effectLst/>
               <a:extLst>
                 <a:ext uri="{909E8E84-426E-40dd-AFC4-6F175D3DCCD1}">
-                  <a14:hiddenFill xmlns="" xmlns:a14="http://schemas.microsoft.com/office/drawing/2010/main">
+                  <a14:hiddenFill xmlns:a14="http://schemas.microsoft.com/office/drawing/2010/main" xmlns="">
                     <a:noFill/>
                   </a14:hiddenFill>
                 </a:ext>
                 <a:ext uri="{AF507438-7753-43e0-B8FC-AC1667EBCBE1}">
-                  <a14:hiddenEffects xmlns="" xmlns:a14="http://schemas.microsoft.com/office/drawing/2010/main">
+                  <a14:hiddenEffects xmlns:a14="http://schemas.microsoft.com/office/drawing/2010/main" xmlns="">
                     <a:effectLst>
                       <a:outerShdw blurRad="63500" dist="38099" dir="2700000" algn="ctr" rotWithShape="0">
                         <a:schemeClr val="bg2">
@@ -32576,12 +32576,12 @@
               <a:effectLst/>
               <a:extLst>
                 <a:ext uri="{909E8E84-426E-40dd-AFC4-6F175D3DCCD1}">
-                  <a14:hiddenFill xmlns="" xmlns:a14="http://schemas.microsoft.com/office/drawing/2010/main">
+                  <a14:hiddenFill xmlns:a14="http://schemas.microsoft.com/office/drawing/2010/main" xmlns="">
                     <a:noFill/>
                   </a14:hiddenFill>
                 </a:ext>
                 <a:ext uri="{AF507438-7753-43e0-B8FC-AC1667EBCBE1}">
-                  <a14:hiddenEffects xmlns="" xmlns:a14="http://schemas.microsoft.com/office/drawing/2010/main">
+                  <a14:hiddenEffects xmlns:a14="http://schemas.microsoft.com/office/drawing/2010/main" xmlns="">
                     <a:effectLst>
                       <a:outerShdw blurRad="63500" dist="38099" dir="2700000" algn="ctr" rotWithShape="0">
                         <a:schemeClr val="bg2">
@@ -32636,14 +32636,14 @@
               <a:effectLst/>
               <a:extLst>
                 <a:ext uri="{909E8E84-426E-40dd-AFC4-6F175D3DCCD1}">
-                  <a14:hiddenFill xmlns="" xmlns:a14="http://schemas.microsoft.com/office/drawing/2010/main">
+                  <a14:hiddenFill xmlns:a14="http://schemas.microsoft.com/office/drawing/2010/main" xmlns="">
                     <a:solidFill>
                       <a:schemeClr val="accent1"/>
                     </a:solidFill>
                   </a14:hiddenFill>
                 </a:ext>
                 <a:ext uri="{91240B29-F687-4f45-9708-019B960494DF}">
-                  <a14:hiddenLine xmlns="" xmlns:a14="http://schemas.microsoft.com/office/drawing/2010/main" w="9525">
+                  <a14:hiddenLine xmlns:a14="http://schemas.microsoft.com/office/drawing/2010/main" xmlns="" w="9525">
                     <a:solidFill>
                       <a:schemeClr val="tx1"/>
                     </a:solidFill>
@@ -32653,7 +32653,7 @@
                   </a14:hiddenLine>
                 </a:ext>
                 <a:ext uri="{AF507438-7753-43e0-B8FC-AC1667EBCBE1}">
-                  <a14:hiddenEffects xmlns="" xmlns:a14="http://schemas.microsoft.com/office/drawing/2010/main">
+                  <a14:hiddenEffects xmlns:a14="http://schemas.microsoft.com/office/drawing/2010/main" xmlns="">
                     <a:effectLst>
                       <a:outerShdw blurRad="63500" dist="38099" dir="2700000" algn="ctr" rotWithShape="0">
                         <a:schemeClr val="bg2">
@@ -32825,14 +32825,14 @@
               <a:effectLst/>
               <a:extLst>
                 <a:ext uri="{909E8E84-426E-40dd-AFC4-6F175D3DCCD1}">
-                  <a14:hiddenFill xmlns="" xmlns:a14="http://schemas.microsoft.com/office/drawing/2010/main">
+                  <a14:hiddenFill xmlns:a14="http://schemas.microsoft.com/office/drawing/2010/main" xmlns="">
                     <a:solidFill>
                       <a:schemeClr val="accent1"/>
                     </a:solidFill>
                   </a14:hiddenFill>
                 </a:ext>
                 <a:ext uri="{AF507438-7753-43e0-B8FC-AC1667EBCBE1}">
-                  <a14:hiddenEffects xmlns="" xmlns:a14="http://schemas.microsoft.com/office/drawing/2010/main">
+                  <a14:hiddenEffects xmlns:a14="http://schemas.microsoft.com/office/drawing/2010/main" xmlns="">
                     <a:effectLst>
                       <a:outerShdw blurRad="63500" dist="38099" dir="2700000" algn="ctr" rotWithShape="0">
                         <a:schemeClr val="bg2">
@@ -33007,14 +33007,14 @@
               <a:effectLst/>
               <a:extLst>
                 <a:ext uri="{909E8E84-426E-40dd-AFC4-6F175D3DCCD1}">
-                  <a14:hiddenFill xmlns="" xmlns:a14="http://schemas.microsoft.com/office/drawing/2010/main">
+                  <a14:hiddenFill xmlns:a14="http://schemas.microsoft.com/office/drawing/2010/main" xmlns="">
                     <a:solidFill>
                       <a:schemeClr val="accent1"/>
                     </a:solidFill>
                   </a14:hiddenFill>
                 </a:ext>
                 <a:ext uri="{91240B29-F687-4f45-9708-019B960494DF}">
-                  <a14:hiddenLine xmlns="" xmlns:a14="http://schemas.microsoft.com/office/drawing/2010/main" w="9525">
+                  <a14:hiddenLine xmlns:a14="http://schemas.microsoft.com/office/drawing/2010/main" xmlns="" w="9525">
                     <a:solidFill>
                       <a:schemeClr val="tx1"/>
                     </a:solidFill>
@@ -33024,7 +33024,7 @@
                   </a14:hiddenLine>
                 </a:ext>
                 <a:ext uri="{AF507438-7753-43e0-B8FC-AC1667EBCBE1}">
-                  <a14:hiddenEffects xmlns="" xmlns:a14="http://schemas.microsoft.com/office/drawing/2010/main">
+                  <a14:hiddenEffects xmlns:a14="http://schemas.microsoft.com/office/drawing/2010/main" xmlns="">
                     <a:effectLst>
                       <a:outerShdw blurRad="63500" dist="38099" dir="2700000" algn="ctr" rotWithShape="0">
                         <a:schemeClr val="bg2">
@@ -33207,12 +33207,12 @@
               <a:effectLst/>
               <a:extLst>
                 <a:ext uri="{909E8E84-426E-40dd-AFC4-6F175D3DCCD1}">
-                  <a14:hiddenFill xmlns="" xmlns:a14="http://schemas.microsoft.com/office/drawing/2010/main">
+                  <a14:hiddenFill xmlns:a14="http://schemas.microsoft.com/office/drawing/2010/main" xmlns="">
                     <a:noFill/>
                   </a14:hiddenFill>
                 </a:ext>
                 <a:ext uri="{AF507438-7753-43e0-B8FC-AC1667EBCBE1}">
-                  <a14:hiddenEffects xmlns="" xmlns:a14="http://schemas.microsoft.com/office/drawing/2010/main">
+                  <a14:hiddenEffects xmlns:a14="http://schemas.microsoft.com/office/drawing/2010/main" xmlns="">
                     <a:effectLst>
                       <a:outerShdw blurRad="63500" dist="38099" dir="2700000" algn="ctr" rotWithShape="0">
                         <a:schemeClr val="bg2">
@@ -33272,12 +33272,12 @@
               <a:effectLst/>
               <a:extLst>
                 <a:ext uri="{909E8E84-426E-40dd-AFC4-6F175D3DCCD1}">
-                  <a14:hiddenFill xmlns="" xmlns:a14="http://schemas.microsoft.com/office/drawing/2010/main">
+                  <a14:hiddenFill xmlns:a14="http://schemas.microsoft.com/office/drawing/2010/main" xmlns="">
                     <a:noFill/>
                   </a14:hiddenFill>
                 </a:ext>
                 <a:ext uri="{AF507438-7753-43e0-B8FC-AC1667EBCBE1}">
-                  <a14:hiddenEffects xmlns="" xmlns:a14="http://schemas.microsoft.com/office/drawing/2010/main">
+                  <a14:hiddenEffects xmlns:a14="http://schemas.microsoft.com/office/drawing/2010/main" xmlns="">
                     <a:effectLst>
                       <a:outerShdw blurRad="63500" dist="38099" dir="2700000" algn="ctr" rotWithShape="0">
                         <a:schemeClr val="bg2">
@@ -33337,12 +33337,12 @@
               <a:effectLst/>
               <a:extLst>
                 <a:ext uri="{909E8E84-426E-40dd-AFC4-6F175D3DCCD1}">
-                  <a14:hiddenFill xmlns="" xmlns:a14="http://schemas.microsoft.com/office/drawing/2010/main">
+                  <a14:hiddenFill xmlns:a14="http://schemas.microsoft.com/office/drawing/2010/main" xmlns="">
                     <a:noFill/>
                   </a14:hiddenFill>
                 </a:ext>
                 <a:ext uri="{AF507438-7753-43e0-B8FC-AC1667EBCBE1}">
-                  <a14:hiddenEffects xmlns="" xmlns:a14="http://schemas.microsoft.com/office/drawing/2010/main">
+                  <a14:hiddenEffects xmlns:a14="http://schemas.microsoft.com/office/drawing/2010/main" xmlns="">
                     <a:effectLst>
                       <a:outerShdw blurRad="63500" dist="38099" dir="2700000" algn="ctr" rotWithShape="0">
                         <a:schemeClr val="bg2">
@@ -33402,12 +33402,12 @@
               <a:effectLst/>
               <a:extLst>
                 <a:ext uri="{909E8E84-426E-40dd-AFC4-6F175D3DCCD1}">
-                  <a14:hiddenFill xmlns="" xmlns:a14="http://schemas.microsoft.com/office/drawing/2010/main">
+                  <a14:hiddenFill xmlns:a14="http://schemas.microsoft.com/office/drawing/2010/main" xmlns="">
                     <a:noFill/>
                   </a14:hiddenFill>
                 </a:ext>
                 <a:ext uri="{AF507438-7753-43e0-B8FC-AC1667EBCBE1}">
-                  <a14:hiddenEffects xmlns="" xmlns:a14="http://schemas.microsoft.com/office/drawing/2010/main">
+                  <a14:hiddenEffects xmlns:a14="http://schemas.microsoft.com/office/drawing/2010/main" xmlns="">
                     <a:effectLst>
                       <a:outerShdw blurRad="63500" dist="38099" dir="2700000" algn="ctr" rotWithShape="0">
                         <a:schemeClr val="bg2">
